--- a/Lecture_Slides/recommendation_algorithm.pptx
+++ b/Lecture_Slides/recommendation_algorithm.pptx
@@ -5,7 +5,7 @@
     <p:sldMasterId id="2147483717" r:id="rId1"/>
   </p:sldMasterIdLst>
   <p:notesMasterIdLst>
-    <p:notesMasterId r:id="rId13"/>
+    <p:notesMasterId r:id="rId14"/>
   </p:notesMasterIdLst>
   <p:sldIdLst>
     <p:sldId id="256" r:id="rId2"/>
@@ -16,9 +16,10 @@
     <p:sldId id="262" r:id="rId7"/>
     <p:sldId id="264" r:id="rId8"/>
     <p:sldId id="263" r:id="rId9"/>
-    <p:sldId id="266" r:id="rId10"/>
-    <p:sldId id="265" r:id="rId11"/>
-    <p:sldId id="260" r:id="rId12"/>
+    <p:sldId id="267" r:id="rId10"/>
+    <p:sldId id="266" r:id="rId11"/>
+    <p:sldId id="265" r:id="rId12"/>
+    <p:sldId id="260" r:id="rId13"/>
   </p:sldIdLst>
   <p:sldSz cx="12192000" cy="6858000"/>
   <p:notesSz cx="6858000" cy="9144000"/>
@@ -117,6 +118,11 @@
       </a:defRPr>
     </a:lvl9pPr>
   </p:defaultTextStyle>
+  <p:extLst>
+    <p:ext uri="{EFAFB233-063F-42B5-8137-9DF3F51BA10A}">
+      <p15:sldGuideLst xmlns:p15="http://schemas.microsoft.com/office/powerpoint/2012/main"/>
+    </p:ext>
+  </p:extLst>
 </p:presentation>
 </file>
 
@@ -202,7 +208,7 @@
           <a:p>
             <a:fld id="{68BEC7F4-C185-EF41-B6C2-D56A585CCC37}" type="datetimeFigureOut">
               <a:rPr lang="en-US" smtClean="0"/>
-              <a:t>8/28/18</a:t>
+              <a:t>8/29/18</a:t>
             </a:fld>
             <a:endParaRPr lang="en-US"/>
           </a:p>
@@ -743,7 +749,7 @@
           <a:p>
             <a:fld id="{029D6684-96D6-D04B-944D-FB4321F63245}" type="datetime1">
               <a:rPr lang="en-US" smtClean="0"/>
-              <a:t>8/28/18</a:t>
+              <a:t>8/29/18</a:t>
             </a:fld>
             <a:endParaRPr lang="en-US"/>
           </a:p>
@@ -1157,7 +1163,7 @@
           <a:p>
             <a:fld id="{FA5FF98C-1669-A843-987C-7D054BC0E7FA}" type="datetime1">
               <a:rPr lang="en-US" smtClean="0"/>
-              <a:t>8/28/18</a:t>
+              <a:t>8/29/18</a:t>
             </a:fld>
             <a:endParaRPr lang="en-US"/>
           </a:p>
@@ -1493,7 +1499,7 @@
           <a:p>
             <a:fld id="{D4D847A9-20DB-C744-8C76-9B24A23ED42B}" type="datetime1">
               <a:rPr lang="en-US" smtClean="0"/>
-              <a:t>8/28/18</a:t>
+              <a:t>8/29/18</a:t>
             </a:fld>
             <a:endParaRPr lang="en-US"/>
           </a:p>
@@ -1898,7 +1904,7 @@
           <a:p>
             <a:fld id="{C7188693-89CA-9447-98E6-6FFDF49D9E23}" type="datetime1">
               <a:rPr lang="en-US" smtClean="0"/>
-              <a:t>8/28/18</a:t>
+              <a:t>8/29/18</a:t>
             </a:fld>
             <a:endParaRPr lang="en-US"/>
           </a:p>
@@ -2466,7 +2472,7 @@
           <a:p>
             <a:fld id="{AE6E55E5-552F-174D-AD81-A4863224CF98}" type="datetime1">
               <a:rPr lang="en-US" smtClean="0"/>
-              <a:t>8/28/18</a:t>
+              <a:t>8/29/18</a:t>
             </a:fld>
             <a:endParaRPr lang="en-US"/>
           </a:p>
@@ -3147,7 +3153,7 @@
           <a:p>
             <a:fld id="{9535F9A8-33B6-9845-96BB-8F717C1B5293}" type="datetime1">
               <a:rPr lang="en-US" smtClean="0"/>
-              <a:t>8/28/18</a:t>
+              <a:t>8/29/18</a:t>
             </a:fld>
             <a:endParaRPr lang="en-US"/>
           </a:p>
@@ -4060,7 +4066,7 @@
           <a:p>
             <a:fld id="{20CFCC0F-767C-434E-B671-A96294735F3E}" type="datetime1">
               <a:rPr lang="en-US" smtClean="0"/>
-              <a:t>8/28/18</a:t>
+              <a:t>8/29/18</a:t>
             </a:fld>
             <a:endParaRPr lang="en-US"/>
           </a:p>
@@ -4373,7 +4379,7 @@
           <a:p>
             <a:fld id="{C19E4289-9B3B-6346-B1DE-FE0CBC674796}" type="datetime1">
               <a:rPr lang="en-US" smtClean="0"/>
-              <a:t>8/28/18</a:t>
+              <a:t>8/29/18</a:t>
             </a:fld>
             <a:endParaRPr lang="en-US"/>
           </a:p>
@@ -4637,7 +4643,7 @@
           <a:p>
             <a:fld id="{AC343B7B-8921-FC43-84C7-0D01517D243D}" type="datetime1">
               <a:rPr lang="en-US" smtClean="0"/>
-              <a:t>8/28/18</a:t>
+              <a:t>8/29/18</a:t>
             </a:fld>
             <a:endParaRPr lang="en-US"/>
           </a:p>
@@ -4960,7 +4966,7 @@
           <a:p>
             <a:fld id="{C9F27ED8-9EBE-4B44-B0CF-2713540EC137}" type="datetime1">
               <a:rPr lang="en-US" smtClean="0"/>
-              <a:t>8/28/18</a:t>
+              <a:t>8/29/18</a:t>
             </a:fld>
             <a:endParaRPr lang="en-US"/>
           </a:p>
@@ -5349,7 +5355,7 @@
           <a:p>
             <a:fld id="{EC4BFA01-99CC-B849-8973-776BD1EA4443}" type="datetime1">
               <a:rPr lang="en-US" smtClean="0"/>
-              <a:t>8/28/18</a:t>
+              <a:t>8/29/18</a:t>
             </a:fld>
             <a:endParaRPr lang="en-US"/>
           </a:p>
@@ -5725,7 +5731,7 @@
           <a:p>
             <a:fld id="{AAD56823-B208-DA43-8836-138214F970D4}" type="datetime1">
               <a:rPr lang="en-US" smtClean="0"/>
-              <a:t>8/28/18</a:t>
+              <a:t>8/29/18</a:t>
             </a:fld>
             <a:endParaRPr lang="en-US"/>
           </a:p>
@@ -6231,7 +6237,7 @@
           <a:p>
             <a:fld id="{DA3E7BDD-8E20-A44C-AF4F-D392D7DC4094}" type="datetime1">
               <a:rPr lang="en-US" smtClean="0"/>
-              <a:t>8/28/18</a:t>
+              <a:t>8/29/18</a:t>
             </a:fld>
             <a:endParaRPr lang="en-US"/>
           </a:p>
@@ -6488,7 +6494,7 @@
           <a:p>
             <a:fld id="{7A03762F-B00A-0F4A-9917-C5822B462935}" type="datetime1">
               <a:rPr lang="en-US" smtClean="0"/>
-              <a:t>8/28/18</a:t>
+              <a:t>8/29/18</a:t>
             </a:fld>
             <a:endParaRPr lang="en-US"/>
           </a:p>
@@ -6651,7 +6657,7 @@
           <a:p>
             <a:fld id="{9326F529-CCE6-F042-9B65-96A6B078183C}" type="datetime1">
               <a:rPr lang="en-US" smtClean="0"/>
-              <a:t>8/28/18</a:t>
+              <a:t>8/29/18</a:t>
             </a:fld>
             <a:endParaRPr lang="en-US"/>
           </a:p>
@@ -7041,7 +7047,7 @@
           <a:p>
             <a:fld id="{C3DB7489-2AF6-5540-AF9F-C366138B160A}" type="datetime1">
               <a:rPr lang="en-US" smtClean="0"/>
-              <a:t>8/28/18</a:t>
+              <a:t>8/29/18</a:t>
             </a:fld>
             <a:endParaRPr lang="en-US"/>
           </a:p>
@@ -7450,7 +7456,7 @@
           <a:p>
             <a:fld id="{95C52439-6E6E-2146-9FE0-C006C5CAE9FE}" type="datetime1">
               <a:rPr lang="en-US" smtClean="0"/>
-              <a:t>8/28/18</a:t>
+              <a:t>8/29/18</a:t>
             </a:fld>
             <a:endParaRPr lang="en-US"/>
           </a:p>
@@ -7694,7 +7700,7 @@
           <a:p>
             <a:fld id="{62E6A107-D151-4A46-BA30-961D8C07009A}" type="datetime1">
               <a:rPr lang="en-US" smtClean="0"/>
-              <a:t>8/28/18</a:t>
+              <a:t>8/29/18</a:t>
             </a:fld>
             <a:endParaRPr lang="en-US"/>
           </a:p>
@@ -8228,7 +8234,7 @@
           <p:cNvPr id="2" name="Title 1">
             <a:extLst>
               <a:ext uri="{FF2B5EF4-FFF2-40B4-BE49-F238E27FC236}">
-                <a16:creationId xmlns:a16="http://schemas.microsoft.com/office/drawing/2014/main" id="{792DDE1A-156A-1348-BADB-B5695DC6572B}"/>
+                <a16:creationId xmlns:a16="http://schemas.microsoft.com/office/drawing/2014/main" id="{98D5871B-1276-8649-950F-57B5A25813A2}"/>
               </a:ext>
             </a:extLst>
           </p:cNvPr>
@@ -8246,7 +8252,7 @@
           <a:p>
             <a:r>
               <a:rPr lang="ja-JP" altLang="en-US"/>
-              <a:t>推薦アルゴリズムをどう活用するか</a:t>
+              <a:t>推薦アルゴリズム</a:t>
             </a:r>
             <a:endParaRPr lang="en-US" dirty="0"/>
           </a:p>
@@ -8257,7 +8263,7 @@
           <p:cNvPr id="3" name="Content Placeholder 2">
             <a:extLst>
               <a:ext uri="{FF2B5EF4-FFF2-40B4-BE49-F238E27FC236}">
-                <a16:creationId xmlns:a16="http://schemas.microsoft.com/office/drawing/2014/main" id="{CD939324-FA04-574C-936D-5F7104664D6B}"/>
+                <a16:creationId xmlns:a16="http://schemas.microsoft.com/office/drawing/2014/main" id="{3148A1B6-62AE-FB49-A454-E82D92863DB2}"/>
               </a:ext>
             </a:extLst>
           </p:cNvPr>
@@ -8274,12 +8280,15 @@
           <a:lstStyle/>
           <a:p>
             <a:r>
-              <a:rPr lang="en-US" dirty="0" err="1"/>
-              <a:t>Dokata</a:t>
-            </a:r>
+              <a:rPr lang="en-US" dirty="0"/>
+              <a:t>Collaborative Metric Learning</a:t>
+            </a:r>
+          </a:p>
+          <a:p>
+            <a:pPr lvl="1"/>
             <a:r>
               <a:rPr lang="ja-JP" altLang="en-US"/>
-              <a:t>の場合，ユーザの属性情報や登録科目が少ないため，大規模な推薦システムは必要ない</a:t>
+              <a:t>ユーザとアイテムを同じ次元の空間に写像し，ユーザとそのユーザが高く評価したアイテムが近くなるように距離を学習する</a:t>
             </a:r>
             <a:endParaRPr lang="en-US" altLang="ja-JP" dirty="0"/>
           </a:p>
@@ -8287,9 +8296,9 @@
             <a:pPr lvl="1"/>
             <a:r>
               <a:rPr lang="ja-JP" altLang="en-US"/>
-              <a:t>ユーザ同士の類似度を求めれば良いので，ユーザベクトル空間を作り，ベクトルの内積を用いれば良いと考えられる</a:t>
-            </a:r>
-            <a:endParaRPr lang="en-US" altLang="ja-JP" dirty="0"/>
+              <a:t>アイテムを軸としてユーザ同士の類似度も測れる</a:t>
+            </a:r>
+            <a:endParaRPr lang="en-US" dirty="0"/>
           </a:p>
         </p:txBody>
       </p:sp>
@@ -8298,7 +8307,7 @@
           <p:cNvPr id="4" name="Slide Number Placeholder 3">
             <a:extLst>
               <a:ext uri="{FF2B5EF4-FFF2-40B4-BE49-F238E27FC236}">
-                <a16:creationId xmlns:a16="http://schemas.microsoft.com/office/drawing/2014/main" id="{2FA38CFE-129A-C241-AC16-951E6AC7D6D5}"/>
+                <a16:creationId xmlns:a16="http://schemas.microsoft.com/office/drawing/2014/main" id="{D0CDF4F0-B321-7E4D-8B28-495D0B715009}"/>
               </a:ext>
             </a:extLst>
           </p:cNvPr>
@@ -8324,10 +8333,56 @@
       </p:sp>
       <p:sp>
         <p:nvSpPr>
-          <p:cNvPr id="5" name="TextBox 4">
+          <p:cNvPr id="5" name="Oval 4">
             <a:extLst>
               <a:ext uri="{FF2B5EF4-FFF2-40B4-BE49-F238E27FC236}">
-                <a16:creationId xmlns:a16="http://schemas.microsoft.com/office/drawing/2014/main" id="{DB997E98-A7F2-CA44-9DD0-8E1E7BE3A504}"/>
+                <a16:creationId xmlns:a16="http://schemas.microsoft.com/office/drawing/2014/main" id="{AB441062-81DA-8447-936E-DCA54DCC5B57}"/>
+              </a:ext>
+            </a:extLst>
+          </p:cNvPr>
+          <p:cNvSpPr/>
+          <p:nvPr/>
+        </p:nvSpPr>
+        <p:spPr>
+          <a:xfrm>
+            <a:off x="1667666" y="4032438"/>
+            <a:ext cx="1897987" cy="1903751"/>
+          </a:xfrm>
+          <a:prstGeom prst="ellipse">
+            <a:avLst/>
+          </a:prstGeom>
+        </p:spPr>
+        <p:style>
+          <a:lnRef idx="2">
+            <a:schemeClr val="accent1">
+              <a:shade val="50000"/>
+            </a:schemeClr>
+          </a:lnRef>
+          <a:fillRef idx="1">
+            <a:schemeClr val="accent1"/>
+          </a:fillRef>
+          <a:effectRef idx="0">
+            <a:schemeClr val="accent1"/>
+          </a:effectRef>
+          <a:fontRef idx="minor">
+            <a:schemeClr val="lt1"/>
+          </a:fontRef>
+        </p:style>
+        <p:txBody>
+          <a:bodyPr rtlCol="0" anchor="ctr"/>
+          <a:lstStyle/>
+          <a:p>
+            <a:pPr algn="ctr"/>
+            <a:endParaRPr lang="en-US"/>
+          </a:p>
+        </p:txBody>
+      </p:sp>
+      <p:sp>
+        <p:nvSpPr>
+          <p:cNvPr id="6" name="TextBox 5">
+            <a:extLst>
+              <a:ext uri="{FF2B5EF4-FFF2-40B4-BE49-F238E27FC236}">
+                <a16:creationId xmlns:a16="http://schemas.microsoft.com/office/drawing/2014/main" id="{D0510B09-B844-9341-9CBC-94395F2FDD54}"/>
               </a:ext>
             </a:extLst>
           </p:cNvPr>
@@ -8336,108 +8391,504 @@
         </p:nvSpPr>
         <p:spPr>
           <a:xfrm>
-            <a:off x="905173" y="3911678"/>
-            <a:ext cx="4807791" cy="1200329"/>
+            <a:off x="1941605" y="6016022"/>
+            <a:ext cx="1431802" cy="369332"/>
+          </a:xfrm>
+          <a:prstGeom prst="rect">
+            <a:avLst/>
+          </a:prstGeom>
+          <a:noFill/>
+        </p:spPr>
+        <p:txBody>
+          <a:bodyPr wrap="none" rtlCol="0">
+            <a:spAutoFit/>
+          </a:bodyPr>
+          <a:lstStyle/>
+          <a:p>
+            <a:r>
+              <a:rPr lang="ja-JP" altLang="en-US"/>
+              <a:t>空間イメージ</a:t>
+            </a:r>
+            <a:endParaRPr lang="en-US" dirty="0"/>
+          </a:p>
+        </p:txBody>
+      </p:sp>
+      <p:pic>
+        <p:nvPicPr>
+          <p:cNvPr id="8" name="Graphic 7" descr="User">
+            <a:extLst>
+              <a:ext uri="{FF2B5EF4-FFF2-40B4-BE49-F238E27FC236}">
+                <a16:creationId xmlns:a16="http://schemas.microsoft.com/office/drawing/2014/main" id="{63C8DEE5-C0BC-3C45-9DE3-E4104EEA5B9E}"/>
+              </a:ext>
+            </a:extLst>
+          </p:cNvPr>
+          <p:cNvPicPr>
+            <a:picLocks noChangeAspect="1"/>
+          </p:cNvPicPr>
+          <p:nvPr/>
+        </p:nvPicPr>
+        <p:blipFill>
+          <a:blip r:embed="rId2">
+            <a:extLst>
+              <a:ext uri="{96DAC541-7B7A-43D3-8B79-37D633B846F1}">
+                <asvg:svgBlip xmlns:asvg="http://schemas.microsoft.com/office/drawing/2016/SVG/main" r:embed="rId3"/>
+              </a:ext>
+            </a:extLst>
+          </a:blip>
+          <a:stretch>
+            <a:fillRect/>
+          </a:stretch>
+        </p:blipFill>
+        <p:spPr>
+          <a:xfrm>
+            <a:off x="1819571" y="5192486"/>
+            <a:ext cx="473922" cy="473922"/>
+          </a:xfrm>
+          <a:prstGeom prst="rect">
+            <a:avLst/>
+          </a:prstGeom>
+        </p:spPr>
+      </p:pic>
+      <p:pic>
+        <p:nvPicPr>
+          <p:cNvPr id="9" name="Graphic 8" descr="User">
+            <a:extLst>
+              <a:ext uri="{FF2B5EF4-FFF2-40B4-BE49-F238E27FC236}">
+                <a16:creationId xmlns:a16="http://schemas.microsoft.com/office/drawing/2014/main" id="{00BFF990-E924-7A40-A9D9-2F4DA4373E84}"/>
+              </a:ext>
+            </a:extLst>
+          </p:cNvPr>
+          <p:cNvPicPr>
+            <a:picLocks noChangeAspect="1"/>
+          </p:cNvPicPr>
+          <p:nvPr/>
+        </p:nvPicPr>
+        <p:blipFill>
+          <a:blip r:embed="rId2">
+            <a:extLst>
+              <a:ext uri="{96DAC541-7B7A-43D3-8B79-37D633B846F1}">
+                <asvg:svgBlip xmlns:asvg="http://schemas.microsoft.com/office/drawing/2016/SVG/main" r:embed="rId3"/>
+              </a:ext>
+            </a:extLst>
+          </a:blip>
+          <a:stretch>
+            <a:fillRect/>
+          </a:stretch>
+        </p:blipFill>
+        <p:spPr>
+          <a:xfrm>
+            <a:off x="3091731" y="4718564"/>
+            <a:ext cx="473922" cy="473922"/>
+          </a:xfrm>
+          <a:prstGeom prst="rect">
+            <a:avLst/>
+          </a:prstGeom>
+        </p:spPr>
+      </p:pic>
+      <p:pic>
+        <p:nvPicPr>
+          <p:cNvPr id="10" name="Graphic 9" descr="User">
+            <a:extLst>
+              <a:ext uri="{FF2B5EF4-FFF2-40B4-BE49-F238E27FC236}">
+                <a16:creationId xmlns:a16="http://schemas.microsoft.com/office/drawing/2014/main" id="{0952229A-423C-2941-8F5C-66E2A08FD28C}"/>
+              </a:ext>
+            </a:extLst>
+          </p:cNvPr>
+          <p:cNvPicPr>
+            <a:picLocks noChangeAspect="1"/>
+          </p:cNvPicPr>
+          <p:nvPr/>
+        </p:nvPicPr>
+        <p:blipFill>
+          <a:blip r:embed="rId2">
+            <a:extLst>
+              <a:ext uri="{96DAC541-7B7A-43D3-8B79-37D633B846F1}">
+                <asvg:svgBlip xmlns:asvg="http://schemas.microsoft.com/office/drawing/2016/SVG/main" r:embed="rId3"/>
+              </a:ext>
+            </a:extLst>
+          </a:blip>
+          <a:stretch>
+            <a:fillRect/>
+          </a:stretch>
+        </p:blipFill>
+        <p:spPr>
+          <a:xfrm>
+            <a:off x="1772595" y="4481603"/>
+            <a:ext cx="473922" cy="473922"/>
+          </a:xfrm>
+          <a:prstGeom prst="rect">
+            <a:avLst/>
+          </a:prstGeom>
+        </p:spPr>
+      </p:pic>
+      <p:sp>
+        <p:nvSpPr>
+          <p:cNvPr id="11" name="Rectangle 10">
+            <a:extLst>
+              <a:ext uri="{FF2B5EF4-FFF2-40B4-BE49-F238E27FC236}">
+                <a16:creationId xmlns:a16="http://schemas.microsoft.com/office/drawing/2014/main" id="{FA78E071-BDC1-3B46-B212-9291B0AA35EF}"/>
+              </a:ext>
+            </a:extLst>
+          </p:cNvPr>
+          <p:cNvSpPr/>
+          <p:nvPr/>
+        </p:nvSpPr>
+        <p:spPr>
+          <a:xfrm>
+            <a:off x="1904625" y="4949264"/>
+            <a:ext cx="209862" cy="236961"/>
           </a:xfrm>
           <a:prstGeom prst="rect">
             <a:avLst/>
           </a:prstGeom>
           <a:solidFill>
-            <a:schemeClr val="bg1">
-              <a:lumMod val="75000"/>
-              <a:lumOff val="25000"/>
+            <a:schemeClr val="accent4">
+              <a:lumMod val="60000"/>
+              <a:lumOff val="40000"/>
             </a:schemeClr>
           </a:solidFill>
         </p:spPr>
-        <p:txBody>
-          <a:bodyPr wrap="none" rtlCol="0">
-            <a:spAutoFit/>
-          </a:bodyPr>
+        <p:style>
+          <a:lnRef idx="2">
+            <a:schemeClr val="accent1">
+              <a:shade val="50000"/>
+            </a:schemeClr>
+          </a:lnRef>
+          <a:fillRef idx="1">
+            <a:schemeClr val="accent1"/>
+          </a:fillRef>
+          <a:effectRef idx="0">
+            <a:schemeClr val="accent1"/>
+          </a:effectRef>
+          <a:fontRef idx="minor">
+            <a:schemeClr val="lt1"/>
+          </a:fontRef>
+        </p:style>
+        <p:txBody>
+          <a:bodyPr rtlCol="0" anchor="ctr"/>
           <a:lstStyle/>
           <a:p>
-            <a:r>
-              <a:rPr lang="en-US" dirty="0"/>
-              <a:t>Ruby</a:t>
-            </a:r>
-            <a:r>
-              <a:rPr lang="ja-JP" altLang="en-US"/>
-              <a:t>での内積の実装方法：</a:t>
-            </a:r>
-            <a:br>
-              <a:rPr lang="en-US" altLang="ja-JP" dirty="0"/>
-            </a:br>
-            <a:endParaRPr lang="en-US" altLang="ja-JP" dirty="0"/>
-          </a:p>
-          <a:p>
-            <a:r>
-              <a:rPr lang="en-US" dirty="0">
-                <a:solidFill>
-                  <a:schemeClr val="bg2">
-                    <a:lumMod val="40000"/>
-                    <a:lumOff val="60000"/>
-                  </a:schemeClr>
-                </a:solidFill>
-              </a:rPr>
-              <a:t>require</a:t>
-            </a:r>
-            <a:r>
-              <a:rPr lang="en-US" dirty="0"/>
-              <a:t> ‘matrix’</a:t>
-            </a:r>
-          </a:p>
-          <a:p>
-            <a:r>
-              <a:rPr lang="en-US" dirty="0">
-                <a:solidFill>
-                  <a:schemeClr val="accent5">
-                    <a:lumMod val="60000"/>
-                    <a:lumOff val="40000"/>
-                  </a:schemeClr>
-                </a:solidFill>
-              </a:rPr>
-              <a:t>Vector</a:t>
-            </a:r>
-            <a:r>
-              <a:rPr lang="en-US" dirty="0"/>
-              <a:t>.[1,2].</a:t>
-            </a:r>
-            <a:r>
-              <a:rPr lang="en-US" dirty="0" err="1">
-                <a:solidFill>
-                  <a:schemeClr val="accent1">
-                    <a:lumMod val="60000"/>
-                    <a:lumOff val="40000"/>
-                  </a:schemeClr>
-                </a:solidFill>
-              </a:rPr>
-              <a:t>inner_product</a:t>
-            </a:r>
-            <a:r>
-              <a:rPr lang="en-US" dirty="0"/>
-              <a:t> </a:t>
-            </a:r>
-            <a:r>
-              <a:rPr lang="en-US" dirty="0">
-                <a:solidFill>
-                  <a:schemeClr val="accent5">
-                    <a:lumMod val="60000"/>
-                    <a:lumOff val="40000"/>
-                  </a:schemeClr>
-                </a:solidFill>
-              </a:rPr>
-              <a:t>Vector</a:t>
-            </a:r>
-            <a:r>
-              <a:rPr lang="en-US" dirty="0"/>
-              <a:t>.[2,3] =&gt; 8 </a:t>
-            </a:r>
+            <a:pPr algn="ctr"/>
+            <a:endParaRPr lang="en-US"/>
+          </a:p>
+        </p:txBody>
+      </p:sp>
+      <p:sp>
+        <p:nvSpPr>
+          <p:cNvPr id="12" name="Rectangle 11">
+            <a:extLst>
+              <a:ext uri="{FF2B5EF4-FFF2-40B4-BE49-F238E27FC236}">
+                <a16:creationId xmlns:a16="http://schemas.microsoft.com/office/drawing/2014/main" id="{172E42C9-54CC-AF48-8813-2AE2C3F64044}"/>
+              </a:ext>
+            </a:extLst>
+          </p:cNvPr>
+          <p:cNvSpPr/>
+          <p:nvPr/>
+        </p:nvSpPr>
+        <p:spPr>
+          <a:xfrm>
+            <a:off x="2110474" y="4325171"/>
+            <a:ext cx="209862" cy="236961"/>
+          </a:xfrm>
+          <a:prstGeom prst="rect">
+            <a:avLst/>
+          </a:prstGeom>
+          <a:solidFill>
+            <a:schemeClr val="accent4">
+              <a:lumMod val="60000"/>
+              <a:lumOff val="40000"/>
+            </a:schemeClr>
+          </a:solidFill>
+        </p:spPr>
+        <p:style>
+          <a:lnRef idx="2">
+            <a:schemeClr val="accent1">
+              <a:shade val="50000"/>
+            </a:schemeClr>
+          </a:lnRef>
+          <a:fillRef idx="1">
+            <a:schemeClr val="accent1"/>
+          </a:fillRef>
+          <a:effectRef idx="0">
+            <a:schemeClr val="accent1"/>
+          </a:effectRef>
+          <a:fontRef idx="minor">
+            <a:schemeClr val="lt1"/>
+          </a:fontRef>
+        </p:style>
+        <p:txBody>
+          <a:bodyPr rtlCol="0" anchor="ctr"/>
+          <a:lstStyle/>
+          <a:p>
+            <a:pPr algn="ctr"/>
+            <a:endParaRPr lang="en-US"/>
+          </a:p>
+        </p:txBody>
+      </p:sp>
+      <p:sp>
+        <p:nvSpPr>
+          <p:cNvPr id="13" name="Rectangle 12">
+            <a:extLst>
+              <a:ext uri="{FF2B5EF4-FFF2-40B4-BE49-F238E27FC236}">
+                <a16:creationId xmlns:a16="http://schemas.microsoft.com/office/drawing/2014/main" id="{BA54F4B5-3583-224A-BAD3-6F67007D3513}"/>
+              </a:ext>
+            </a:extLst>
+          </p:cNvPr>
+          <p:cNvSpPr/>
+          <p:nvPr/>
+        </p:nvSpPr>
+        <p:spPr>
+          <a:xfrm>
+            <a:off x="3087718" y="4481603"/>
+            <a:ext cx="209862" cy="236961"/>
+          </a:xfrm>
+          <a:prstGeom prst="rect">
+            <a:avLst/>
+          </a:prstGeom>
+          <a:solidFill>
+            <a:schemeClr val="accent4">
+              <a:lumMod val="60000"/>
+              <a:lumOff val="40000"/>
+            </a:schemeClr>
+          </a:solidFill>
+        </p:spPr>
+        <p:style>
+          <a:lnRef idx="2">
+            <a:schemeClr val="accent1">
+              <a:shade val="50000"/>
+            </a:schemeClr>
+          </a:lnRef>
+          <a:fillRef idx="1">
+            <a:schemeClr val="accent1"/>
+          </a:fillRef>
+          <a:effectRef idx="0">
+            <a:schemeClr val="accent1"/>
+          </a:effectRef>
+          <a:fontRef idx="minor">
+            <a:schemeClr val="lt1"/>
+          </a:fontRef>
+        </p:style>
+        <p:txBody>
+          <a:bodyPr rtlCol="0" anchor="ctr"/>
+          <a:lstStyle/>
+          <a:p>
+            <a:pPr algn="ctr"/>
+            <a:endParaRPr lang="en-US"/>
+          </a:p>
+        </p:txBody>
+      </p:sp>
+      <p:sp>
+        <p:nvSpPr>
+          <p:cNvPr id="14" name="Rectangle 13">
+            <a:extLst>
+              <a:ext uri="{FF2B5EF4-FFF2-40B4-BE49-F238E27FC236}">
+                <a16:creationId xmlns:a16="http://schemas.microsoft.com/office/drawing/2014/main" id="{A7074D2A-9096-C14D-BD0B-F45EAE5FAA33}"/>
+              </a:ext>
+            </a:extLst>
+          </p:cNvPr>
+          <p:cNvSpPr/>
+          <p:nvPr/>
+        </p:nvSpPr>
+        <p:spPr>
+          <a:xfrm>
+            <a:off x="3223761" y="5208896"/>
+            <a:ext cx="209862" cy="236961"/>
+          </a:xfrm>
+          <a:prstGeom prst="rect">
+            <a:avLst/>
+          </a:prstGeom>
+          <a:solidFill>
+            <a:schemeClr val="accent4">
+              <a:lumMod val="60000"/>
+              <a:lumOff val="40000"/>
+            </a:schemeClr>
+          </a:solidFill>
+        </p:spPr>
+        <p:style>
+          <a:lnRef idx="2">
+            <a:schemeClr val="accent1">
+              <a:shade val="50000"/>
+            </a:schemeClr>
+          </a:lnRef>
+          <a:fillRef idx="1">
+            <a:schemeClr val="accent1"/>
+          </a:fillRef>
+          <a:effectRef idx="0">
+            <a:schemeClr val="accent1"/>
+          </a:effectRef>
+          <a:fontRef idx="minor">
+            <a:schemeClr val="lt1"/>
+          </a:fontRef>
+        </p:style>
+        <p:txBody>
+          <a:bodyPr rtlCol="0" anchor="ctr"/>
+          <a:lstStyle/>
+          <a:p>
+            <a:pPr algn="ctr"/>
+            <a:endParaRPr lang="en-US"/>
+          </a:p>
+        </p:txBody>
+      </p:sp>
+      <p:sp>
+        <p:nvSpPr>
+          <p:cNvPr id="15" name="Rectangle 14">
+            <a:extLst>
+              <a:ext uri="{FF2B5EF4-FFF2-40B4-BE49-F238E27FC236}">
+                <a16:creationId xmlns:a16="http://schemas.microsoft.com/office/drawing/2014/main" id="{AA728831-8846-1045-800A-B039824DBB8C}"/>
+              </a:ext>
+            </a:extLst>
+          </p:cNvPr>
+          <p:cNvSpPr/>
+          <p:nvPr/>
+        </p:nvSpPr>
+        <p:spPr>
+          <a:xfrm>
+            <a:off x="2320336" y="5537753"/>
+            <a:ext cx="209862" cy="236961"/>
+          </a:xfrm>
+          <a:prstGeom prst="rect">
+            <a:avLst/>
+          </a:prstGeom>
+          <a:solidFill>
+            <a:schemeClr val="accent4">
+              <a:lumMod val="60000"/>
+              <a:lumOff val="40000"/>
+            </a:schemeClr>
+          </a:solidFill>
+        </p:spPr>
+        <p:style>
+          <a:lnRef idx="2">
+            <a:schemeClr val="accent1">
+              <a:shade val="50000"/>
+            </a:schemeClr>
+          </a:lnRef>
+          <a:fillRef idx="1">
+            <a:schemeClr val="accent1"/>
+          </a:fillRef>
+          <a:effectRef idx="0">
+            <a:schemeClr val="accent1"/>
+          </a:effectRef>
+          <a:fontRef idx="minor">
+            <a:schemeClr val="lt1"/>
+          </a:fontRef>
+        </p:style>
+        <p:txBody>
+          <a:bodyPr rtlCol="0" anchor="ctr"/>
+          <a:lstStyle/>
+          <a:p>
+            <a:pPr algn="ctr"/>
+            <a:endParaRPr lang="en-US"/>
+          </a:p>
+        </p:txBody>
+      </p:sp>
+      <p:sp>
+        <p:nvSpPr>
+          <p:cNvPr id="16" name="Oval 15">
+            <a:extLst>
+              <a:ext uri="{FF2B5EF4-FFF2-40B4-BE49-F238E27FC236}">
+                <a16:creationId xmlns:a16="http://schemas.microsoft.com/office/drawing/2014/main" id="{57ADE588-7EA0-6642-A461-AA4CB9091821}"/>
+              </a:ext>
+            </a:extLst>
+          </p:cNvPr>
+          <p:cNvSpPr/>
+          <p:nvPr/>
+        </p:nvSpPr>
+        <p:spPr>
+          <a:xfrm>
+            <a:off x="1759173" y="4472440"/>
+            <a:ext cx="500765" cy="505612"/>
+          </a:xfrm>
+          <a:prstGeom prst="ellipse">
+            <a:avLst/>
+          </a:prstGeom>
+          <a:noFill/>
+          <a:ln w="38100">
+            <a:solidFill>
+              <a:srgbClr val="FF0000"/>
+            </a:solidFill>
+          </a:ln>
+        </p:spPr>
+        <p:style>
+          <a:lnRef idx="2">
+            <a:schemeClr val="accent1">
+              <a:shade val="50000"/>
+            </a:schemeClr>
+          </a:lnRef>
+          <a:fillRef idx="1">
+            <a:schemeClr val="accent1"/>
+          </a:fillRef>
+          <a:effectRef idx="0">
+            <a:schemeClr val="accent1"/>
+          </a:effectRef>
+          <a:fontRef idx="minor">
+            <a:schemeClr val="lt1"/>
+          </a:fontRef>
+        </p:style>
+        <p:txBody>
+          <a:bodyPr rtlCol="0" anchor="ctr"/>
+          <a:lstStyle/>
+          <a:p>
+            <a:pPr algn="ctr"/>
+            <a:endParaRPr lang="en-US"/>
+          </a:p>
+        </p:txBody>
+      </p:sp>
+      <p:sp>
+        <p:nvSpPr>
+          <p:cNvPr id="17" name="Oval 16">
+            <a:extLst>
+              <a:ext uri="{FF2B5EF4-FFF2-40B4-BE49-F238E27FC236}">
+                <a16:creationId xmlns:a16="http://schemas.microsoft.com/office/drawing/2014/main" id="{C98D80FD-A3D1-BE46-99F8-23A5439CBE61}"/>
+              </a:ext>
+            </a:extLst>
+          </p:cNvPr>
+          <p:cNvSpPr/>
+          <p:nvPr/>
+        </p:nvSpPr>
+        <p:spPr>
+          <a:xfrm>
+            <a:off x="1792728" y="5179212"/>
+            <a:ext cx="500765" cy="505612"/>
+          </a:xfrm>
+          <a:prstGeom prst="ellipse">
+            <a:avLst/>
+          </a:prstGeom>
+          <a:noFill/>
+          <a:ln w="38100">
+            <a:solidFill>
+              <a:srgbClr val="FF0000"/>
+            </a:solidFill>
+          </a:ln>
+        </p:spPr>
+        <p:style>
+          <a:lnRef idx="2">
+            <a:schemeClr val="accent1">
+              <a:shade val="50000"/>
+            </a:schemeClr>
+          </a:lnRef>
+          <a:fillRef idx="1">
+            <a:schemeClr val="accent1"/>
+          </a:fillRef>
+          <a:effectRef idx="0">
+            <a:schemeClr val="accent1"/>
+          </a:effectRef>
+          <a:fontRef idx="minor">
+            <a:schemeClr val="lt1"/>
+          </a:fontRef>
+        </p:style>
+        <p:txBody>
+          <a:bodyPr rtlCol="0" anchor="ctr"/>
+          <a:lstStyle/>
+          <a:p>
+            <a:pPr algn="ctr"/>
+            <a:endParaRPr lang="en-US"/>
           </a:p>
         </p:txBody>
       </p:sp>
     </p:spTree>
     <p:extLst>
       <p:ext uri="{BB962C8B-B14F-4D97-AF65-F5344CB8AC3E}">
-        <p14:creationId xmlns:p14="http://schemas.microsoft.com/office/powerpoint/2010/main" val="2109335174"/>
+        <p14:creationId xmlns:p14="http://schemas.microsoft.com/office/powerpoint/2010/main" val="2549718239"/>
       </p:ext>
     </p:extLst>
   </p:cSld>
@@ -8469,6 +8920,247 @@
           <p:cNvPr id="2" name="Title 1">
             <a:extLst>
               <a:ext uri="{FF2B5EF4-FFF2-40B4-BE49-F238E27FC236}">
+                <a16:creationId xmlns:a16="http://schemas.microsoft.com/office/drawing/2014/main" id="{792DDE1A-156A-1348-BADB-B5695DC6572B}"/>
+              </a:ext>
+            </a:extLst>
+          </p:cNvPr>
+          <p:cNvSpPr>
+            <a:spLocks noGrp="1"/>
+          </p:cNvSpPr>
+          <p:nvPr>
+            <p:ph type="title"/>
+          </p:nvPr>
+        </p:nvSpPr>
+        <p:spPr/>
+        <p:txBody>
+          <a:bodyPr/>
+          <a:lstStyle/>
+          <a:p>
+            <a:r>
+              <a:rPr lang="ja-JP" altLang="en-US"/>
+              <a:t>推薦アルゴリズムをどう活用するか</a:t>
+            </a:r>
+            <a:endParaRPr lang="en-US" dirty="0"/>
+          </a:p>
+        </p:txBody>
+      </p:sp>
+      <p:sp>
+        <p:nvSpPr>
+          <p:cNvPr id="3" name="Content Placeholder 2">
+            <a:extLst>
+              <a:ext uri="{FF2B5EF4-FFF2-40B4-BE49-F238E27FC236}">
+                <a16:creationId xmlns:a16="http://schemas.microsoft.com/office/drawing/2014/main" id="{CD939324-FA04-574C-936D-5F7104664D6B}"/>
+              </a:ext>
+            </a:extLst>
+          </p:cNvPr>
+          <p:cNvSpPr>
+            <a:spLocks noGrp="1"/>
+          </p:cNvSpPr>
+          <p:nvPr>
+            <p:ph idx="1"/>
+          </p:nvPr>
+        </p:nvSpPr>
+        <p:spPr/>
+        <p:txBody>
+          <a:bodyPr/>
+          <a:lstStyle/>
+          <a:p>
+            <a:r>
+              <a:rPr lang="en-US" dirty="0" err="1"/>
+              <a:t>Dokata</a:t>
+            </a:r>
+            <a:r>
+              <a:rPr lang="ja-JP" altLang="en-US"/>
+              <a:t>の場合，ユーザの属性情報や登録科目が少ないため，大規模な推薦システムは必要ない</a:t>
+            </a:r>
+            <a:endParaRPr lang="en-US" altLang="ja-JP" dirty="0"/>
+          </a:p>
+          <a:p>
+            <a:pPr lvl="1"/>
+            <a:r>
+              <a:rPr lang="ja-JP" altLang="en-US"/>
+              <a:t>ユーザ同士の類似度を求めれば良いので，ユーザベクトル空間を作り，ベクトルの内積を用いれば良いと考えられる</a:t>
+            </a:r>
+            <a:endParaRPr lang="en-US" altLang="ja-JP" dirty="0"/>
+          </a:p>
+        </p:txBody>
+      </p:sp>
+      <p:sp>
+        <p:nvSpPr>
+          <p:cNvPr id="4" name="Slide Number Placeholder 3">
+            <a:extLst>
+              <a:ext uri="{FF2B5EF4-FFF2-40B4-BE49-F238E27FC236}">
+                <a16:creationId xmlns:a16="http://schemas.microsoft.com/office/drawing/2014/main" id="{2FA38CFE-129A-C241-AC16-951E6AC7D6D5}"/>
+              </a:ext>
+            </a:extLst>
+          </p:cNvPr>
+          <p:cNvSpPr>
+            <a:spLocks noGrp="1"/>
+          </p:cNvSpPr>
+          <p:nvPr>
+            <p:ph type="sldNum" sz="quarter" idx="12"/>
+          </p:nvPr>
+        </p:nvSpPr>
+        <p:spPr/>
+        <p:txBody>
+          <a:bodyPr/>
+          <a:lstStyle/>
+          <a:p>
+            <a:fld id="{BFE4183C-6F3A-9C43-8436-3416D3C0FE9F}" type="slidenum">
+              <a:rPr lang="en-US" smtClean="0"/>
+              <a:t>10</a:t>
+            </a:fld>
+            <a:endParaRPr lang="en-US" dirty="0"/>
+          </a:p>
+        </p:txBody>
+      </p:sp>
+      <p:sp>
+        <p:nvSpPr>
+          <p:cNvPr id="5" name="TextBox 4">
+            <a:extLst>
+              <a:ext uri="{FF2B5EF4-FFF2-40B4-BE49-F238E27FC236}">
+                <a16:creationId xmlns:a16="http://schemas.microsoft.com/office/drawing/2014/main" id="{DB997E98-A7F2-CA44-9DD0-8E1E7BE3A504}"/>
+              </a:ext>
+            </a:extLst>
+          </p:cNvPr>
+          <p:cNvSpPr txBox="1"/>
+          <p:nvPr/>
+        </p:nvSpPr>
+        <p:spPr>
+          <a:xfrm>
+            <a:off x="905173" y="3911678"/>
+            <a:ext cx="4807791" cy="1200329"/>
+          </a:xfrm>
+          <a:prstGeom prst="rect">
+            <a:avLst/>
+          </a:prstGeom>
+          <a:solidFill>
+            <a:schemeClr val="bg1">
+              <a:lumMod val="75000"/>
+              <a:lumOff val="25000"/>
+            </a:schemeClr>
+          </a:solidFill>
+        </p:spPr>
+        <p:txBody>
+          <a:bodyPr wrap="none" rtlCol="0">
+            <a:spAutoFit/>
+          </a:bodyPr>
+          <a:lstStyle/>
+          <a:p>
+            <a:r>
+              <a:rPr lang="en-US" dirty="0"/>
+              <a:t>Ruby</a:t>
+            </a:r>
+            <a:r>
+              <a:rPr lang="ja-JP" altLang="en-US"/>
+              <a:t>での内積の実装方法：</a:t>
+            </a:r>
+            <a:br>
+              <a:rPr lang="en-US" altLang="ja-JP" dirty="0"/>
+            </a:br>
+            <a:endParaRPr lang="en-US" altLang="ja-JP" dirty="0"/>
+          </a:p>
+          <a:p>
+            <a:r>
+              <a:rPr lang="en-US" dirty="0">
+                <a:solidFill>
+                  <a:schemeClr val="bg2">
+                    <a:lumMod val="40000"/>
+                    <a:lumOff val="60000"/>
+                  </a:schemeClr>
+                </a:solidFill>
+              </a:rPr>
+              <a:t>require</a:t>
+            </a:r>
+            <a:r>
+              <a:rPr lang="en-US" dirty="0"/>
+              <a:t> ‘matrix’</a:t>
+            </a:r>
+          </a:p>
+          <a:p>
+            <a:r>
+              <a:rPr lang="en-US" dirty="0">
+                <a:solidFill>
+                  <a:schemeClr val="accent5">
+                    <a:lumMod val="60000"/>
+                    <a:lumOff val="40000"/>
+                  </a:schemeClr>
+                </a:solidFill>
+              </a:rPr>
+              <a:t>Vector</a:t>
+            </a:r>
+            <a:r>
+              <a:rPr lang="en-US" dirty="0"/>
+              <a:t>.[1,2].</a:t>
+            </a:r>
+            <a:r>
+              <a:rPr lang="en-US" dirty="0" err="1">
+                <a:solidFill>
+                  <a:schemeClr val="accent1">
+                    <a:lumMod val="60000"/>
+                    <a:lumOff val="40000"/>
+                  </a:schemeClr>
+                </a:solidFill>
+              </a:rPr>
+              <a:t>inner_product</a:t>
+            </a:r>
+            <a:r>
+              <a:rPr lang="en-US" dirty="0"/>
+              <a:t> </a:t>
+            </a:r>
+            <a:r>
+              <a:rPr lang="en-US" dirty="0">
+                <a:solidFill>
+                  <a:schemeClr val="accent5">
+                    <a:lumMod val="60000"/>
+                    <a:lumOff val="40000"/>
+                  </a:schemeClr>
+                </a:solidFill>
+              </a:rPr>
+              <a:t>Vector</a:t>
+            </a:r>
+            <a:r>
+              <a:rPr lang="en-US" dirty="0"/>
+              <a:t>.[2,3] =&gt; 8 </a:t>
+            </a:r>
+          </a:p>
+        </p:txBody>
+      </p:sp>
+    </p:spTree>
+    <p:extLst>
+      <p:ext uri="{BB962C8B-B14F-4D97-AF65-F5344CB8AC3E}">
+        <p14:creationId xmlns:p14="http://schemas.microsoft.com/office/powerpoint/2010/main" val="2109335174"/>
+      </p:ext>
+    </p:extLst>
+  </p:cSld>
+  <p:clrMapOvr>
+    <a:masterClrMapping/>
+  </p:clrMapOvr>
+</p:sld>
+</file>
+
+<file path=ppt/slides/slide12.xml><?xml version="1.0" encoding="utf-8"?>
+<p:sld xmlns:a="http://schemas.openxmlformats.org/drawingml/2006/main" xmlns:r="http://schemas.openxmlformats.org/officeDocument/2006/relationships" xmlns:p="http://schemas.openxmlformats.org/presentationml/2006/main">
+  <p:cSld>
+    <p:spTree>
+      <p:nvGrpSpPr>
+        <p:cNvPr id="1" name=""/>
+        <p:cNvGrpSpPr/>
+        <p:nvPr/>
+      </p:nvGrpSpPr>
+      <p:grpSpPr>
+        <a:xfrm>
+          <a:off x="0" y="0"/>
+          <a:ext cx="0" cy="0"/>
+          <a:chOff x="0" y="0"/>
+          <a:chExt cx="0" cy="0"/>
+        </a:xfrm>
+      </p:grpSpPr>
+      <p:sp>
+        <p:nvSpPr>
+          <p:cNvPr id="2" name="Title 1">
+            <a:extLst>
+              <a:ext uri="{FF2B5EF4-FFF2-40B4-BE49-F238E27FC236}">
                 <a16:creationId xmlns:a16="http://schemas.microsoft.com/office/drawing/2014/main" id="{6EF46955-AC77-B049-9CF1-556B0C6AFC38}"/>
               </a:ext>
             </a:extLst>
@@ -8537,9 +9229,6 @@
             </a:pPr>
             <a:endParaRPr lang="en-US" dirty="0"/>
           </a:p>
-          <a:p>
-            <a:endParaRPr lang="en-US" dirty="0"/>
-          </a:p>
         </p:txBody>
       </p:sp>
       <p:sp>
@@ -8565,7 +9254,7 @@
           <a:p>
             <a:fld id="{BFE4183C-6F3A-9C43-8436-3416D3C0FE9F}" type="slidenum">
               <a:rPr lang="en-US" smtClean="0"/>
-              <a:t>10</a:t>
+              <a:t>11</a:t>
             </a:fld>
             <a:endParaRPr lang="en-US" dirty="0"/>
           </a:p>
@@ -10704,7 +11393,7 @@
           <p:nvPr>
             <p:extLst>
               <p:ext uri="{D42A27DB-BD31-4B8C-83A1-F6EECF244321}">
-                <p14:modId xmlns:p14="http://schemas.microsoft.com/office/powerpoint/2010/main" val="2150964094"/>
+                <p14:modId xmlns:p14="http://schemas.microsoft.com/office/powerpoint/2010/main" val="532494234"/>
               </p:ext>
             </p:extLst>
           </p:nvPr>
@@ -11293,13 +11982,4162 @@
           <p:nvPr>
             <p:extLst>
               <p:ext uri="{D42A27DB-BD31-4B8C-83A1-F6EECF244321}">
-                <p14:modId xmlns:p14="http://schemas.microsoft.com/office/powerpoint/2010/main" val="913932501"/>
+                <p14:modId xmlns:p14="http://schemas.microsoft.com/office/powerpoint/2010/main" val="252945580"/>
               </p:ext>
             </p:extLst>
           </p:nvPr>
         </p:nvGraphicFramePr>
         <p:xfrm>
           <a:off x="1500396" y="4675013"/>
+          <a:ext cx="4176092" cy="1230160"/>
+        </p:xfrm>
+        <a:graphic>
+          <a:graphicData uri="http://schemas.openxmlformats.org/drawingml/2006/table">
+            <a:tbl>
+              <a:tblPr firstRow="1" bandRow="1">
+                <a:tableStyleId>{5C22544A-7EE6-4342-B048-85BDC9FD1C3A}</a:tableStyleId>
+              </a:tblPr>
+              <a:tblGrid>
+                <a:gridCol w="1044023">
+                  <a:extLst>
+                    <a:ext uri="{9D8B030D-6E8A-4147-A177-3AD203B41FA5}">
+                      <a16:colId xmlns:a16="http://schemas.microsoft.com/office/drawing/2014/main" val="3868577412"/>
+                    </a:ext>
+                  </a:extLst>
+                </a:gridCol>
+                <a:gridCol w="1044023">
+                  <a:extLst>
+                    <a:ext uri="{9D8B030D-6E8A-4147-A177-3AD203B41FA5}">
+                      <a16:colId xmlns:a16="http://schemas.microsoft.com/office/drawing/2014/main" val="1128340210"/>
+                    </a:ext>
+                  </a:extLst>
+                </a:gridCol>
+                <a:gridCol w="1044023">
+                  <a:extLst>
+                    <a:ext uri="{9D8B030D-6E8A-4147-A177-3AD203B41FA5}">
+                      <a16:colId xmlns:a16="http://schemas.microsoft.com/office/drawing/2014/main" val="1815707632"/>
+                    </a:ext>
+                  </a:extLst>
+                </a:gridCol>
+                <a:gridCol w="1044023">
+                  <a:extLst>
+                    <a:ext uri="{9D8B030D-6E8A-4147-A177-3AD203B41FA5}">
+                      <a16:colId xmlns:a16="http://schemas.microsoft.com/office/drawing/2014/main" val="897117690"/>
+                    </a:ext>
+                  </a:extLst>
+                </a:gridCol>
+              </a:tblGrid>
+              <a:tr h="307540">
+                <a:tc>
+                  <a:txBody>
+                    <a:bodyPr/>
+                    <a:lstStyle/>
+                    <a:p>
+                      <a:r>
+                        <a:rPr lang="en-US" sz="1200" dirty="0" err="1"/>
+                        <a:t>user_id</a:t>
+                      </a:r>
+                      <a:endParaRPr lang="en-US" sz="1200" dirty="0"/>
+                    </a:p>
+                  </a:txBody>
+                  <a:tcPr/>
+                </a:tc>
+                <a:tc>
+                  <a:txBody>
+                    <a:bodyPr/>
+                    <a:lstStyle/>
+                    <a:p>
+                      <a:r>
+                        <a:rPr lang="en-US" sz="1200" dirty="0"/>
+                        <a:t>Smartphone</a:t>
+                      </a:r>
+                    </a:p>
+                  </a:txBody>
+                  <a:tcPr/>
+                </a:tc>
+                <a:tc>
+                  <a:txBody>
+                    <a:bodyPr/>
+                    <a:lstStyle/>
+                    <a:p>
+                      <a:r>
+                        <a:rPr lang="en-US" sz="1200" dirty="0"/>
+                        <a:t>Charger</a:t>
+                      </a:r>
+                    </a:p>
+                  </a:txBody>
+                  <a:tcPr/>
+                </a:tc>
+                <a:tc>
+                  <a:txBody>
+                    <a:bodyPr/>
+                    <a:lstStyle/>
+                    <a:p>
+                      <a:r>
+                        <a:rPr lang="en-US" sz="1200" dirty="0"/>
+                        <a:t>Banana</a:t>
+                      </a:r>
+                    </a:p>
+                  </a:txBody>
+                  <a:tcPr/>
+                </a:tc>
+                <a:extLst>
+                  <a:ext uri="{0D108BD9-81ED-4DB2-BD59-A6C34878D82A}">
+                    <a16:rowId xmlns:a16="http://schemas.microsoft.com/office/drawing/2014/main" val="3149062355"/>
+                  </a:ext>
+                </a:extLst>
+              </a:tr>
+              <a:tr h="307540">
+                <a:tc>
+                  <a:txBody>
+                    <a:bodyPr/>
+                    <a:lstStyle/>
+                    <a:p>
+                      <a:r>
+                        <a:rPr lang="en-US" sz="1200" dirty="0" err="1"/>
+                        <a:t>gotoken</a:t>
+                      </a:r>
+                      <a:endParaRPr lang="en-US" sz="1200" dirty="0"/>
+                    </a:p>
+                  </a:txBody>
+                  <a:tcPr/>
+                </a:tc>
+                <a:tc>
+                  <a:txBody>
+                    <a:bodyPr/>
+                    <a:lstStyle/>
+                    <a:p>
+                      <a:r>
+                        <a:rPr lang="en-US" sz="1200" dirty="0"/>
+                        <a:t>5</a:t>
+                      </a:r>
+                    </a:p>
+                  </a:txBody>
+                  <a:tcPr/>
+                </a:tc>
+                <a:tc>
+                  <a:txBody>
+                    <a:bodyPr/>
+                    <a:lstStyle/>
+                    <a:p>
+                      <a:r>
+                        <a:rPr lang="en-US" sz="1200" dirty="0"/>
+                        <a:t>0</a:t>
+                      </a:r>
+                    </a:p>
+                  </a:txBody>
+                  <a:tcPr/>
+                </a:tc>
+                <a:tc>
+                  <a:txBody>
+                    <a:bodyPr/>
+                    <a:lstStyle/>
+                    <a:p>
+                      <a:r>
+                        <a:rPr lang="en-US" sz="1200" dirty="0"/>
+                        <a:t>4</a:t>
+                      </a:r>
+                    </a:p>
+                  </a:txBody>
+                  <a:tcPr/>
+                </a:tc>
+                <a:extLst>
+                  <a:ext uri="{0D108BD9-81ED-4DB2-BD59-A6C34878D82A}">
+                    <a16:rowId xmlns:a16="http://schemas.microsoft.com/office/drawing/2014/main" val="3392038757"/>
+                  </a:ext>
+                </a:extLst>
+              </a:tr>
+              <a:tr h="307540">
+                <a:tc>
+                  <a:txBody>
+                    <a:bodyPr/>
+                    <a:lstStyle/>
+                    <a:p>
+                      <a:r>
+                        <a:rPr lang="en-US" sz="1200" dirty="0" err="1"/>
+                        <a:t>kokit</a:t>
+                      </a:r>
+                      <a:endParaRPr lang="en-US" sz="1200" dirty="0"/>
+                    </a:p>
+                  </a:txBody>
+                  <a:tcPr/>
+                </a:tc>
+                <a:tc>
+                  <a:txBody>
+                    <a:bodyPr/>
+                    <a:lstStyle/>
+                    <a:p>
+                      <a:r>
+                        <a:rPr lang="en-US" sz="1200" dirty="0"/>
+                        <a:t>(4)</a:t>
+                      </a:r>
+                    </a:p>
+                  </a:txBody>
+                  <a:tcPr/>
+                </a:tc>
+                <a:tc>
+                  <a:txBody>
+                    <a:bodyPr/>
+                    <a:lstStyle/>
+                    <a:p>
+                      <a:r>
+                        <a:rPr lang="en-US" sz="1200" dirty="0"/>
+                        <a:t>0</a:t>
+                      </a:r>
+                    </a:p>
+                  </a:txBody>
+                  <a:tcPr/>
+                </a:tc>
+                <a:tc>
+                  <a:txBody>
+                    <a:bodyPr/>
+                    <a:lstStyle/>
+                    <a:p>
+                      <a:r>
+                        <a:rPr lang="en-US" sz="1200" dirty="0"/>
+                        <a:t>5</a:t>
+                      </a:r>
+                    </a:p>
+                  </a:txBody>
+                  <a:tcPr/>
+                </a:tc>
+                <a:extLst>
+                  <a:ext uri="{0D108BD9-81ED-4DB2-BD59-A6C34878D82A}">
+                    <a16:rowId xmlns:a16="http://schemas.microsoft.com/office/drawing/2014/main" val="1184583459"/>
+                  </a:ext>
+                </a:extLst>
+              </a:tr>
+              <a:tr h="307540">
+                <a:tc>
+                  <a:txBody>
+                    <a:bodyPr/>
+                    <a:lstStyle/>
+                    <a:p>
+                      <a:r>
+                        <a:rPr lang="en-US" sz="1200" dirty="0" err="1"/>
+                        <a:t>nishi</a:t>
+                      </a:r>
+                      <a:endParaRPr lang="en-US" sz="1200" dirty="0"/>
+                    </a:p>
+                  </a:txBody>
+                  <a:tcPr/>
+                </a:tc>
+                <a:tc>
+                  <a:txBody>
+                    <a:bodyPr/>
+                    <a:lstStyle/>
+                    <a:p>
+                      <a:r>
+                        <a:rPr lang="en-US" sz="1200" dirty="0"/>
+                        <a:t>0</a:t>
+                      </a:r>
+                    </a:p>
+                  </a:txBody>
+                  <a:tcPr/>
+                </a:tc>
+                <a:tc>
+                  <a:txBody>
+                    <a:bodyPr/>
+                    <a:lstStyle/>
+                    <a:p>
+                      <a:r>
+                        <a:rPr lang="en-US" sz="1200" dirty="0"/>
+                        <a:t>2</a:t>
+                      </a:r>
+                    </a:p>
+                  </a:txBody>
+                  <a:tcPr/>
+                </a:tc>
+                <a:tc>
+                  <a:txBody>
+                    <a:bodyPr/>
+                    <a:lstStyle/>
+                    <a:p>
+                      <a:r>
+                        <a:rPr lang="en-US" sz="1200" dirty="0"/>
+                        <a:t>0</a:t>
+                      </a:r>
+                    </a:p>
+                  </a:txBody>
+                  <a:tcPr/>
+                </a:tc>
+                <a:extLst>
+                  <a:ext uri="{0D108BD9-81ED-4DB2-BD59-A6C34878D82A}">
+                    <a16:rowId xmlns:a16="http://schemas.microsoft.com/office/drawing/2014/main" val="1799415085"/>
+                  </a:ext>
+                </a:extLst>
+              </a:tr>
+            </a:tbl>
+          </a:graphicData>
+        </a:graphic>
+      </p:graphicFrame>
+      <p:sp>
+        <p:nvSpPr>
+          <p:cNvPr id="7" name="TextBox 6">
+            <a:extLst>
+              <a:ext uri="{FF2B5EF4-FFF2-40B4-BE49-F238E27FC236}">
+                <a16:creationId xmlns:a16="http://schemas.microsoft.com/office/drawing/2014/main" id="{C565D9CA-9DE9-1D4C-8438-25C98B6F232F}"/>
+              </a:ext>
+            </a:extLst>
+          </p:cNvPr>
+          <p:cNvSpPr txBox="1"/>
+          <p:nvPr/>
+        </p:nvSpPr>
+        <p:spPr>
+          <a:xfrm>
+            <a:off x="6516712" y="5155941"/>
+            <a:ext cx="2813591" cy="369332"/>
+          </a:xfrm>
+          <a:prstGeom prst="rect">
+            <a:avLst/>
+          </a:prstGeom>
+          <a:noFill/>
+        </p:spPr>
+        <p:txBody>
+          <a:bodyPr wrap="none" rtlCol="0">
+            <a:spAutoFit/>
+          </a:bodyPr>
+          <a:lstStyle/>
+          <a:p>
+            <a:r>
+              <a:rPr lang="en-US" dirty="0" err="1"/>
+              <a:t>kokit</a:t>
+            </a:r>
+            <a:r>
+              <a:rPr lang="ja-JP" altLang="en-US"/>
+              <a:t>に</a:t>
+            </a:r>
+            <a:r>
+              <a:rPr lang="en-US" altLang="ja-JP" dirty="0"/>
+              <a:t>Smartphone</a:t>
+            </a:r>
+            <a:r>
+              <a:rPr lang="ja-JP" altLang="en-US"/>
+              <a:t>を推薦</a:t>
+            </a:r>
+            <a:endParaRPr lang="en-US" dirty="0"/>
+          </a:p>
+        </p:txBody>
+      </p:sp>
+      <p:sp>
+        <p:nvSpPr>
+          <p:cNvPr id="8" name="Right Arrow 7">
+            <a:extLst>
+              <a:ext uri="{FF2B5EF4-FFF2-40B4-BE49-F238E27FC236}">
+                <a16:creationId xmlns:a16="http://schemas.microsoft.com/office/drawing/2014/main" id="{4BCB10DC-139E-724D-A9B1-B803AC7CBBB1}"/>
+              </a:ext>
+            </a:extLst>
+          </p:cNvPr>
+          <p:cNvSpPr/>
+          <p:nvPr/>
+        </p:nvSpPr>
+        <p:spPr>
+          <a:xfrm>
+            <a:off x="5911292" y="5112007"/>
+            <a:ext cx="494270" cy="457200"/>
+          </a:xfrm>
+          <a:prstGeom prst="rightArrow">
+            <a:avLst/>
+          </a:prstGeom>
+          <a:solidFill>
+            <a:schemeClr val="accent4">
+              <a:lumMod val="60000"/>
+              <a:lumOff val="40000"/>
+            </a:schemeClr>
+          </a:solidFill>
+          <a:ln>
+            <a:solidFill>
+              <a:schemeClr val="accent4">
+                <a:lumMod val="60000"/>
+                <a:lumOff val="40000"/>
+              </a:schemeClr>
+            </a:solidFill>
+          </a:ln>
+        </p:spPr>
+        <p:style>
+          <a:lnRef idx="2">
+            <a:schemeClr val="accent1">
+              <a:shade val="50000"/>
+            </a:schemeClr>
+          </a:lnRef>
+          <a:fillRef idx="1">
+            <a:schemeClr val="accent1"/>
+          </a:fillRef>
+          <a:effectRef idx="0">
+            <a:schemeClr val="accent1"/>
+          </a:effectRef>
+          <a:fontRef idx="minor">
+            <a:schemeClr val="lt1"/>
+          </a:fontRef>
+        </p:style>
+        <p:txBody>
+          <a:bodyPr rtlCol="0" anchor="ctr"/>
+          <a:lstStyle/>
+          <a:p>
+            <a:pPr algn="ctr"/>
+            <a:endParaRPr lang="en-US" dirty="0">
+              <a:solidFill>
+                <a:schemeClr val="accent4">
+                  <a:lumMod val="75000"/>
+                </a:schemeClr>
+              </a:solidFill>
+            </a:endParaRPr>
+          </a:p>
+        </p:txBody>
+      </p:sp>
+    </p:spTree>
+    <p:extLst>
+      <p:ext uri="{BB962C8B-B14F-4D97-AF65-F5344CB8AC3E}">
+        <p14:creationId xmlns:p14="http://schemas.microsoft.com/office/powerpoint/2010/main" val="1982434056"/>
+      </p:ext>
+    </p:extLst>
+  </p:cSld>
+  <p:clrMapOvr>
+    <a:masterClrMapping/>
+  </p:clrMapOvr>
+</p:sld>
+</file>
+
+<file path=ppt/slides/slide7.xml><?xml version="1.0" encoding="utf-8"?>
+<p:sld xmlns:a="http://schemas.openxmlformats.org/drawingml/2006/main" xmlns:r="http://schemas.openxmlformats.org/officeDocument/2006/relationships" xmlns:p="http://schemas.openxmlformats.org/presentationml/2006/main">
+  <p:cSld>
+    <p:spTree>
+      <p:nvGrpSpPr>
+        <p:cNvPr id="1" name=""/>
+        <p:cNvGrpSpPr/>
+        <p:nvPr/>
+      </p:nvGrpSpPr>
+      <p:grpSpPr>
+        <a:xfrm>
+          <a:off x="0" y="0"/>
+          <a:ext cx="0" cy="0"/>
+          <a:chOff x="0" y="0"/>
+          <a:chExt cx="0" cy="0"/>
+        </a:xfrm>
+      </p:grpSpPr>
+      <p:sp>
+        <p:nvSpPr>
+          <p:cNvPr id="2" name="Title 1">
+            <a:extLst>
+              <a:ext uri="{FF2B5EF4-FFF2-40B4-BE49-F238E27FC236}">
+                <a16:creationId xmlns:a16="http://schemas.microsoft.com/office/drawing/2014/main" id="{39D78DE3-1B2F-CB47-A4AA-05B1AEAAAF7D}"/>
+              </a:ext>
+            </a:extLst>
+          </p:cNvPr>
+          <p:cNvSpPr>
+            <a:spLocks noGrp="1"/>
+          </p:cNvSpPr>
+          <p:nvPr>
+            <p:ph type="title"/>
+          </p:nvPr>
+        </p:nvSpPr>
+        <p:spPr/>
+        <p:txBody>
+          <a:bodyPr/>
+          <a:lstStyle/>
+          <a:p>
+            <a:r>
+              <a:rPr lang="ja-JP" altLang="en-US"/>
+              <a:t>推薦アルゴリズムの種類</a:t>
+            </a:r>
+            <a:endParaRPr lang="en-US" dirty="0"/>
+          </a:p>
+        </p:txBody>
+      </p:sp>
+      <p:sp>
+        <p:nvSpPr>
+          <p:cNvPr id="3" name="Content Placeholder 2">
+            <a:extLst>
+              <a:ext uri="{FF2B5EF4-FFF2-40B4-BE49-F238E27FC236}">
+                <a16:creationId xmlns:a16="http://schemas.microsoft.com/office/drawing/2014/main" id="{58C951A0-6043-9D42-A657-13B8C7C6B862}"/>
+              </a:ext>
+            </a:extLst>
+          </p:cNvPr>
+          <p:cNvSpPr>
+            <a:spLocks noGrp="1"/>
+          </p:cNvSpPr>
+          <p:nvPr>
+            <p:ph idx="1"/>
+          </p:nvPr>
+        </p:nvSpPr>
+        <p:spPr/>
+        <p:txBody>
+          <a:bodyPr/>
+          <a:lstStyle/>
+          <a:p>
+            <a:r>
+              <a:rPr lang="ja-JP" altLang="en-US"/>
+              <a:t>ユーザベース協調フィルタリング</a:t>
+            </a:r>
+            <a:endParaRPr lang="en-US" altLang="ja-JP" dirty="0"/>
+          </a:p>
+          <a:p>
+            <a:pPr lvl="1"/>
+            <a:r>
+              <a:rPr lang="ja-JP" altLang="en-US"/>
+              <a:t>ユーザ同士の類似度を求めた後に，類似度の高かったユーザの購買商品をユーザに推薦する</a:t>
+            </a:r>
+            <a:endParaRPr lang="en-US" dirty="0"/>
+          </a:p>
+        </p:txBody>
+      </p:sp>
+      <p:sp>
+        <p:nvSpPr>
+          <p:cNvPr id="4" name="Slide Number Placeholder 3">
+            <a:extLst>
+              <a:ext uri="{FF2B5EF4-FFF2-40B4-BE49-F238E27FC236}">
+                <a16:creationId xmlns:a16="http://schemas.microsoft.com/office/drawing/2014/main" id="{07BCFC8F-FE87-8A42-B4E2-6ED65466781A}"/>
+              </a:ext>
+            </a:extLst>
+          </p:cNvPr>
+          <p:cNvSpPr>
+            <a:spLocks noGrp="1"/>
+          </p:cNvSpPr>
+          <p:nvPr>
+            <p:ph type="sldNum" sz="quarter" idx="12"/>
+          </p:nvPr>
+        </p:nvSpPr>
+        <p:spPr/>
+        <p:txBody>
+          <a:bodyPr/>
+          <a:lstStyle/>
+          <a:p>
+            <a:fld id="{BFE4183C-6F3A-9C43-8436-3416D3C0FE9F}" type="slidenum">
+              <a:rPr lang="en-US" smtClean="0"/>
+              <a:t>6</a:t>
+            </a:fld>
+            <a:endParaRPr lang="en-US" dirty="0"/>
+          </a:p>
+        </p:txBody>
+      </p:sp>
+      <p:pic>
+        <p:nvPicPr>
+          <p:cNvPr id="6" name="Graphic 5" descr="User">
+            <a:extLst>
+              <a:ext uri="{FF2B5EF4-FFF2-40B4-BE49-F238E27FC236}">
+                <a16:creationId xmlns:a16="http://schemas.microsoft.com/office/drawing/2014/main" id="{C612254A-997D-FE48-8C72-B4A047CFEED8}"/>
+              </a:ext>
+            </a:extLst>
+          </p:cNvPr>
+          <p:cNvPicPr>
+            <a:picLocks noChangeAspect="1"/>
+          </p:cNvPicPr>
+          <p:nvPr/>
+        </p:nvPicPr>
+        <p:blipFill>
+          <a:blip r:embed="rId2">
+            <a:extLst>
+              <a:ext uri="{96DAC541-7B7A-43D3-8B79-37D633B846F1}">
+                <asvg:svgBlip xmlns:asvg="http://schemas.microsoft.com/office/drawing/2016/SVG/main" r:embed="rId3"/>
+              </a:ext>
+            </a:extLst>
+          </a:blip>
+          <a:stretch>
+            <a:fillRect/>
+          </a:stretch>
+        </p:blipFill>
+        <p:spPr>
+          <a:xfrm>
+            <a:off x="1714642" y="3353364"/>
+            <a:ext cx="914400" cy="914400"/>
+          </a:xfrm>
+          <a:prstGeom prst="rect">
+            <a:avLst/>
+          </a:prstGeom>
+        </p:spPr>
+      </p:pic>
+      <p:pic>
+        <p:nvPicPr>
+          <p:cNvPr id="7" name="Graphic 6" descr="User">
+            <a:extLst>
+              <a:ext uri="{FF2B5EF4-FFF2-40B4-BE49-F238E27FC236}">
+                <a16:creationId xmlns:a16="http://schemas.microsoft.com/office/drawing/2014/main" id="{AABBA606-D969-CF40-A8CB-93FB09155744}"/>
+              </a:ext>
+            </a:extLst>
+          </p:cNvPr>
+          <p:cNvPicPr>
+            <a:picLocks noChangeAspect="1"/>
+          </p:cNvPicPr>
+          <p:nvPr/>
+        </p:nvPicPr>
+        <p:blipFill>
+          <a:blip r:embed="rId2">
+            <a:extLst>
+              <a:ext uri="{96DAC541-7B7A-43D3-8B79-37D633B846F1}">
+                <asvg:svgBlip xmlns:asvg="http://schemas.microsoft.com/office/drawing/2016/SVG/main" r:embed="rId3"/>
+              </a:ext>
+            </a:extLst>
+          </a:blip>
+          <a:stretch>
+            <a:fillRect/>
+          </a:stretch>
+        </p:blipFill>
+        <p:spPr>
+          <a:xfrm>
+            <a:off x="1714642" y="4484933"/>
+            <a:ext cx="914400" cy="914400"/>
+          </a:xfrm>
+          <a:prstGeom prst="rect">
+            <a:avLst/>
+          </a:prstGeom>
+        </p:spPr>
+      </p:pic>
+      <p:sp>
+        <p:nvSpPr>
+          <p:cNvPr id="8" name="TextBox 7">
+            <a:extLst>
+              <a:ext uri="{FF2B5EF4-FFF2-40B4-BE49-F238E27FC236}">
+                <a16:creationId xmlns:a16="http://schemas.microsoft.com/office/drawing/2014/main" id="{0D941AE5-C3AC-5B4D-85B2-05B61F84FC69}"/>
+              </a:ext>
+            </a:extLst>
+          </p:cNvPr>
+          <p:cNvSpPr txBox="1"/>
+          <p:nvPr/>
+        </p:nvSpPr>
+        <p:spPr>
+          <a:xfrm>
+            <a:off x="1679558" y="4121811"/>
+            <a:ext cx="994183" cy="369332"/>
+          </a:xfrm>
+          <a:prstGeom prst="rect">
+            <a:avLst/>
+          </a:prstGeom>
+          <a:noFill/>
+        </p:spPr>
+        <p:txBody>
+          <a:bodyPr wrap="none" rtlCol="0">
+            <a:spAutoFit/>
+          </a:bodyPr>
+          <a:lstStyle/>
+          <a:p>
+            <a:r>
+              <a:rPr lang="ja-JP" altLang="en-US"/>
+              <a:t>ユーザ</a:t>
+            </a:r>
+            <a:r>
+              <a:rPr lang="en-US" altLang="ja-JP" dirty="0"/>
+              <a:t>A</a:t>
+            </a:r>
+            <a:endParaRPr lang="en-US" dirty="0"/>
+          </a:p>
+        </p:txBody>
+      </p:sp>
+      <p:sp>
+        <p:nvSpPr>
+          <p:cNvPr id="9" name="TextBox 8">
+            <a:extLst>
+              <a:ext uri="{FF2B5EF4-FFF2-40B4-BE49-F238E27FC236}">
+                <a16:creationId xmlns:a16="http://schemas.microsoft.com/office/drawing/2014/main" id="{4F00C95D-A277-B649-AEE9-4D7F33D819BB}"/>
+              </a:ext>
+            </a:extLst>
+          </p:cNvPr>
+          <p:cNvSpPr txBox="1"/>
+          <p:nvPr/>
+        </p:nvSpPr>
+        <p:spPr>
+          <a:xfrm>
+            <a:off x="1677956" y="5225358"/>
+            <a:ext cx="987771" cy="369332"/>
+          </a:xfrm>
+          <a:prstGeom prst="rect">
+            <a:avLst/>
+          </a:prstGeom>
+          <a:noFill/>
+        </p:spPr>
+        <p:txBody>
+          <a:bodyPr wrap="none" rtlCol="0">
+            <a:spAutoFit/>
+          </a:bodyPr>
+          <a:lstStyle/>
+          <a:p>
+            <a:r>
+              <a:rPr lang="ja-JP" altLang="en-US"/>
+              <a:t>ユーザ</a:t>
+            </a:r>
+            <a:r>
+              <a:rPr lang="en-US" altLang="ja-JP" dirty="0"/>
+              <a:t>B</a:t>
+            </a:r>
+            <a:endParaRPr lang="en-US" dirty="0"/>
+          </a:p>
+        </p:txBody>
+      </p:sp>
+      <p:pic>
+        <p:nvPicPr>
+          <p:cNvPr id="10" name="Graphic 9" descr="User">
+            <a:extLst>
+              <a:ext uri="{FF2B5EF4-FFF2-40B4-BE49-F238E27FC236}">
+                <a16:creationId xmlns:a16="http://schemas.microsoft.com/office/drawing/2014/main" id="{91C54F3B-A0EF-DC43-8996-8A17347A7579}"/>
+              </a:ext>
+            </a:extLst>
+          </p:cNvPr>
+          <p:cNvPicPr>
+            <a:picLocks noChangeAspect="1"/>
+          </p:cNvPicPr>
+          <p:nvPr/>
+        </p:nvPicPr>
+        <p:blipFill>
+          <a:blip r:embed="rId2">
+            <a:extLst>
+              <a:ext uri="{96DAC541-7B7A-43D3-8B79-37D633B846F1}">
+                <asvg:svgBlip xmlns:asvg="http://schemas.microsoft.com/office/drawing/2016/SVG/main" r:embed="rId3"/>
+              </a:ext>
+            </a:extLst>
+          </a:blip>
+          <a:stretch>
+            <a:fillRect/>
+          </a:stretch>
+        </p:blipFill>
+        <p:spPr>
+          <a:xfrm>
+            <a:off x="1714642" y="5539486"/>
+            <a:ext cx="914400" cy="914400"/>
+          </a:xfrm>
+          <a:prstGeom prst="rect">
+            <a:avLst/>
+          </a:prstGeom>
+        </p:spPr>
+      </p:pic>
+      <p:sp>
+        <p:nvSpPr>
+          <p:cNvPr id="11" name="TextBox 10">
+            <a:extLst>
+              <a:ext uri="{FF2B5EF4-FFF2-40B4-BE49-F238E27FC236}">
+                <a16:creationId xmlns:a16="http://schemas.microsoft.com/office/drawing/2014/main" id="{C185897D-1889-8B4F-ADE1-913CED6390A3}"/>
+              </a:ext>
+            </a:extLst>
+          </p:cNvPr>
+          <p:cNvSpPr txBox="1"/>
+          <p:nvPr/>
+        </p:nvSpPr>
+        <p:spPr>
+          <a:xfrm>
+            <a:off x="1677956" y="6308091"/>
+            <a:ext cx="995785" cy="369332"/>
+          </a:xfrm>
+          <a:prstGeom prst="rect">
+            <a:avLst/>
+          </a:prstGeom>
+          <a:noFill/>
+        </p:spPr>
+        <p:txBody>
+          <a:bodyPr wrap="none" rtlCol="0">
+            <a:spAutoFit/>
+          </a:bodyPr>
+          <a:lstStyle/>
+          <a:p>
+            <a:r>
+              <a:rPr lang="ja-JP" altLang="en-US"/>
+              <a:t>ユーザ</a:t>
+            </a:r>
+            <a:r>
+              <a:rPr lang="en-US" altLang="ja-JP" dirty="0"/>
+              <a:t>C</a:t>
+            </a:r>
+            <a:endParaRPr lang="en-US" dirty="0"/>
+          </a:p>
+        </p:txBody>
+      </p:sp>
+      <p:cxnSp>
+        <p:nvCxnSpPr>
+          <p:cNvPr id="13" name="Curved Connector 12">
+            <a:extLst>
+              <a:ext uri="{FF2B5EF4-FFF2-40B4-BE49-F238E27FC236}">
+                <a16:creationId xmlns:a16="http://schemas.microsoft.com/office/drawing/2014/main" id="{B6945945-9504-874E-B810-060807D101FC}"/>
+              </a:ext>
+            </a:extLst>
+          </p:cNvPr>
+          <p:cNvCxnSpPr>
+            <a:stCxn id="6" idx="3"/>
+            <a:endCxn id="10" idx="3"/>
+          </p:cNvCxnSpPr>
+          <p:nvPr/>
+        </p:nvCxnSpPr>
+        <p:spPr>
+          <a:xfrm>
+            <a:off x="2629042" y="3810564"/>
+            <a:ext cx="12700" cy="2186122"/>
+          </a:xfrm>
+          <a:prstGeom prst="curvedConnector3">
+            <a:avLst>
+              <a:gd name="adj1" fmla="val 7347543"/>
+            </a:avLst>
+          </a:prstGeom>
+        </p:spPr>
+        <p:style>
+          <a:lnRef idx="1">
+            <a:schemeClr val="dk1"/>
+          </a:lnRef>
+          <a:fillRef idx="0">
+            <a:schemeClr val="dk1"/>
+          </a:fillRef>
+          <a:effectRef idx="0">
+            <a:schemeClr val="dk1"/>
+          </a:effectRef>
+          <a:fontRef idx="minor">
+            <a:schemeClr val="tx1"/>
+          </a:fontRef>
+        </p:style>
+      </p:cxnSp>
+      <p:cxnSp>
+        <p:nvCxnSpPr>
+          <p:cNvPr id="15" name="Curved Connector 14">
+            <a:extLst>
+              <a:ext uri="{FF2B5EF4-FFF2-40B4-BE49-F238E27FC236}">
+                <a16:creationId xmlns:a16="http://schemas.microsoft.com/office/drawing/2014/main" id="{E0D2F3FD-B979-9C40-A88A-BC60AF9A8391}"/>
+              </a:ext>
+            </a:extLst>
+          </p:cNvPr>
+          <p:cNvCxnSpPr>
+            <a:cxnSpLocks/>
+            <a:stCxn id="6" idx="3"/>
+            <a:endCxn id="7" idx="3"/>
+          </p:cNvCxnSpPr>
+          <p:nvPr/>
+        </p:nvCxnSpPr>
+        <p:spPr>
+          <a:xfrm>
+            <a:off x="2629042" y="3810564"/>
+            <a:ext cx="12700" cy="1131569"/>
+          </a:xfrm>
+          <a:prstGeom prst="curvedConnector3">
+            <a:avLst>
+              <a:gd name="adj1" fmla="val 1800000"/>
+            </a:avLst>
+          </a:prstGeom>
+        </p:spPr>
+        <p:style>
+          <a:lnRef idx="1">
+            <a:schemeClr val="dk1"/>
+          </a:lnRef>
+          <a:fillRef idx="0">
+            <a:schemeClr val="dk1"/>
+          </a:fillRef>
+          <a:effectRef idx="0">
+            <a:schemeClr val="dk1"/>
+          </a:effectRef>
+          <a:fontRef idx="minor">
+            <a:schemeClr val="tx1"/>
+          </a:fontRef>
+        </p:style>
+      </p:cxnSp>
+      <p:cxnSp>
+        <p:nvCxnSpPr>
+          <p:cNvPr id="18" name="Curved Connector 17">
+            <a:extLst>
+              <a:ext uri="{FF2B5EF4-FFF2-40B4-BE49-F238E27FC236}">
+                <a16:creationId xmlns:a16="http://schemas.microsoft.com/office/drawing/2014/main" id="{A53A3303-8C34-8D4F-93FD-3CC768AFFB6D}"/>
+              </a:ext>
+            </a:extLst>
+          </p:cNvPr>
+          <p:cNvCxnSpPr>
+            <a:cxnSpLocks/>
+            <a:stCxn id="7" idx="3"/>
+            <a:endCxn id="10" idx="3"/>
+          </p:cNvCxnSpPr>
+          <p:nvPr/>
+        </p:nvCxnSpPr>
+        <p:spPr>
+          <a:xfrm>
+            <a:off x="2629042" y="4942133"/>
+            <a:ext cx="12700" cy="1054553"/>
+          </a:xfrm>
+          <a:prstGeom prst="curvedConnector3">
+            <a:avLst>
+              <a:gd name="adj1" fmla="val 1800000"/>
+            </a:avLst>
+          </a:prstGeom>
+        </p:spPr>
+        <p:style>
+          <a:lnRef idx="1">
+            <a:schemeClr val="dk1"/>
+          </a:lnRef>
+          <a:fillRef idx="0">
+            <a:schemeClr val="dk1"/>
+          </a:fillRef>
+          <a:effectRef idx="0">
+            <a:schemeClr val="dk1"/>
+          </a:effectRef>
+          <a:fontRef idx="minor">
+            <a:schemeClr val="tx1"/>
+          </a:fontRef>
+        </p:style>
+      </p:cxnSp>
+      <p:sp>
+        <p:nvSpPr>
+          <p:cNvPr id="24" name="TextBox 23">
+            <a:extLst>
+              <a:ext uri="{FF2B5EF4-FFF2-40B4-BE49-F238E27FC236}">
+                <a16:creationId xmlns:a16="http://schemas.microsoft.com/office/drawing/2014/main" id="{EAFD3CCE-3514-D64D-A66D-C2537082DFCA}"/>
+              </a:ext>
+            </a:extLst>
+          </p:cNvPr>
+          <p:cNvSpPr txBox="1"/>
+          <p:nvPr/>
+        </p:nvSpPr>
+        <p:spPr>
+          <a:xfrm>
+            <a:off x="3556142" y="4718959"/>
+            <a:ext cx="513282" cy="369332"/>
+          </a:xfrm>
+          <a:prstGeom prst="rect">
+            <a:avLst/>
+          </a:prstGeom>
+          <a:noFill/>
+        </p:spPr>
+        <p:txBody>
+          <a:bodyPr wrap="none" rtlCol="0">
+            <a:spAutoFit/>
+          </a:bodyPr>
+          <a:lstStyle/>
+          <a:p>
+            <a:r>
+              <a:rPr lang="en-US" dirty="0"/>
+              <a:t>0.7</a:t>
+            </a:r>
+          </a:p>
+        </p:txBody>
+      </p:sp>
+      <p:sp>
+        <p:nvSpPr>
+          <p:cNvPr id="25" name="TextBox 24">
+            <a:extLst>
+              <a:ext uri="{FF2B5EF4-FFF2-40B4-BE49-F238E27FC236}">
+                <a16:creationId xmlns:a16="http://schemas.microsoft.com/office/drawing/2014/main" id="{5D94EA76-9ACA-D84B-88EF-0CF06B86AA0C}"/>
+              </a:ext>
+            </a:extLst>
+          </p:cNvPr>
+          <p:cNvSpPr txBox="1"/>
+          <p:nvPr/>
+        </p:nvSpPr>
+        <p:spPr>
+          <a:xfrm>
+            <a:off x="2829601" y="4199366"/>
+            <a:ext cx="513282" cy="369332"/>
+          </a:xfrm>
+          <a:prstGeom prst="rect">
+            <a:avLst/>
+          </a:prstGeom>
+          <a:noFill/>
+        </p:spPr>
+        <p:txBody>
+          <a:bodyPr wrap="none" rtlCol="0">
+            <a:spAutoFit/>
+          </a:bodyPr>
+          <a:lstStyle/>
+          <a:p>
+            <a:r>
+              <a:rPr lang="en-US" dirty="0"/>
+              <a:t>0.5</a:t>
+            </a:r>
+          </a:p>
+        </p:txBody>
+      </p:sp>
+      <p:sp>
+        <p:nvSpPr>
+          <p:cNvPr id="26" name="TextBox 25">
+            <a:extLst>
+              <a:ext uri="{FF2B5EF4-FFF2-40B4-BE49-F238E27FC236}">
+                <a16:creationId xmlns:a16="http://schemas.microsoft.com/office/drawing/2014/main" id="{8E55F7C4-6FA8-E54E-9943-34E64EDE9A33}"/>
+              </a:ext>
+            </a:extLst>
+          </p:cNvPr>
+          <p:cNvSpPr txBox="1"/>
+          <p:nvPr/>
+        </p:nvSpPr>
+        <p:spPr>
+          <a:xfrm>
+            <a:off x="2866286" y="5284743"/>
+            <a:ext cx="513282" cy="369332"/>
+          </a:xfrm>
+          <a:prstGeom prst="rect">
+            <a:avLst/>
+          </a:prstGeom>
+          <a:noFill/>
+        </p:spPr>
+        <p:txBody>
+          <a:bodyPr wrap="none" rtlCol="0">
+            <a:spAutoFit/>
+          </a:bodyPr>
+          <a:lstStyle/>
+          <a:p>
+            <a:r>
+              <a:rPr lang="en-US" dirty="0"/>
+              <a:t>0.4</a:t>
+            </a:r>
+          </a:p>
+        </p:txBody>
+      </p:sp>
+      <p:sp>
+        <p:nvSpPr>
+          <p:cNvPr id="27" name="Right Arrow 26">
+            <a:extLst>
+              <a:ext uri="{FF2B5EF4-FFF2-40B4-BE49-F238E27FC236}">
+                <a16:creationId xmlns:a16="http://schemas.microsoft.com/office/drawing/2014/main" id="{7C23CD23-F3B6-8C46-B751-1F8AC5601B25}"/>
+              </a:ext>
+            </a:extLst>
+          </p:cNvPr>
+          <p:cNvSpPr/>
+          <p:nvPr/>
+        </p:nvSpPr>
+        <p:spPr>
+          <a:xfrm>
+            <a:off x="4309794" y="4675025"/>
+            <a:ext cx="494270" cy="457200"/>
+          </a:xfrm>
+          <a:prstGeom prst="rightArrow">
+            <a:avLst/>
+          </a:prstGeom>
+          <a:solidFill>
+            <a:schemeClr val="accent4">
+              <a:lumMod val="60000"/>
+              <a:lumOff val="40000"/>
+            </a:schemeClr>
+          </a:solidFill>
+          <a:ln>
+            <a:solidFill>
+              <a:schemeClr val="accent4">
+                <a:lumMod val="60000"/>
+                <a:lumOff val="40000"/>
+              </a:schemeClr>
+            </a:solidFill>
+          </a:ln>
+        </p:spPr>
+        <p:style>
+          <a:lnRef idx="2">
+            <a:schemeClr val="accent1">
+              <a:shade val="50000"/>
+            </a:schemeClr>
+          </a:lnRef>
+          <a:fillRef idx="1">
+            <a:schemeClr val="accent1"/>
+          </a:fillRef>
+          <a:effectRef idx="0">
+            <a:schemeClr val="accent1"/>
+          </a:effectRef>
+          <a:fontRef idx="minor">
+            <a:schemeClr val="lt1"/>
+          </a:fontRef>
+        </p:style>
+        <p:txBody>
+          <a:bodyPr rtlCol="0" anchor="ctr"/>
+          <a:lstStyle/>
+          <a:p>
+            <a:pPr algn="ctr"/>
+            <a:endParaRPr lang="en-US" dirty="0">
+              <a:solidFill>
+                <a:schemeClr val="accent4">
+                  <a:lumMod val="75000"/>
+                </a:schemeClr>
+              </a:solidFill>
+            </a:endParaRPr>
+          </a:p>
+        </p:txBody>
+      </p:sp>
+      <p:sp>
+        <p:nvSpPr>
+          <p:cNvPr id="28" name="TextBox 27">
+            <a:extLst>
+              <a:ext uri="{FF2B5EF4-FFF2-40B4-BE49-F238E27FC236}">
+                <a16:creationId xmlns:a16="http://schemas.microsoft.com/office/drawing/2014/main" id="{8D3E1651-F437-5149-BBA8-0A80A646D788}"/>
+              </a:ext>
+            </a:extLst>
+          </p:cNvPr>
+          <p:cNvSpPr txBox="1"/>
+          <p:nvPr/>
+        </p:nvSpPr>
+        <p:spPr>
+          <a:xfrm>
+            <a:off x="5044434" y="4675025"/>
+            <a:ext cx="4637808" cy="369332"/>
+          </a:xfrm>
+          <a:prstGeom prst="rect">
+            <a:avLst/>
+          </a:prstGeom>
+          <a:noFill/>
+        </p:spPr>
+        <p:txBody>
+          <a:bodyPr wrap="none" rtlCol="0">
+            <a:spAutoFit/>
+          </a:bodyPr>
+          <a:lstStyle/>
+          <a:p>
+            <a:r>
+              <a:rPr lang="ja-JP" altLang="en-US"/>
+              <a:t>ユーザ</a:t>
+            </a:r>
+            <a:r>
+              <a:rPr lang="en-US" altLang="ja-JP" dirty="0"/>
+              <a:t>A</a:t>
+            </a:r>
+            <a:r>
+              <a:rPr lang="ja-JP" altLang="en-US"/>
+              <a:t>にユーザ</a:t>
+            </a:r>
+            <a:r>
+              <a:rPr lang="en-US" altLang="ja-JP" dirty="0"/>
+              <a:t>C</a:t>
+            </a:r>
+            <a:r>
+              <a:rPr lang="ja-JP" altLang="en-US"/>
+              <a:t>が購買している商品を推薦</a:t>
+            </a:r>
+            <a:endParaRPr lang="en-US" dirty="0"/>
+          </a:p>
+        </p:txBody>
+      </p:sp>
+    </p:spTree>
+    <p:extLst>
+      <p:ext uri="{BB962C8B-B14F-4D97-AF65-F5344CB8AC3E}">
+        <p14:creationId xmlns:p14="http://schemas.microsoft.com/office/powerpoint/2010/main" val="1161988514"/>
+      </p:ext>
+    </p:extLst>
+  </p:cSld>
+  <p:clrMapOvr>
+    <a:masterClrMapping/>
+  </p:clrMapOvr>
+</p:sld>
+</file>
+
+<file path=ppt/slides/slide8.xml><?xml version="1.0" encoding="utf-8"?>
+<p:sld xmlns:a="http://schemas.openxmlformats.org/drawingml/2006/main" xmlns:r="http://schemas.openxmlformats.org/officeDocument/2006/relationships" xmlns:p="http://schemas.openxmlformats.org/presentationml/2006/main">
+  <p:cSld>
+    <p:spTree>
+      <p:nvGrpSpPr>
+        <p:cNvPr id="1" name=""/>
+        <p:cNvGrpSpPr/>
+        <p:nvPr/>
+      </p:nvGrpSpPr>
+      <p:grpSpPr>
+        <a:xfrm>
+          <a:off x="0" y="0"/>
+          <a:ext cx="0" cy="0"/>
+          <a:chOff x="0" y="0"/>
+          <a:chExt cx="0" cy="0"/>
+        </a:xfrm>
+      </p:grpSpPr>
+      <p:sp>
+        <p:nvSpPr>
+          <p:cNvPr id="2" name="Title 1">
+            <a:extLst>
+              <a:ext uri="{FF2B5EF4-FFF2-40B4-BE49-F238E27FC236}">
+                <a16:creationId xmlns:a16="http://schemas.microsoft.com/office/drawing/2014/main" id="{D66D158D-863A-C44A-8431-5FF0B3F5D003}"/>
+              </a:ext>
+            </a:extLst>
+          </p:cNvPr>
+          <p:cNvSpPr>
+            <a:spLocks noGrp="1"/>
+          </p:cNvSpPr>
+          <p:nvPr>
+            <p:ph type="title"/>
+          </p:nvPr>
+        </p:nvSpPr>
+        <p:spPr/>
+        <p:txBody>
+          <a:bodyPr/>
+          <a:lstStyle/>
+          <a:p>
+            <a:r>
+              <a:rPr lang="ja-JP" altLang="en-US"/>
+              <a:t>推薦アルゴリズム</a:t>
+            </a:r>
+            <a:endParaRPr lang="en-US" dirty="0"/>
+          </a:p>
+        </p:txBody>
+      </p:sp>
+      <p:sp>
+        <p:nvSpPr>
+          <p:cNvPr id="3" name="Content Placeholder 2">
+            <a:extLst>
+              <a:ext uri="{FF2B5EF4-FFF2-40B4-BE49-F238E27FC236}">
+                <a16:creationId xmlns:a16="http://schemas.microsoft.com/office/drawing/2014/main" id="{30E7B293-F481-5C4F-9D99-C235B6764306}"/>
+              </a:ext>
+            </a:extLst>
+          </p:cNvPr>
+          <p:cNvSpPr>
+            <a:spLocks noGrp="1"/>
+          </p:cNvSpPr>
+          <p:nvPr>
+            <p:ph idx="1"/>
+          </p:nvPr>
+        </p:nvSpPr>
+        <p:spPr>
+          <a:xfrm>
+            <a:off x="680321" y="2336873"/>
+            <a:ext cx="9613861" cy="3599316"/>
+          </a:xfrm>
+        </p:spPr>
+        <p:txBody>
+          <a:bodyPr/>
+          <a:lstStyle/>
+          <a:p>
+            <a:r>
+              <a:rPr lang="en-US" dirty="0"/>
+              <a:t>Matrix Factorization</a:t>
+            </a:r>
+          </a:p>
+        </p:txBody>
+      </p:sp>
+      <p:sp>
+        <p:nvSpPr>
+          <p:cNvPr id="4" name="Slide Number Placeholder 3">
+            <a:extLst>
+              <a:ext uri="{FF2B5EF4-FFF2-40B4-BE49-F238E27FC236}">
+                <a16:creationId xmlns:a16="http://schemas.microsoft.com/office/drawing/2014/main" id="{1DCB1A9C-FB0F-274C-A11B-8B1B11D9C663}"/>
+              </a:ext>
+            </a:extLst>
+          </p:cNvPr>
+          <p:cNvSpPr>
+            <a:spLocks noGrp="1"/>
+          </p:cNvSpPr>
+          <p:nvPr>
+            <p:ph type="sldNum" sz="quarter" idx="12"/>
+          </p:nvPr>
+        </p:nvSpPr>
+        <p:spPr/>
+        <p:txBody>
+          <a:bodyPr/>
+          <a:lstStyle/>
+          <a:p>
+            <a:fld id="{BFE4183C-6F3A-9C43-8436-3416D3C0FE9F}" type="slidenum">
+              <a:rPr lang="en-US" smtClean="0"/>
+              <a:t>7</a:t>
+            </a:fld>
+            <a:endParaRPr lang="en-US" dirty="0"/>
+          </a:p>
+        </p:txBody>
+      </p:sp>
+      <mc:AlternateContent xmlns:mc="http://schemas.openxmlformats.org/markup-compatibility/2006" xmlns:a14="http://schemas.microsoft.com/office/drawing/2010/main">
+        <mc:Choice Requires="a14">
+          <p:sp>
+            <p:nvSpPr>
+              <p:cNvPr id="5" name="Rectangle 4">
+                <a:extLst>
+                  <a:ext uri="{FF2B5EF4-FFF2-40B4-BE49-F238E27FC236}">
+                    <a16:creationId xmlns:a16="http://schemas.microsoft.com/office/drawing/2014/main" id="{845F460B-8084-E042-A21E-857F00E27F23}"/>
+                  </a:ext>
+                </a:extLst>
+              </p:cNvPr>
+              <p:cNvSpPr/>
+              <p:nvPr/>
+            </p:nvSpPr>
+            <p:spPr>
+              <a:xfrm>
+                <a:off x="1449277" y="3222716"/>
+                <a:ext cx="2382982" cy="2105891"/>
+              </a:xfrm>
+              <a:prstGeom prst="rect">
+                <a:avLst/>
+              </a:prstGeom>
+            </p:spPr>
+            <p:style>
+              <a:lnRef idx="2">
+                <a:schemeClr val="accent1">
+                  <a:shade val="50000"/>
+                </a:schemeClr>
+              </a:lnRef>
+              <a:fillRef idx="1">
+                <a:schemeClr val="accent1"/>
+              </a:fillRef>
+              <a:effectRef idx="0">
+                <a:schemeClr val="accent1"/>
+              </a:effectRef>
+              <a:fontRef idx="minor">
+                <a:schemeClr val="lt1"/>
+              </a:fontRef>
+            </p:style>
+            <p:txBody>
+              <a:bodyPr rtlCol="0" anchor="ctr"/>
+              <a:lstStyle/>
+              <a:p>
+                <a:pPr algn="ctr"/>
+                <a:r>
+                  <a:rPr lang="ja-JP" altLang="en-US" sz="1400"/>
+                  <a:t>ユーザ数</a:t>
+                </a:r>
+                <a14:m>
+                  <m:oMath xmlns:m="http://schemas.openxmlformats.org/officeDocument/2006/math">
+                    <m:r>
+                      <a:rPr lang="en-US" sz="1400" b="0" i="1" smtClean="0">
+                        <a:latin typeface="Cambria Math" panose="02040503050406030204" pitchFamily="18" charset="0"/>
+                      </a:rPr>
+                      <m:t>𝑀</m:t>
+                    </m:r>
+                    <m:r>
+                      <a:rPr lang="en-US" sz="1400" b="0" i="1" smtClean="0">
+                        <a:latin typeface="Cambria Math" panose="02040503050406030204" pitchFamily="18" charset="0"/>
+                      </a:rPr>
+                      <m:t> </m:t>
+                    </m:r>
+                  </m:oMath>
+                </a14:m>
+                <a:r>
+                  <a:rPr lang="ja-JP" altLang="en-US" sz="1400"/>
+                  <a:t>，アイテム数</a:t>
+                </a:r>
+                <a14:m>
+                  <m:oMath xmlns:m="http://schemas.openxmlformats.org/officeDocument/2006/math">
+                    <m:r>
+                      <a:rPr lang="en-US" sz="1400" b="0" i="1" smtClean="0">
+                        <a:latin typeface="Cambria Math" panose="02040503050406030204" pitchFamily="18" charset="0"/>
+                      </a:rPr>
+                      <m:t>𝑁</m:t>
+                    </m:r>
+                  </m:oMath>
+                </a14:m>
+                <a:endParaRPr lang="en-US" sz="1400" dirty="0"/>
+              </a:p>
+              <a:p>
+                <a:pPr algn="ctr"/>
+                <a:r>
+                  <a:rPr lang="ja-JP" altLang="en-US" sz="1400"/>
+                  <a:t>の行列</a:t>
+                </a:r>
+                <a:endParaRPr lang="en-US" sz="1400" dirty="0"/>
+              </a:p>
+            </p:txBody>
+          </p:sp>
+        </mc:Choice>
+        <mc:Fallback xmlns="">
+          <p:sp>
+            <p:nvSpPr>
+              <p:cNvPr id="5" name="Rectangle 4">
+                <a:extLst>
+                  <a:ext uri="{FF2B5EF4-FFF2-40B4-BE49-F238E27FC236}">
+                    <a16:creationId xmlns:a16="http://schemas.microsoft.com/office/drawing/2014/main" id="{845F460B-8084-E042-A21E-857F00E27F23}"/>
+                  </a:ext>
+                </a:extLst>
+              </p:cNvPr>
+              <p:cNvSpPr>
+                <a:spLocks noRot="1" noChangeAspect="1" noMove="1" noResize="1" noEditPoints="1" noAdjustHandles="1" noChangeArrowheads="1" noChangeShapeType="1" noTextEdit="1"/>
+              </p:cNvSpPr>
+              <p:nvPr/>
+            </p:nvSpPr>
+            <p:spPr>
+              <a:xfrm>
+                <a:off x="1449277" y="3222716"/>
+                <a:ext cx="2382982" cy="2105891"/>
+              </a:xfrm>
+              <a:prstGeom prst="rect">
+                <a:avLst/>
+              </a:prstGeom>
+              <a:blipFill>
+                <a:blip r:embed="rId2"/>
+                <a:stretch>
+                  <a:fillRect/>
+                </a:stretch>
+              </a:blipFill>
+            </p:spPr>
+            <p:txBody>
+              <a:bodyPr/>
+              <a:lstStyle/>
+              <a:p>
+                <a:r>
+                  <a:rPr lang="en-US">
+                    <a:noFill/>
+                  </a:rPr>
+                  <a:t> </a:t>
+                </a:r>
+              </a:p>
+            </p:txBody>
+          </p:sp>
+        </mc:Fallback>
+      </mc:AlternateContent>
+      <mc:AlternateContent xmlns:mc="http://schemas.openxmlformats.org/markup-compatibility/2006" xmlns:a14="http://schemas.microsoft.com/office/drawing/2010/main">
+        <mc:Choice Requires="a14">
+          <p:sp>
+            <p:nvSpPr>
+              <p:cNvPr id="6" name="TextBox 5">
+                <a:extLst>
+                  <a:ext uri="{FF2B5EF4-FFF2-40B4-BE49-F238E27FC236}">
+                    <a16:creationId xmlns:a16="http://schemas.microsoft.com/office/drawing/2014/main" id="{542B958C-E4B4-3E49-A6C7-A991A236C961}"/>
+                  </a:ext>
+                </a:extLst>
+              </p:cNvPr>
+              <p:cNvSpPr txBox="1"/>
+              <p:nvPr/>
+            </p:nvSpPr>
+            <p:spPr>
+              <a:xfrm>
+                <a:off x="760062" y="4090994"/>
+                <a:ext cx="456407" cy="369332"/>
+              </a:xfrm>
+              <a:prstGeom prst="rect">
+                <a:avLst/>
+              </a:prstGeom>
+              <a:noFill/>
+            </p:spPr>
+            <p:txBody>
+              <a:bodyPr wrap="none" rtlCol="0">
+                <a:spAutoFit/>
+              </a:bodyPr>
+              <a:lstStyle/>
+              <a:p>
+                <a:pPr/>
+                <a14:m>
+                  <m:oMathPara xmlns:m="http://schemas.openxmlformats.org/officeDocument/2006/math">
+                    <m:oMathParaPr>
+                      <m:jc m:val="centerGroup"/>
+                    </m:oMathParaPr>
+                    <m:oMath xmlns:m="http://schemas.openxmlformats.org/officeDocument/2006/math">
+                      <m:r>
+                        <a:rPr lang="en-US" b="0" i="1" smtClean="0">
+                          <a:latin typeface="Cambria Math" panose="02040503050406030204" pitchFamily="18" charset="0"/>
+                        </a:rPr>
+                        <m:t>𝑀</m:t>
+                      </m:r>
+                    </m:oMath>
+                  </m:oMathPara>
+                </a14:m>
+                <a:endParaRPr lang="en-US" dirty="0"/>
+              </a:p>
+            </p:txBody>
+          </p:sp>
+        </mc:Choice>
+        <mc:Fallback xmlns="">
+          <p:sp>
+            <p:nvSpPr>
+              <p:cNvPr id="6" name="TextBox 5">
+                <a:extLst>
+                  <a:ext uri="{FF2B5EF4-FFF2-40B4-BE49-F238E27FC236}">
+                    <a16:creationId xmlns:a16="http://schemas.microsoft.com/office/drawing/2014/main" id="{542B958C-E4B4-3E49-A6C7-A991A236C961}"/>
+                  </a:ext>
+                </a:extLst>
+              </p:cNvPr>
+              <p:cNvSpPr txBox="1">
+                <a:spLocks noRot="1" noChangeAspect="1" noMove="1" noResize="1" noEditPoints="1" noAdjustHandles="1" noChangeArrowheads="1" noChangeShapeType="1" noTextEdit="1"/>
+              </p:cNvSpPr>
+              <p:nvPr/>
+            </p:nvSpPr>
+            <p:spPr>
+              <a:xfrm>
+                <a:off x="760062" y="4090994"/>
+                <a:ext cx="456407" cy="369332"/>
+              </a:xfrm>
+              <a:prstGeom prst="rect">
+                <a:avLst/>
+              </a:prstGeom>
+              <a:blipFill>
+                <a:blip r:embed="rId3"/>
+                <a:stretch>
+                  <a:fillRect/>
+                </a:stretch>
+              </a:blipFill>
+            </p:spPr>
+            <p:txBody>
+              <a:bodyPr/>
+              <a:lstStyle/>
+              <a:p>
+                <a:r>
+                  <a:rPr lang="en-US">
+                    <a:noFill/>
+                  </a:rPr>
+                  <a:t> </a:t>
+                </a:r>
+              </a:p>
+            </p:txBody>
+          </p:sp>
+        </mc:Fallback>
+      </mc:AlternateContent>
+      <mc:AlternateContent xmlns:mc="http://schemas.openxmlformats.org/markup-compatibility/2006" xmlns:a14="http://schemas.microsoft.com/office/drawing/2010/main">
+        <mc:Choice Requires="a14">
+          <p:sp>
+            <p:nvSpPr>
+              <p:cNvPr id="7" name="TextBox 6">
+                <a:extLst>
+                  <a:ext uri="{FF2B5EF4-FFF2-40B4-BE49-F238E27FC236}">
+                    <a16:creationId xmlns:a16="http://schemas.microsoft.com/office/drawing/2014/main" id="{BFECD7D0-0856-974D-B2D4-22D0B75CE4BD}"/>
+                  </a:ext>
+                </a:extLst>
+              </p:cNvPr>
+              <p:cNvSpPr txBox="1"/>
+              <p:nvPr/>
+            </p:nvSpPr>
+            <p:spPr>
+              <a:xfrm>
+                <a:off x="2498825" y="2677466"/>
+                <a:ext cx="427553" cy="369332"/>
+              </a:xfrm>
+              <a:prstGeom prst="rect">
+                <a:avLst/>
+              </a:prstGeom>
+              <a:noFill/>
+            </p:spPr>
+            <p:txBody>
+              <a:bodyPr wrap="none" rtlCol="0">
+                <a:spAutoFit/>
+              </a:bodyPr>
+              <a:lstStyle/>
+              <a:p>
+                <a:pPr/>
+                <a14:m>
+                  <m:oMathPara xmlns:m="http://schemas.openxmlformats.org/officeDocument/2006/math">
+                    <m:oMathParaPr>
+                      <m:jc m:val="centerGroup"/>
+                    </m:oMathParaPr>
+                    <m:oMath xmlns:m="http://schemas.openxmlformats.org/officeDocument/2006/math">
+                      <m:r>
+                        <a:rPr lang="en-US" b="0" i="1" smtClean="0">
+                          <a:latin typeface="Cambria Math" panose="02040503050406030204" pitchFamily="18" charset="0"/>
+                        </a:rPr>
+                        <m:t>𝑁</m:t>
+                      </m:r>
+                    </m:oMath>
+                  </m:oMathPara>
+                </a14:m>
+                <a:endParaRPr lang="en-US" dirty="0"/>
+              </a:p>
+            </p:txBody>
+          </p:sp>
+        </mc:Choice>
+        <mc:Fallback xmlns="">
+          <p:sp>
+            <p:nvSpPr>
+              <p:cNvPr id="7" name="TextBox 6">
+                <a:extLst>
+                  <a:ext uri="{FF2B5EF4-FFF2-40B4-BE49-F238E27FC236}">
+                    <a16:creationId xmlns:a16="http://schemas.microsoft.com/office/drawing/2014/main" id="{BFECD7D0-0856-974D-B2D4-22D0B75CE4BD}"/>
+                  </a:ext>
+                </a:extLst>
+              </p:cNvPr>
+              <p:cNvSpPr txBox="1">
+                <a:spLocks noRot="1" noChangeAspect="1" noMove="1" noResize="1" noEditPoints="1" noAdjustHandles="1" noChangeArrowheads="1" noChangeShapeType="1" noTextEdit="1"/>
+              </p:cNvSpPr>
+              <p:nvPr/>
+            </p:nvSpPr>
+            <p:spPr>
+              <a:xfrm>
+                <a:off x="2498825" y="2677466"/>
+                <a:ext cx="427553" cy="369332"/>
+              </a:xfrm>
+              <a:prstGeom prst="rect">
+                <a:avLst/>
+              </a:prstGeom>
+              <a:blipFill>
+                <a:blip r:embed="rId4"/>
+                <a:stretch>
+                  <a:fillRect/>
+                </a:stretch>
+              </a:blipFill>
+            </p:spPr>
+            <p:txBody>
+              <a:bodyPr/>
+              <a:lstStyle/>
+              <a:p>
+                <a:r>
+                  <a:rPr lang="en-US">
+                    <a:noFill/>
+                  </a:rPr>
+                  <a:t> </a:t>
+                </a:r>
+              </a:p>
+            </p:txBody>
+          </p:sp>
+        </mc:Fallback>
+      </mc:AlternateContent>
+      <mc:AlternateContent xmlns:mc="http://schemas.openxmlformats.org/markup-compatibility/2006" xmlns:a14="http://schemas.microsoft.com/office/drawing/2010/main">
+        <mc:Choice Requires="a14">
+          <p:sp>
+            <p:nvSpPr>
+              <p:cNvPr id="8" name="TextBox 7">
+                <a:extLst>
+                  <a:ext uri="{FF2B5EF4-FFF2-40B4-BE49-F238E27FC236}">
+                    <a16:creationId xmlns:a16="http://schemas.microsoft.com/office/drawing/2014/main" id="{492DF486-A027-B04F-BA3F-B809F86E3FD9}"/>
+                  </a:ext>
+                </a:extLst>
+              </p:cNvPr>
+              <p:cNvSpPr txBox="1"/>
+              <p:nvPr/>
+            </p:nvSpPr>
+            <p:spPr>
+              <a:xfrm>
+                <a:off x="4041439" y="4044828"/>
+                <a:ext cx="503663" cy="461665"/>
+              </a:xfrm>
+              <a:prstGeom prst="rect">
+                <a:avLst/>
+              </a:prstGeom>
+              <a:noFill/>
+            </p:spPr>
+            <p:txBody>
+              <a:bodyPr wrap="none" rtlCol="0">
+                <a:spAutoFit/>
+              </a:bodyPr>
+              <a:lstStyle/>
+              <a:p>
+                <a:pPr/>
+                <a14:m>
+                  <m:oMathPara xmlns:m="http://schemas.openxmlformats.org/officeDocument/2006/math">
+                    <m:oMathParaPr>
+                      <m:jc m:val="centerGroup"/>
+                    </m:oMathParaPr>
+                    <m:oMath xmlns:m="http://schemas.openxmlformats.org/officeDocument/2006/math">
+                      <m:r>
+                        <a:rPr lang="en-US" sz="2400" b="0" i="1" smtClean="0">
+                          <a:latin typeface="Cambria Math" panose="02040503050406030204" pitchFamily="18" charset="0"/>
+                          <a:ea typeface="Cambria Math" panose="02040503050406030204" pitchFamily="18" charset="0"/>
+                        </a:rPr>
+                        <m:t>≈</m:t>
+                      </m:r>
+                    </m:oMath>
+                  </m:oMathPara>
+                </a14:m>
+                <a:endParaRPr lang="en-US" sz="2400" dirty="0"/>
+              </a:p>
+            </p:txBody>
+          </p:sp>
+        </mc:Choice>
+        <mc:Fallback xmlns="">
+          <p:sp>
+            <p:nvSpPr>
+              <p:cNvPr id="8" name="TextBox 7">
+                <a:extLst>
+                  <a:ext uri="{FF2B5EF4-FFF2-40B4-BE49-F238E27FC236}">
+                    <a16:creationId xmlns:a16="http://schemas.microsoft.com/office/drawing/2014/main" id="{492DF486-A027-B04F-BA3F-B809F86E3FD9}"/>
+                  </a:ext>
+                </a:extLst>
+              </p:cNvPr>
+              <p:cNvSpPr txBox="1">
+                <a:spLocks noRot="1" noChangeAspect="1" noMove="1" noResize="1" noEditPoints="1" noAdjustHandles="1" noChangeArrowheads="1" noChangeShapeType="1" noTextEdit="1"/>
+              </p:cNvSpPr>
+              <p:nvPr/>
+            </p:nvSpPr>
+            <p:spPr>
+              <a:xfrm>
+                <a:off x="4041439" y="4044828"/>
+                <a:ext cx="503663" cy="461665"/>
+              </a:xfrm>
+              <a:prstGeom prst="rect">
+                <a:avLst/>
+              </a:prstGeom>
+              <a:blipFill>
+                <a:blip r:embed="rId5"/>
+                <a:stretch>
+                  <a:fillRect/>
+                </a:stretch>
+              </a:blipFill>
+            </p:spPr>
+            <p:txBody>
+              <a:bodyPr/>
+              <a:lstStyle/>
+              <a:p>
+                <a:r>
+                  <a:rPr lang="en-US">
+                    <a:noFill/>
+                  </a:rPr>
+                  <a:t> </a:t>
+                </a:r>
+              </a:p>
+            </p:txBody>
+          </p:sp>
+        </mc:Fallback>
+      </mc:AlternateContent>
+      <p:sp>
+        <p:nvSpPr>
+          <p:cNvPr id="9" name="Rectangle 8">
+            <a:extLst>
+              <a:ext uri="{FF2B5EF4-FFF2-40B4-BE49-F238E27FC236}">
+                <a16:creationId xmlns:a16="http://schemas.microsoft.com/office/drawing/2014/main" id="{164FB87A-55B2-ED41-BF5D-91481B5CC67C}"/>
+              </a:ext>
+            </a:extLst>
+          </p:cNvPr>
+          <p:cNvSpPr/>
+          <p:nvPr/>
+        </p:nvSpPr>
+        <p:spPr>
+          <a:xfrm>
+            <a:off x="5134785" y="3222716"/>
+            <a:ext cx="1073031" cy="2105891"/>
+          </a:xfrm>
+          <a:prstGeom prst="rect">
+            <a:avLst/>
+          </a:prstGeom>
+          <a:solidFill>
+            <a:srgbClr val="00B050"/>
+          </a:solidFill>
+        </p:spPr>
+        <p:style>
+          <a:lnRef idx="2">
+            <a:schemeClr val="accent1">
+              <a:shade val="50000"/>
+            </a:schemeClr>
+          </a:lnRef>
+          <a:fillRef idx="1">
+            <a:schemeClr val="accent1"/>
+          </a:fillRef>
+          <a:effectRef idx="0">
+            <a:schemeClr val="accent1"/>
+          </a:effectRef>
+          <a:fontRef idx="minor">
+            <a:schemeClr val="lt1"/>
+          </a:fontRef>
+        </p:style>
+        <p:txBody>
+          <a:bodyPr rtlCol="0" anchor="ctr"/>
+          <a:lstStyle/>
+          <a:p>
+            <a:pPr algn="ctr"/>
+            <a:r>
+              <a:rPr lang="ja-JP" altLang="en-US" sz="1400"/>
+              <a:t>ユーザ行列</a:t>
+            </a:r>
+            <a:endParaRPr lang="en-US" sz="1400" dirty="0"/>
+          </a:p>
+        </p:txBody>
+      </p:sp>
+      <p:sp>
+        <p:nvSpPr>
+          <p:cNvPr id="10" name="Rectangle 9">
+            <a:extLst>
+              <a:ext uri="{FF2B5EF4-FFF2-40B4-BE49-F238E27FC236}">
+                <a16:creationId xmlns:a16="http://schemas.microsoft.com/office/drawing/2014/main" id="{64187A64-9E10-DB4C-835B-44813848EC7D}"/>
+              </a:ext>
+            </a:extLst>
+          </p:cNvPr>
+          <p:cNvSpPr/>
+          <p:nvPr/>
+        </p:nvSpPr>
+        <p:spPr>
+          <a:xfrm>
+            <a:off x="7018958" y="3222715"/>
+            <a:ext cx="2382982" cy="983674"/>
+          </a:xfrm>
+          <a:prstGeom prst="rect">
+            <a:avLst/>
+          </a:prstGeom>
+          <a:solidFill>
+            <a:schemeClr val="accent4">
+              <a:lumMod val="60000"/>
+              <a:lumOff val="40000"/>
+            </a:schemeClr>
+          </a:solidFill>
+        </p:spPr>
+        <p:style>
+          <a:lnRef idx="2">
+            <a:schemeClr val="accent1">
+              <a:shade val="50000"/>
+            </a:schemeClr>
+          </a:lnRef>
+          <a:fillRef idx="1">
+            <a:schemeClr val="accent1"/>
+          </a:fillRef>
+          <a:effectRef idx="0">
+            <a:schemeClr val="accent1"/>
+          </a:effectRef>
+          <a:fontRef idx="minor">
+            <a:schemeClr val="lt1"/>
+          </a:fontRef>
+        </p:style>
+        <p:txBody>
+          <a:bodyPr rtlCol="0" anchor="ctr"/>
+          <a:lstStyle/>
+          <a:p>
+            <a:pPr algn="ctr"/>
+            <a:r>
+              <a:rPr lang="ja-JP" altLang="en-US" sz="1400"/>
+              <a:t>アイテム行列</a:t>
+            </a:r>
+            <a:endParaRPr lang="en-US" sz="1400" dirty="0"/>
+          </a:p>
+        </p:txBody>
+      </p:sp>
+      <p:sp>
+        <p:nvSpPr>
+          <p:cNvPr id="11" name="Left Brace 10">
+            <a:extLst>
+              <a:ext uri="{FF2B5EF4-FFF2-40B4-BE49-F238E27FC236}">
+                <a16:creationId xmlns:a16="http://schemas.microsoft.com/office/drawing/2014/main" id="{5B55B927-A466-7E43-8650-D605A33AFB66}"/>
+              </a:ext>
+            </a:extLst>
+          </p:cNvPr>
+          <p:cNvSpPr/>
+          <p:nvPr/>
+        </p:nvSpPr>
+        <p:spPr>
+          <a:xfrm>
+            <a:off x="1116484" y="3086841"/>
+            <a:ext cx="332793" cy="2352602"/>
+          </a:xfrm>
+          <a:prstGeom prst="leftBrace">
+            <a:avLst/>
+          </a:prstGeom>
+          <a:ln>
+            <a:solidFill>
+              <a:schemeClr val="accent4">
+                <a:lumMod val="60000"/>
+                <a:lumOff val="40000"/>
+              </a:schemeClr>
+            </a:solidFill>
+          </a:ln>
+        </p:spPr>
+        <p:style>
+          <a:lnRef idx="1">
+            <a:schemeClr val="accent1"/>
+          </a:lnRef>
+          <a:fillRef idx="0">
+            <a:schemeClr val="accent1"/>
+          </a:fillRef>
+          <a:effectRef idx="0">
+            <a:schemeClr val="accent1"/>
+          </a:effectRef>
+          <a:fontRef idx="minor">
+            <a:schemeClr val="tx1"/>
+          </a:fontRef>
+        </p:style>
+        <p:txBody>
+          <a:bodyPr rtlCol="0" anchor="ctr"/>
+          <a:lstStyle/>
+          <a:p>
+            <a:pPr algn="ctr"/>
+            <a:endParaRPr lang="en-US"/>
+          </a:p>
+        </p:txBody>
+      </p:sp>
+      <p:sp>
+        <p:nvSpPr>
+          <p:cNvPr id="12" name="Left Brace 11">
+            <a:extLst>
+              <a:ext uri="{FF2B5EF4-FFF2-40B4-BE49-F238E27FC236}">
+                <a16:creationId xmlns:a16="http://schemas.microsoft.com/office/drawing/2014/main" id="{2A7D9759-215A-D647-BE49-5A9CAC0CC552}"/>
+              </a:ext>
+            </a:extLst>
+          </p:cNvPr>
+          <p:cNvSpPr/>
+          <p:nvPr/>
+        </p:nvSpPr>
+        <p:spPr>
+          <a:xfrm rot="5400000">
+            <a:off x="2546206" y="1813425"/>
+            <a:ext cx="332793" cy="2657671"/>
+          </a:xfrm>
+          <a:prstGeom prst="leftBrace">
+            <a:avLst/>
+          </a:prstGeom>
+          <a:ln>
+            <a:solidFill>
+              <a:schemeClr val="accent4">
+                <a:lumMod val="60000"/>
+                <a:lumOff val="40000"/>
+              </a:schemeClr>
+            </a:solidFill>
+          </a:ln>
+        </p:spPr>
+        <p:style>
+          <a:lnRef idx="1">
+            <a:schemeClr val="accent1"/>
+          </a:lnRef>
+          <a:fillRef idx="0">
+            <a:schemeClr val="accent1"/>
+          </a:fillRef>
+          <a:effectRef idx="0">
+            <a:schemeClr val="accent1"/>
+          </a:effectRef>
+          <a:fontRef idx="minor">
+            <a:schemeClr val="tx1"/>
+          </a:fontRef>
+        </p:style>
+        <p:txBody>
+          <a:bodyPr rtlCol="0" anchor="ctr"/>
+          <a:lstStyle/>
+          <a:p>
+            <a:pPr algn="ctr"/>
+            <a:endParaRPr lang="en-US"/>
+          </a:p>
+        </p:txBody>
+      </p:sp>
+      <p:sp>
+        <p:nvSpPr>
+          <p:cNvPr id="13" name="Multiply 12">
+            <a:extLst>
+              <a:ext uri="{FF2B5EF4-FFF2-40B4-BE49-F238E27FC236}">
+                <a16:creationId xmlns:a16="http://schemas.microsoft.com/office/drawing/2014/main" id="{782E3FFD-AB8F-E44F-8CB0-1523BA4DE6A7}"/>
+              </a:ext>
+            </a:extLst>
+          </p:cNvPr>
+          <p:cNvSpPr/>
+          <p:nvPr/>
+        </p:nvSpPr>
+        <p:spPr>
+          <a:xfrm>
+            <a:off x="6381656" y="3495731"/>
+            <a:ext cx="463462" cy="437641"/>
+          </a:xfrm>
+          <a:prstGeom prst="mathMultiply">
+            <a:avLst/>
+          </a:prstGeom>
+          <a:solidFill>
+            <a:schemeClr val="bg1"/>
+          </a:solidFill>
+        </p:spPr>
+        <p:style>
+          <a:lnRef idx="2">
+            <a:schemeClr val="accent1">
+              <a:shade val="50000"/>
+            </a:schemeClr>
+          </a:lnRef>
+          <a:fillRef idx="1">
+            <a:schemeClr val="accent1"/>
+          </a:fillRef>
+          <a:effectRef idx="0">
+            <a:schemeClr val="accent1"/>
+          </a:effectRef>
+          <a:fontRef idx="minor">
+            <a:schemeClr val="lt1"/>
+          </a:fontRef>
+        </p:style>
+        <p:txBody>
+          <a:bodyPr rtlCol="0" anchor="ctr"/>
+          <a:lstStyle/>
+          <a:p>
+            <a:pPr algn="ctr"/>
+            <a:endParaRPr lang="en-US"/>
+          </a:p>
+        </p:txBody>
+      </p:sp>
+      <mc:AlternateContent xmlns:mc="http://schemas.openxmlformats.org/markup-compatibility/2006" xmlns:a14="http://schemas.microsoft.com/office/drawing/2010/main">
+        <mc:Choice Requires="a14">
+          <p:sp>
+            <p:nvSpPr>
+              <p:cNvPr id="15" name="TextBox 14">
+                <a:extLst>
+                  <a:ext uri="{FF2B5EF4-FFF2-40B4-BE49-F238E27FC236}">
+                    <a16:creationId xmlns:a16="http://schemas.microsoft.com/office/drawing/2014/main" id="{F8B60826-5330-7B44-8CC6-E99ED2E69893}"/>
+                  </a:ext>
+                </a:extLst>
+              </p:cNvPr>
+              <p:cNvSpPr txBox="1"/>
+              <p:nvPr/>
+            </p:nvSpPr>
+            <p:spPr>
+              <a:xfrm>
+                <a:off x="4506916" y="4061028"/>
+                <a:ext cx="456407" cy="369332"/>
+              </a:xfrm>
+              <a:prstGeom prst="rect">
+                <a:avLst/>
+              </a:prstGeom>
+              <a:noFill/>
+            </p:spPr>
+            <p:txBody>
+              <a:bodyPr wrap="none" rtlCol="0">
+                <a:spAutoFit/>
+              </a:bodyPr>
+              <a:lstStyle/>
+              <a:p>
+                <a:pPr/>
+                <a14:m>
+                  <m:oMathPara xmlns:m="http://schemas.openxmlformats.org/officeDocument/2006/math">
+                    <m:oMathParaPr>
+                      <m:jc m:val="centerGroup"/>
+                    </m:oMathParaPr>
+                    <m:oMath xmlns:m="http://schemas.openxmlformats.org/officeDocument/2006/math">
+                      <m:r>
+                        <a:rPr lang="en-US" b="0" i="1" smtClean="0">
+                          <a:latin typeface="Cambria Math" panose="02040503050406030204" pitchFamily="18" charset="0"/>
+                        </a:rPr>
+                        <m:t>𝑀</m:t>
+                      </m:r>
+                    </m:oMath>
+                  </m:oMathPara>
+                </a14:m>
+                <a:endParaRPr lang="en-US" dirty="0"/>
+              </a:p>
+            </p:txBody>
+          </p:sp>
+        </mc:Choice>
+        <mc:Fallback xmlns="">
+          <p:sp>
+            <p:nvSpPr>
+              <p:cNvPr id="15" name="TextBox 14">
+                <a:extLst>
+                  <a:ext uri="{FF2B5EF4-FFF2-40B4-BE49-F238E27FC236}">
+                    <a16:creationId xmlns:a16="http://schemas.microsoft.com/office/drawing/2014/main" id="{F8B60826-5330-7B44-8CC6-E99ED2E69893}"/>
+                  </a:ext>
+                </a:extLst>
+              </p:cNvPr>
+              <p:cNvSpPr txBox="1">
+                <a:spLocks noRot="1" noChangeAspect="1" noMove="1" noResize="1" noEditPoints="1" noAdjustHandles="1" noChangeArrowheads="1" noChangeShapeType="1" noTextEdit="1"/>
+              </p:cNvSpPr>
+              <p:nvPr/>
+            </p:nvSpPr>
+            <p:spPr>
+              <a:xfrm>
+                <a:off x="4506916" y="4061028"/>
+                <a:ext cx="456407" cy="369332"/>
+              </a:xfrm>
+              <a:prstGeom prst="rect">
+                <a:avLst/>
+              </a:prstGeom>
+              <a:blipFill>
+                <a:blip r:embed="rId6"/>
+                <a:stretch>
+                  <a:fillRect/>
+                </a:stretch>
+              </a:blipFill>
+            </p:spPr>
+            <p:txBody>
+              <a:bodyPr/>
+              <a:lstStyle/>
+              <a:p>
+                <a:r>
+                  <a:rPr lang="en-US">
+                    <a:noFill/>
+                  </a:rPr>
+                  <a:t> </a:t>
+                </a:r>
+              </a:p>
+            </p:txBody>
+          </p:sp>
+        </mc:Fallback>
+      </mc:AlternateContent>
+      <p:sp>
+        <p:nvSpPr>
+          <p:cNvPr id="16" name="Left Brace 15">
+            <a:extLst>
+              <a:ext uri="{FF2B5EF4-FFF2-40B4-BE49-F238E27FC236}">
+                <a16:creationId xmlns:a16="http://schemas.microsoft.com/office/drawing/2014/main" id="{035627A3-B878-B64C-B5E0-E7D49B79E893}"/>
+              </a:ext>
+            </a:extLst>
+          </p:cNvPr>
+          <p:cNvSpPr/>
+          <p:nvPr/>
+        </p:nvSpPr>
+        <p:spPr>
+          <a:xfrm>
+            <a:off x="4888026" y="3086841"/>
+            <a:ext cx="332793" cy="2352602"/>
+          </a:xfrm>
+          <a:prstGeom prst="leftBrace">
+            <a:avLst/>
+          </a:prstGeom>
+          <a:ln>
+            <a:solidFill>
+              <a:schemeClr val="accent4">
+                <a:lumMod val="60000"/>
+                <a:lumOff val="40000"/>
+              </a:schemeClr>
+            </a:solidFill>
+          </a:ln>
+        </p:spPr>
+        <p:style>
+          <a:lnRef idx="1">
+            <a:schemeClr val="accent1"/>
+          </a:lnRef>
+          <a:fillRef idx="0">
+            <a:schemeClr val="accent1"/>
+          </a:fillRef>
+          <a:effectRef idx="0">
+            <a:schemeClr val="accent1"/>
+          </a:effectRef>
+          <a:fontRef idx="minor">
+            <a:schemeClr val="tx1"/>
+          </a:fontRef>
+        </p:style>
+        <p:txBody>
+          <a:bodyPr rtlCol="0" anchor="ctr"/>
+          <a:lstStyle/>
+          <a:p>
+            <a:pPr algn="ctr"/>
+            <a:endParaRPr lang="en-US"/>
+          </a:p>
+        </p:txBody>
+      </p:sp>
+      <mc:AlternateContent xmlns:mc="http://schemas.openxmlformats.org/markup-compatibility/2006" xmlns:a14="http://schemas.microsoft.com/office/drawing/2010/main">
+        <mc:Choice Requires="a14">
+          <p:sp>
+            <p:nvSpPr>
+              <p:cNvPr id="17" name="TextBox 16">
+                <a:extLst>
+                  <a:ext uri="{FF2B5EF4-FFF2-40B4-BE49-F238E27FC236}">
+                    <a16:creationId xmlns:a16="http://schemas.microsoft.com/office/drawing/2014/main" id="{DAA4D4A9-A3BB-DC4D-A85B-76F819C80DCB}"/>
+                  </a:ext>
+                </a:extLst>
+              </p:cNvPr>
+              <p:cNvSpPr txBox="1"/>
+              <p:nvPr/>
+            </p:nvSpPr>
+            <p:spPr>
+              <a:xfrm>
+                <a:off x="8066971" y="2628421"/>
+                <a:ext cx="427553" cy="369332"/>
+              </a:xfrm>
+              <a:prstGeom prst="rect">
+                <a:avLst/>
+              </a:prstGeom>
+              <a:noFill/>
+            </p:spPr>
+            <p:txBody>
+              <a:bodyPr wrap="none" rtlCol="0">
+                <a:spAutoFit/>
+              </a:bodyPr>
+              <a:lstStyle/>
+              <a:p>
+                <a:pPr/>
+                <a14:m>
+                  <m:oMathPara xmlns:m="http://schemas.openxmlformats.org/officeDocument/2006/math">
+                    <m:oMathParaPr>
+                      <m:jc m:val="centerGroup"/>
+                    </m:oMathParaPr>
+                    <m:oMath xmlns:m="http://schemas.openxmlformats.org/officeDocument/2006/math">
+                      <m:r>
+                        <a:rPr lang="en-US" b="0" i="1" smtClean="0">
+                          <a:latin typeface="Cambria Math" panose="02040503050406030204" pitchFamily="18" charset="0"/>
+                        </a:rPr>
+                        <m:t>𝑁</m:t>
+                      </m:r>
+                    </m:oMath>
+                  </m:oMathPara>
+                </a14:m>
+                <a:endParaRPr lang="en-US" dirty="0"/>
+              </a:p>
+            </p:txBody>
+          </p:sp>
+        </mc:Choice>
+        <mc:Fallback xmlns="">
+          <p:sp>
+            <p:nvSpPr>
+              <p:cNvPr id="17" name="TextBox 16">
+                <a:extLst>
+                  <a:ext uri="{FF2B5EF4-FFF2-40B4-BE49-F238E27FC236}">
+                    <a16:creationId xmlns:a16="http://schemas.microsoft.com/office/drawing/2014/main" id="{DAA4D4A9-A3BB-DC4D-A85B-76F819C80DCB}"/>
+                  </a:ext>
+                </a:extLst>
+              </p:cNvPr>
+              <p:cNvSpPr txBox="1">
+                <a:spLocks noRot="1" noChangeAspect="1" noMove="1" noResize="1" noEditPoints="1" noAdjustHandles="1" noChangeArrowheads="1" noChangeShapeType="1" noTextEdit="1"/>
+              </p:cNvSpPr>
+              <p:nvPr/>
+            </p:nvSpPr>
+            <p:spPr>
+              <a:xfrm>
+                <a:off x="8066971" y="2628421"/>
+                <a:ext cx="427553" cy="369332"/>
+              </a:xfrm>
+              <a:prstGeom prst="rect">
+                <a:avLst/>
+              </a:prstGeom>
+              <a:blipFill>
+                <a:blip r:embed="rId7"/>
+                <a:stretch>
+                  <a:fillRect/>
+                </a:stretch>
+              </a:blipFill>
+            </p:spPr>
+            <p:txBody>
+              <a:bodyPr/>
+              <a:lstStyle/>
+              <a:p>
+                <a:r>
+                  <a:rPr lang="en-US">
+                    <a:noFill/>
+                  </a:rPr>
+                  <a:t> </a:t>
+                </a:r>
+              </a:p>
+            </p:txBody>
+          </p:sp>
+        </mc:Fallback>
+      </mc:AlternateContent>
+      <p:sp>
+        <p:nvSpPr>
+          <p:cNvPr id="18" name="Left Brace 17">
+            <a:extLst>
+              <a:ext uri="{FF2B5EF4-FFF2-40B4-BE49-F238E27FC236}">
+                <a16:creationId xmlns:a16="http://schemas.microsoft.com/office/drawing/2014/main" id="{B7ED97EC-A8BA-FE49-9039-F348D932A00A}"/>
+              </a:ext>
+            </a:extLst>
+          </p:cNvPr>
+          <p:cNvSpPr/>
+          <p:nvPr/>
+        </p:nvSpPr>
+        <p:spPr>
+          <a:xfrm rot="5400000">
+            <a:off x="8114352" y="1764380"/>
+            <a:ext cx="332793" cy="2657671"/>
+          </a:xfrm>
+          <a:prstGeom prst="leftBrace">
+            <a:avLst/>
+          </a:prstGeom>
+          <a:ln>
+            <a:solidFill>
+              <a:schemeClr val="accent4">
+                <a:lumMod val="60000"/>
+                <a:lumOff val="40000"/>
+              </a:schemeClr>
+            </a:solidFill>
+          </a:ln>
+        </p:spPr>
+        <p:style>
+          <a:lnRef idx="1">
+            <a:schemeClr val="accent1"/>
+          </a:lnRef>
+          <a:fillRef idx="0">
+            <a:schemeClr val="accent1"/>
+          </a:fillRef>
+          <a:effectRef idx="0">
+            <a:schemeClr val="accent1"/>
+          </a:effectRef>
+          <a:fontRef idx="minor">
+            <a:schemeClr val="tx1"/>
+          </a:fontRef>
+        </p:style>
+        <p:txBody>
+          <a:bodyPr rtlCol="0" anchor="ctr"/>
+          <a:lstStyle/>
+          <a:p>
+            <a:pPr algn="ctr"/>
+            <a:endParaRPr lang="en-US"/>
+          </a:p>
+        </p:txBody>
+      </p:sp>
+      <p:sp>
+        <p:nvSpPr>
+          <p:cNvPr id="19" name="Left Brace 18">
+            <a:extLst>
+              <a:ext uri="{FF2B5EF4-FFF2-40B4-BE49-F238E27FC236}">
+                <a16:creationId xmlns:a16="http://schemas.microsoft.com/office/drawing/2014/main" id="{14DE89A3-80F2-0C4D-BC8E-32FD6D70444E}"/>
+              </a:ext>
+            </a:extLst>
+          </p:cNvPr>
+          <p:cNvSpPr/>
+          <p:nvPr/>
+        </p:nvSpPr>
+        <p:spPr>
+          <a:xfrm rot="16200000">
+            <a:off x="5427831" y="4886781"/>
+            <a:ext cx="330992" cy="1366522"/>
+          </a:xfrm>
+          <a:prstGeom prst="leftBrace">
+            <a:avLst/>
+          </a:prstGeom>
+          <a:ln>
+            <a:solidFill>
+              <a:schemeClr val="accent4">
+                <a:lumMod val="60000"/>
+                <a:lumOff val="40000"/>
+              </a:schemeClr>
+            </a:solidFill>
+          </a:ln>
+        </p:spPr>
+        <p:style>
+          <a:lnRef idx="1">
+            <a:schemeClr val="accent1"/>
+          </a:lnRef>
+          <a:fillRef idx="0">
+            <a:schemeClr val="accent1"/>
+          </a:fillRef>
+          <a:effectRef idx="0">
+            <a:schemeClr val="accent1"/>
+          </a:effectRef>
+          <a:fontRef idx="minor">
+            <a:schemeClr val="tx1"/>
+          </a:fontRef>
+        </p:style>
+        <p:txBody>
+          <a:bodyPr rtlCol="0" anchor="ctr"/>
+          <a:lstStyle/>
+          <a:p>
+            <a:pPr algn="ctr"/>
+            <a:endParaRPr lang="en-US"/>
+          </a:p>
+        </p:txBody>
+      </p:sp>
+      <mc:AlternateContent xmlns:mc="http://schemas.openxmlformats.org/markup-compatibility/2006" xmlns:a14="http://schemas.microsoft.com/office/drawing/2010/main">
+        <mc:Choice Requires="a14">
+          <p:sp>
+            <p:nvSpPr>
+              <p:cNvPr id="20" name="Rectangle 19">
+                <a:extLst>
+                  <a:ext uri="{FF2B5EF4-FFF2-40B4-BE49-F238E27FC236}">
+                    <a16:creationId xmlns:a16="http://schemas.microsoft.com/office/drawing/2014/main" id="{57714002-BD98-F745-A2A1-50B504C4D948}"/>
+                  </a:ext>
+                </a:extLst>
+              </p:cNvPr>
+              <p:cNvSpPr/>
+              <p:nvPr/>
+            </p:nvSpPr>
+            <p:spPr>
+              <a:xfrm>
+                <a:off x="5365123" y="5712034"/>
+                <a:ext cx="422488" cy="369332"/>
+              </a:xfrm>
+              <a:prstGeom prst="rect">
+                <a:avLst/>
+              </a:prstGeom>
+            </p:spPr>
+            <p:txBody>
+              <a:bodyPr wrap="none">
+                <a:spAutoFit/>
+              </a:bodyPr>
+              <a:lstStyle/>
+              <a:p>
+                <a:pPr/>
+                <a14:m>
+                  <m:oMathPara xmlns:m="http://schemas.openxmlformats.org/officeDocument/2006/math">
+                    <m:oMathParaPr>
+                      <m:jc m:val="centerGroup"/>
+                    </m:oMathParaPr>
+                    <m:oMath xmlns:m="http://schemas.openxmlformats.org/officeDocument/2006/math">
+                      <m:r>
+                        <a:rPr lang="en-US" b="0" i="1" smtClean="0">
+                          <a:latin typeface="Cambria Math" panose="02040503050406030204" pitchFamily="18" charset="0"/>
+                        </a:rPr>
+                        <m:t>𝐾</m:t>
+                      </m:r>
+                    </m:oMath>
+                  </m:oMathPara>
+                </a14:m>
+                <a:endParaRPr lang="en-US" dirty="0"/>
+              </a:p>
+            </p:txBody>
+          </p:sp>
+        </mc:Choice>
+        <mc:Fallback xmlns="">
+          <p:sp>
+            <p:nvSpPr>
+              <p:cNvPr id="20" name="Rectangle 19">
+                <a:extLst>
+                  <a:ext uri="{FF2B5EF4-FFF2-40B4-BE49-F238E27FC236}">
+                    <a16:creationId xmlns:a16="http://schemas.microsoft.com/office/drawing/2014/main" id="{57714002-BD98-F745-A2A1-50B504C4D948}"/>
+                  </a:ext>
+                </a:extLst>
+              </p:cNvPr>
+              <p:cNvSpPr>
+                <a:spLocks noRot="1" noChangeAspect="1" noMove="1" noResize="1" noEditPoints="1" noAdjustHandles="1" noChangeArrowheads="1" noChangeShapeType="1" noTextEdit="1"/>
+              </p:cNvSpPr>
+              <p:nvPr/>
+            </p:nvSpPr>
+            <p:spPr>
+              <a:xfrm>
+                <a:off x="5365123" y="5712034"/>
+                <a:ext cx="422488" cy="369332"/>
+              </a:xfrm>
+              <a:prstGeom prst="rect">
+                <a:avLst/>
+              </a:prstGeom>
+              <a:blipFill>
+                <a:blip r:embed="rId8"/>
+                <a:stretch>
+                  <a:fillRect/>
+                </a:stretch>
+              </a:blipFill>
+            </p:spPr>
+            <p:txBody>
+              <a:bodyPr/>
+              <a:lstStyle/>
+              <a:p>
+                <a:r>
+                  <a:rPr lang="en-US">
+                    <a:noFill/>
+                  </a:rPr>
+                  <a:t> </a:t>
+                </a:r>
+              </a:p>
+            </p:txBody>
+          </p:sp>
+        </mc:Fallback>
+      </mc:AlternateContent>
+      <mc:AlternateContent xmlns:mc="http://schemas.openxmlformats.org/markup-compatibility/2006" xmlns:a14="http://schemas.microsoft.com/office/drawing/2010/main">
+        <mc:Choice Requires="a14">
+          <p:sp>
+            <p:nvSpPr>
+              <p:cNvPr id="21" name="Rectangle 20">
+                <a:extLst>
+                  <a:ext uri="{FF2B5EF4-FFF2-40B4-BE49-F238E27FC236}">
+                    <a16:creationId xmlns:a16="http://schemas.microsoft.com/office/drawing/2014/main" id="{E6590F30-4A36-874F-9687-DD7732A02080}"/>
+                  </a:ext>
+                </a:extLst>
+              </p:cNvPr>
+              <p:cNvSpPr/>
+              <p:nvPr/>
+            </p:nvSpPr>
+            <p:spPr>
+              <a:xfrm>
+                <a:off x="9646746" y="3553635"/>
+                <a:ext cx="422488" cy="369332"/>
+              </a:xfrm>
+              <a:prstGeom prst="rect">
+                <a:avLst/>
+              </a:prstGeom>
+            </p:spPr>
+            <p:txBody>
+              <a:bodyPr wrap="none">
+                <a:spAutoFit/>
+              </a:bodyPr>
+              <a:lstStyle/>
+              <a:p>
+                <a:pPr/>
+                <a14:m>
+                  <m:oMathPara xmlns:m="http://schemas.openxmlformats.org/officeDocument/2006/math">
+                    <m:oMathParaPr>
+                      <m:jc m:val="centerGroup"/>
+                    </m:oMathParaPr>
+                    <m:oMath xmlns:m="http://schemas.openxmlformats.org/officeDocument/2006/math">
+                      <m:r>
+                        <a:rPr lang="en-US" b="0" i="1" smtClean="0">
+                          <a:latin typeface="Cambria Math" panose="02040503050406030204" pitchFamily="18" charset="0"/>
+                        </a:rPr>
+                        <m:t>𝐾</m:t>
+                      </m:r>
+                    </m:oMath>
+                  </m:oMathPara>
+                </a14:m>
+                <a:endParaRPr lang="en-US" dirty="0"/>
+              </a:p>
+            </p:txBody>
+          </p:sp>
+        </mc:Choice>
+        <mc:Fallback xmlns="">
+          <p:sp>
+            <p:nvSpPr>
+              <p:cNvPr id="21" name="Rectangle 20">
+                <a:extLst>
+                  <a:ext uri="{FF2B5EF4-FFF2-40B4-BE49-F238E27FC236}">
+                    <a16:creationId xmlns:a16="http://schemas.microsoft.com/office/drawing/2014/main" id="{E6590F30-4A36-874F-9687-DD7732A02080}"/>
+                  </a:ext>
+                </a:extLst>
+              </p:cNvPr>
+              <p:cNvSpPr>
+                <a:spLocks noRot="1" noChangeAspect="1" noMove="1" noResize="1" noEditPoints="1" noAdjustHandles="1" noChangeArrowheads="1" noChangeShapeType="1" noTextEdit="1"/>
+              </p:cNvSpPr>
+              <p:nvPr/>
+            </p:nvSpPr>
+            <p:spPr>
+              <a:xfrm>
+                <a:off x="9646746" y="3553635"/>
+                <a:ext cx="422488" cy="369332"/>
+              </a:xfrm>
+              <a:prstGeom prst="rect">
+                <a:avLst/>
+              </a:prstGeom>
+              <a:blipFill>
+                <a:blip r:embed="rId9"/>
+                <a:stretch>
+                  <a:fillRect/>
+                </a:stretch>
+              </a:blipFill>
+            </p:spPr>
+            <p:txBody>
+              <a:bodyPr/>
+              <a:lstStyle/>
+              <a:p>
+                <a:r>
+                  <a:rPr lang="en-US">
+                    <a:noFill/>
+                  </a:rPr>
+                  <a:t> </a:t>
+                </a:r>
+              </a:p>
+            </p:txBody>
+          </p:sp>
+        </mc:Fallback>
+      </mc:AlternateContent>
+      <p:sp>
+        <p:nvSpPr>
+          <p:cNvPr id="22" name="Left Brace 21">
+            <a:extLst>
+              <a:ext uri="{FF2B5EF4-FFF2-40B4-BE49-F238E27FC236}">
+                <a16:creationId xmlns:a16="http://schemas.microsoft.com/office/drawing/2014/main" id="{1C04FBD5-E6EC-6547-90D5-C83BBE1DB358}"/>
+              </a:ext>
+            </a:extLst>
+          </p:cNvPr>
+          <p:cNvSpPr/>
+          <p:nvPr/>
+        </p:nvSpPr>
+        <p:spPr>
+          <a:xfrm rot="10800000">
+            <a:off x="9371938" y="3151202"/>
+            <a:ext cx="304691" cy="1174199"/>
+          </a:xfrm>
+          <a:prstGeom prst="leftBrace">
+            <a:avLst/>
+          </a:prstGeom>
+          <a:ln>
+            <a:solidFill>
+              <a:schemeClr val="accent4">
+                <a:lumMod val="60000"/>
+                <a:lumOff val="40000"/>
+              </a:schemeClr>
+            </a:solidFill>
+          </a:ln>
+        </p:spPr>
+        <p:style>
+          <a:lnRef idx="1">
+            <a:schemeClr val="accent1"/>
+          </a:lnRef>
+          <a:fillRef idx="0">
+            <a:schemeClr val="accent1"/>
+          </a:fillRef>
+          <a:effectRef idx="0">
+            <a:schemeClr val="accent1"/>
+          </a:effectRef>
+          <a:fontRef idx="minor">
+            <a:schemeClr val="tx1"/>
+          </a:fontRef>
+        </p:style>
+        <p:txBody>
+          <a:bodyPr rtlCol="0" anchor="ctr"/>
+          <a:lstStyle/>
+          <a:p>
+            <a:pPr algn="ctr"/>
+            <a:endParaRPr lang="en-US"/>
+          </a:p>
+        </p:txBody>
+      </p:sp>
+      <p:sp>
+        <p:nvSpPr>
+          <p:cNvPr id="23" name="Right Arrow 22">
+            <a:extLst>
+              <a:ext uri="{FF2B5EF4-FFF2-40B4-BE49-F238E27FC236}">
+                <a16:creationId xmlns:a16="http://schemas.microsoft.com/office/drawing/2014/main" id="{267BB160-950C-394C-9064-4D33E453F8D9}"/>
+              </a:ext>
+            </a:extLst>
+          </p:cNvPr>
+          <p:cNvSpPr/>
+          <p:nvPr/>
+        </p:nvSpPr>
+        <p:spPr>
+          <a:xfrm>
+            <a:off x="622214" y="6047166"/>
+            <a:ext cx="494270" cy="457200"/>
+          </a:xfrm>
+          <a:prstGeom prst="rightArrow">
+            <a:avLst/>
+          </a:prstGeom>
+          <a:solidFill>
+            <a:schemeClr val="accent4">
+              <a:lumMod val="60000"/>
+              <a:lumOff val="40000"/>
+            </a:schemeClr>
+          </a:solidFill>
+          <a:ln>
+            <a:solidFill>
+              <a:schemeClr val="accent4">
+                <a:lumMod val="60000"/>
+                <a:lumOff val="40000"/>
+              </a:schemeClr>
+            </a:solidFill>
+          </a:ln>
+        </p:spPr>
+        <p:style>
+          <a:lnRef idx="2">
+            <a:schemeClr val="accent1">
+              <a:shade val="50000"/>
+            </a:schemeClr>
+          </a:lnRef>
+          <a:fillRef idx="1">
+            <a:schemeClr val="accent1"/>
+          </a:fillRef>
+          <a:effectRef idx="0">
+            <a:schemeClr val="accent1"/>
+          </a:effectRef>
+          <a:fontRef idx="minor">
+            <a:schemeClr val="lt1"/>
+          </a:fontRef>
+        </p:style>
+        <p:txBody>
+          <a:bodyPr rtlCol="0" anchor="ctr"/>
+          <a:lstStyle/>
+          <a:p>
+            <a:pPr algn="ctr"/>
+            <a:endParaRPr lang="en-US" dirty="0">
+              <a:solidFill>
+                <a:schemeClr val="accent4">
+                  <a:lumMod val="75000"/>
+                </a:schemeClr>
+              </a:solidFill>
+            </a:endParaRPr>
+          </a:p>
+        </p:txBody>
+      </p:sp>
+      <p:sp>
+        <p:nvSpPr>
+          <p:cNvPr id="24" name="TextBox 23">
+            <a:extLst>
+              <a:ext uri="{FF2B5EF4-FFF2-40B4-BE49-F238E27FC236}">
+                <a16:creationId xmlns:a16="http://schemas.microsoft.com/office/drawing/2014/main" id="{F76B5B16-784B-FA41-9FDA-3B762908510F}"/>
+              </a:ext>
+            </a:extLst>
+          </p:cNvPr>
+          <p:cNvSpPr txBox="1"/>
+          <p:nvPr/>
+        </p:nvSpPr>
+        <p:spPr>
+          <a:xfrm>
+            <a:off x="1216469" y="6079522"/>
+            <a:ext cx="9163524" cy="646331"/>
+          </a:xfrm>
+          <a:prstGeom prst="rect">
+            <a:avLst/>
+          </a:prstGeom>
+          <a:noFill/>
+        </p:spPr>
+        <p:txBody>
+          <a:bodyPr wrap="square" rtlCol="0">
+            <a:spAutoFit/>
+          </a:bodyPr>
+          <a:lstStyle/>
+          <a:p>
+            <a:r>
+              <a:rPr lang="ja-JP" altLang="en-US"/>
+              <a:t>元の行列との差が最小になるようにユーザ行列とアイテム行列を学習させると，</a:t>
+            </a:r>
+            <a:endParaRPr lang="en-US" altLang="ja-JP" dirty="0"/>
+          </a:p>
+          <a:p>
+            <a:r>
+              <a:rPr lang="ja-JP" altLang="en-US"/>
+              <a:t>ユーザ行列とアイテム行列の積は元の行列で</a:t>
+            </a:r>
+            <a:r>
+              <a:rPr lang="en-US" altLang="ja-JP" dirty="0"/>
+              <a:t>0</a:t>
+            </a:r>
+            <a:r>
+              <a:rPr lang="ja-JP" altLang="en-US"/>
+              <a:t>だったところが補完されている形になる</a:t>
+            </a:r>
+            <a:endParaRPr lang="en-US" altLang="ja-JP" dirty="0"/>
+          </a:p>
+        </p:txBody>
+      </p:sp>
+    </p:spTree>
+    <p:extLst>
+      <p:ext uri="{BB962C8B-B14F-4D97-AF65-F5344CB8AC3E}">
+        <p14:creationId xmlns:p14="http://schemas.microsoft.com/office/powerpoint/2010/main" val="3865680508"/>
+      </p:ext>
+    </p:extLst>
+  </p:cSld>
+  <p:clrMapOvr>
+    <a:masterClrMapping/>
+  </p:clrMapOvr>
+</p:sld>
+</file>
+
+<file path=ppt/slides/slide9.xml><?xml version="1.0" encoding="utf-8"?>
+<p:sld xmlns:a="http://schemas.openxmlformats.org/drawingml/2006/main" xmlns:r="http://schemas.openxmlformats.org/officeDocument/2006/relationships" xmlns:p="http://schemas.openxmlformats.org/presentationml/2006/main">
+  <p:cSld>
+    <p:spTree>
+      <p:nvGrpSpPr>
+        <p:cNvPr id="1" name=""/>
+        <p:cNvGrpSpPr/>
+        <p:nvPr/>
+      </p:nvGrpSpPr>
+      <p:grpSpPr>
+        <a:xfrm>
+          <a:off x="0" y="0"/>
+          <a:ext cx="0" cy="0"/>
+          <a:chOff x="0" y="0"/>
+          <a:chExt cx="0" cy="0"/>
+        </a:xfrm>
+      </p:grpSpPr>
+      <p:sp>
+        <p:nvSpPr>
+          <p:cNvPr id="2" name="Title 1">
+            <a:extLst>
+              <a:ext uri="{FF2B5EF4-FFF2-40B4-BE49-F238E27FC236}">
+                <a16:creationId xmlns:a16="http://schemas.microsoft.com/office/drawing/2014/main" id="{D66D158D-863A-C44A-8431-5FF0B3F5D003}"/>
+              </a:ext>
+            </a:extLst>
+          </p:cNvPr>
+          <p:cNvSpPr>
+            <a:spLocks noGrp="1"/>
+          </p:cNvSpPr>
+          <p:nvPr>
+            <p:ph type="title"/>
+          </p:nvPr>
+        </p:nvSpPr>
+        <p:spPr/>
+        <p:txBody>
+          <a:bodyPr/>
+          <a:lstStyle/>
+          <a:p>
+            <a:r>
+              <a:rPr lang="ja-JP" altLang="en-US"/>
+              <a:t>推薦アルゴリズム</a:t>
+            </a:r>
+            <a:endParaRPr lang="en-US" dirty="0"/>
+          </a:p>
+        </p:txBody>
+      </p:sp>
+      <p:sp>
+        <p:nvSpPr>
+          <p:cNvPr id="3" name="Content Placeholder 2">
+            <a:extLst>
+              <a:ext uri="{FF2B5EF4-FFF2-40B4-BE49-F238E27FC236}">
+                <a16:creationId xmlns:a16="http://schemas.microsoft.com/office/drawing/2014/main" id="{30E7B293-F481-5C4F-9D99-C235B6764306}"/>
+              </a:ext>
+            </a:extLst>
+          </p:cNvPr>
+          <p:cNvSpPr>
+            <a:spLocks noGrp="1"/>
+          </p:cNvSpPr>
+          <p:nvPr>
+            <p:ph idx="1"/>
+          </p:nvPr>
+        </p:nvSpPr>
+        <p:spPr>
+          <a:xfrm>
+            <a:off x="680321" y="2336873"/>
+            <a:ext cx="9613861" cy="3599316"/>
+          </a:xfrm>
+        </p:spPr>
+        <p:txBody>
+          <a:bodyPr/>
+          <a:lstStyle/>
+          <a:p>
+            <a:r>
+              <a:rPr lang="en-US" dirty="0"/>
+              <a:t>Matrix Factorization</a:t>
+            </a:r>
+          </a:p>
+        </p:txBody>
+      </p:sp>
+      <p:sp>
+        <p:nvSpPr>
+          <p:cNvPr id="4" name="Slide Number Placeholder 3">
+            <a:extLst>
+              <a:ext uri="{FF2B5EF4-FFF2-40B4-BE49-F238E27FC236}">
+                <a16:creationId xmlns:a16="http://schemas.microsoft.com/office/drawing/2014/main" id="{1DCB1A9C-FB0F-274C-A11B-8B1B11D9C663}"/>
+              </a:ext>
+            </a:extLst>
+          </p:cNvPr>
+          <p:cNvSpPr>
+            <a:spLocks noGrp="1"/>
+          </p:cNvSpPr>
+          <p:nvPr>
+            <p:ph type="sldNum" sz="quarter" idx="12"/>
+          </p:nvPr>
+        </p:nvSpPr>
+        <p:spPr/>
+        <p:txBody>
+          <a:bodyPr/>
+          <a:lstStyle/>
+          <a:p>
+            <a:fld id="{BFE4183C-6F3A-9C43-8436-3416D3C0FE9F}" type="slidenum">
+              <a:rPr lang="en-US" smtClean="0"/>
+              <a:t>8</a:t>
+            </a:fld>
+            <a:endParaRPr lang="en-US" dirty="0"/>
+          </a:p>
+        </p:txBody>
+      </p:sp>
+      <mc:AlternateContent xmlns:mc="http://schemas.openxmlformats.org/markup-compatibility/2006" xmlns:a14="http://schemas.microsoft.com/office/drawing/2010/main">
+        <mc:Choice Requires="a14">
+          <p:sp>
+            <p:nvSpPr>
+              <p:cNvPr id="5" name="Rectangle 4">
+                <a:extLst>
+                  <a:ext uri="{FF2B5EF4-FFF2-40B4-BE49-F238E27FC236}">
+                    <a16:creationId xmlns:a16="http://schemas.microsoft.com/office/drawing/2014/main" id="{845F460B-8084-E042-A21E-857F00E27F23}"/>
+                  </a:ext>
+                </a:extLst>
+              </p:cNvPr>
+              <p:cNvSpPr/>
+              <p:nvPr/>
+            </p:nvSpPr>
+            <p:spPr>
+              <a:xfrm>
+                <a:off x="1449277" y="3222716"/>
+                <a:ext cx="2382982" cy="2105891"/>
+              </a:xfrm>
+              <a:prstGeom prst="rect">
+                <a:avLst/>
+              </a:prstGeom>
+            </p:spPr>
+            <p:style>
+              <a:lnRef idx="2">
+                <a:schemeClr val="accent1">
+                  <a:shade val="50000"/>
+                </a:schemeClr>
+              </a:lnRef>
+              <a:fillRef idx="1">
+                <a:schemeClr val="accent1"/>
+              </a:fillRef>
+              <a:effectRef idx="0">
+                <a:schemeClr val="accent1"/>
+              </a:effectRef>
+              <a:fontRef idx="minor">
+                <a:schemeClr val="lt1"/>
+              </a:fontRef>
+            </p:style>
+            <p:txBody>
+              <a:bodyPr rtlCol="0" anchor="ctr"/>
+              <a:lstStyle/>
+              <a:p>
+                <a:pPr algn="ctr"/>
+                <a:r>
+                  <a:rPr lang="ja-JP" altLang="en-US" sz="1400"/>
+                  <a:t>ユーザ数</a:t>
+                </a:r>
+                <a14:m>
+                  <m:oMath xmlns:m="http://schemas.openxmlformats.org/officeDocument/2006/math">
+                    <m:r>
+                      <a:rPr lang="en-US" sz="1400" b="0" i="1" smtClean="0">
+                        <a:latin typeface="Cambria Math" panose="02040503050406030204" pitchFamily="18" charset="0"/>
+                      </a:rPr>
+                      <m:t>𝑀</m:t>
+                    </m:r>
+                    <m:r>
+                      <a:rPr lang="en-US" sz="1400" b="0" i="1" smtClean="0">
+                        <a:latin typeface="Cambria Math" panose="02040503050406030204" pitchFamily="18" charset="0"/>
+                      </a:rPr>
+                      <m:t> </m:t>
+                    </m:r>
+                  </m:oMath>
+                </a14:m>
+                <a:r>
+                  <a:rPr lang="ja-JP" altLang="en-US" sz="1400"/>
+                  <a:t>，アイテム数</a:t>
+                </a:r>
+                <a14:m>
+                  <m:oMath xmlns:m="http://schemas.openxmlformats.org/officeDocument/2006/math">
+                    <m:r>
+                      <a:rPr lang="en-US" sz="1400" b="0" i="1" smtClean="0">
+                        <a:latin typeface="Cambria Math" panose="02040503050406030204" pitchFamily="18" charset="0"/>
+                      </a:rPr>
+                      <m:t>𝑁</m:t>
+                    </m:r>
+                  </m:oMath>
+                </a14:m>
+                <a:endParaRPr lang="en-US" sz="1400" dirty="0"/>
+              </a:p>
+              <a:p>
+                <a:pPr algn="ctr"/>
+                <a:r>
+                  <a:rPr lang="ja-JP" altLang="en-US" sz="1400"/>
+                  <a:t>の行列</a:t>
+                </a:r>
+                <a:endParaRPr lang="en-US" sz="1400" dirty="0"/>
+              </a:p>
+            </p:txBody>
+          </p:sp>
+        </mc:Choice>
+        <mc:Fallback xmlns="">
+          <p:sp>
+            <p:nvSpPr>
+              <p:cNvPr id="5" name="Rectangle 4">
+                <a:extLst>
+                  <a:ext uri="{FF2B5EF4-FFF2-40B4-BE49-F238E27FC236}">
+                    <a16:creationId xmlns:a16="http://schemas.microsoft.com/office/drawing/2014/main" id="{845F460B-8084-E042-A21E-857F00E27F23}"/>
+                  </a:ext>
+                </a:extLst>
+              </p:cNvPr>
+              <p:cNvSpPr>
+                <a:spLocks noRot="1" noChangeAspect="1" noMove="1" noResize="1" noEditPoints="1" noAdjustHandles="1" noChangeArrowheads="1" noChangeShapeType="1" noTextEdit="1"/>
+              </p:cNvSpPr>
+              <p:nvPr/>
+            </p:nvSpPr>
+            <p:spPr>
+              <a:xfrm>
+                <a:off x="1449277" y="3222716"/>
+                <a:ext cx="2382982" cy="2105891"/>
+              </a:xfrm>
+              <a:prstGeom prst="rect">
+                <a:avLst/>
+              </a:prstGeom>
+              <a:blipFill>
+                <a:blip r:embed="rId2"/>
+                <a:stretch>
+                  <a:fillRect/>
+                </a:stretch>
+              </a:blipFill>
+            </p:spPr>
+            <p:txBody>
+              <a:bodyPr/>
+              <a:lstStyle/>
+              <a:p>
+                <a:r>
+                  <a:rPr lang="en-US">
+                    <a:noFill/>
+                  </a:rPr>
+                  <a:t> </a:t>
+                </a:r>
+              </a:p>
+            </p:txBody>
+          </p:sp>
+        </mc:Fallback>
+      </mc:AlternateContent>
+      <mc:AlternateContent xmlns:mc="http://schemas.openxmlformats.org/markup-compatibility/2006" xmlns:a14="http://schemas.microsoft.com/office/drawing/2010/main">
+        <mc:Choice Requires="a14">
+          <p:sp>
+            <p:nvSpPr>
+              <p:cNvPr id="6" name="TextBox 5">
+                <a:extLst>
+                  <a:ext uri="{FF2B5EF4-FFF2-40B4-BE49-F238E27FC236}">
+                    <a16:creationId xmlns:a16="http://schemas.microsoft.com/office/drawing/2014/main" id="{542B958C-E4B4-3E49-A6C7-A991A236C961}"/>
+                  </a:ext>
+                </a:extLst>
+              </p:cNvPr>
+              <p:cNvSpPr txBox="1"/>
+              <p:nvPr/>
+            </p:nvSpPr>
+            <p:spPr>
+              <a:xfrm>
+                <a:off x="760062" y="4090994"/>
+                <a:ext cx="456407" cy="369332"/>
+              </a:xfrm>
+              <a:prstGeom prst="rect">
+                <a:avLst/>
+              </a:prstGeom>
+              <a:noFill/>
+            </p:spPr>
+            <p:txBody>
+              <a:bodyPr wrap="none" rtlCol="0">
+                <a:spAutoFit/>
+              </a:bodyPr>
+              <a:lstStyle/>
+              <a:p>
+                <a:pPr/>
+                <a14:m>
+                  <m:oMathPara xmlns:m="http://schemas.openxmlformats.org/officeDocument/2006/math">
+                    <m:oMathParaPr>
+                      <m:jc m:val="centerGroup"/>
+                    </m:oMathParaPr>
+                    <m:oMath xmlns:m="http://schemas.openxmlformats.org/officeDocument/2006/math">
+                      <m:r>
+                        <a:rPr lang="en-US" b="0" i="1" smtClean="0">
+                          <a:latin typeface="Cambria Math" panose="02040503050406030204" pitchFamily="18" charset="0"/>
+                        </a:rPr>
+                        <m:t>𝑀</m:t>
+                      </m:r>
+                    </m:oMath>
+                  </m:oMathPara>
+                </a14:m>
+                <a:endParaRPr lang="en-US" dirty="0"/>
+              </a:p>
+            </p:txBody>
+          </p:sp>
+        </mc:Choice>
+        <mc:Fallback xmlns="">
+          <p:sp>
+            <p:nvSpPr>
+              <p:cNvPr id="6" name="TextBox 5">
+                <a:extLst>
+                  <a:ext uri="{FF2B5EF4-FFF2-40B4-BE49-F238E27FC236}">
+                    <a16:creationId xmlns:a16="http://schemas.microsoft.com/office/drawing/2014/main" id="{542B958C-E4B4-3E49-A6C7-A991A236C961}"/>
+                  </a:ext>
+                </a:extLst>
+              </p:cNvPr>
+              <p:cNvSpPr txBox="1">
+                <a:spLocks noRot="1" noChangeAspect="1" noMove="1" noResize="1" noEditPoints="1" noAdjustHandles="1" noChangeArrowheads="1" noChangeShapeType="1" noTextEdit="1"/>
+              </p:cNvSpPr>
+              <p:nvPr/>
+            </p:nvSpPr>
+            <p:spPr>
+              <a:xfrm>
+                <a:off x="760062" y="4090994"/>
+                <a:ext cx="456407" cy="369332"/>
+              </a:xfrm>
+              <a:prstGeom prst="rect">
+                <a:avLst/>
+              </a:prstGeom>
+              <a:blipFill>
+                <a:blip r:embed="rId3"/>
+                <a:stretch>
+                  <a:fillRect/>
+                </a:stretch>
+              </a:blipFill>
+            </p:spPr>
+            <p:txBody>
+              <a:bodyPr/>
+              <a:lstStyle/>
+              <a:p>
+                <a:r>
+                  <a:rPr lang="en-US">
+                    <a:noFill/>
+                  </a:rPr>
+                  <a:t> </a:t>
+                </a:r>
+              </a:p>
+            </p:txBody>
+          </p:sp>
+        </mc:Fallback>
+      </mc:AlternateContent>
+      <mc:AlternateContent xmlns:mc="http://schemas.openxmlformats.org/markup-compatibility/2006" xmlns:a14="http://schemas.microsoft.com/office/drawing/2010/main">
+        <mc:Choice Requires="a14">
+          <p:sp>
+            <p:nvSpPr>
+              <p:cNvPr id="7" name="TextBox 6">
+                <a:extLst>
+                  <a:ext uri="{FF2B5EF4-FFF2-40B4-BE49-F238E27FC236}">
+                    <a16:creationId xmlns:a16="http://schemas.microsoft.com/office/drawing/2014/main" id="{BFECD7D0-0856-974D-B2D4-22D0B75CE4BD}"/>
+                  </a:ext>
+                </a:extLst>
+              </p:cNvPr>
+              <p:cNvSpPr txBox="1"/>
+              <p:nvPr/>
+            </p:nvSpPr>
+            <p:spPr>
+              <a:xfrm>
+                <a:off x="2498825" y="2677466"/>
+                <a:ext cx="427553" cy="369332"/>
+              </a:xfrm>
+              <a:prstGeom prst="rect">
+                <a:avLst/>
+              </a:prstGeom>
+              <a:noFill/>
+            </p:spPr>
+            <p:txBody>
+              <a:bodyPr wrap="none" rtlCol="0">
+                <a:spAutoFit/>
+              </a:bodyPr>
+              <a:lstStyle/>
+              <a:p>
+                <a:pPr/>
+                <a14:m>
+                  <m:oMathPara xmlns:m="http://schemas.openxmlformats.org/officeDocument/2006/math">
+                    <m:oMathParaPr>
+                      <m:jc m:val="centerGroup"/>
+                    </m:oMathParaPr>
+                    <m:oMath xmlns:m="http://schemas.openxmlformats.org/officeDocument/2006/math">
+                      <m:r>
+                        <a:rPr lang="en-US" b="0" i="1" smtClean="0">
+                          <a:latin typeface="Cambria Math" panose="02040503050406030204" pitchFamily="18" charset="0"/>
+                        </a:rPr>
+                        <m:t>𝑁</m:t>
+                      </m:r>
+                    </m:oMath>
+                  </m:oMathPara>
+                </a14:m>
+                <a:endParaRPr lang="en-US" dirty="0"/>
+              </a:p>
+            </p:txBody>
+          </p:sp>
+        </mc:Choice>
+        <mc:Fallback xmlns="">
+          <p:sp>
+            <p:nvSpPr>
+              <p:cNvPr id="7" name="TextBox 6">
+                <a:extLst>
+                  <a:ext uri="{FF2B5EF4-FFF2-40B4-BE49-F238E27FC236}">
+                    <a16:creationId xmlns:a16="http://schemas.microsoft.com/office/drawing/2014/main" id="{BFECD7D0-0856-974D-B2D4-22D0B75CE4BD}"/>
+                  </a:ext>
+                </a:extLst>
+              </p:cNvPr>
+              <p:cNvSpPr txBox="1">
+                <a:spLocks noRot="1" noChangeAspect="1" noMove="1" noResize="1" noEditPoints="1" noAdjustHandles="1" noChangeArrowheads="1" noChangeShapeType="1" noTextEdit="1"/>
+              </p:cNvSpPr>
+              <p:nvPr/>
+            </p:nvSpPr>
+            <p:spPr>
+              <a:xfrm>
+                <a:off x="2498825" y="2677466"/>
+                <a:ext cx="427553" cy="369332"/>
+              </a:xfrm>
+              <a:prstGeom prst="rect">
+                <a:avLst/>
+              </a:prstGeom>
+              <a:blipFill>
+                <a:blip r:embed="rId4"/>
+                <a:stretch>
+                  <a:fillRect/>
+                </a:stretch>
+              </a:blipFill>
+            </p:spPr>
+            <p:txBody>
+              <a:bodyPr/>
+              <a:lstStyle/>
+              <a:p>
+                <a:r>
+                  <a:rPr lang="en-US">
+                    <a:noFill/>
+                  </a:rPr>
+                  <a:t> </a:t>
+                </a:r>
+              </a:p>
+            </p:txBody>
+          </p:sp>
+        </mc:Fallback>
+      </mc:AlternateContent>
+      <mc:AlternateContent xmlns:mc="http://schemas.openxmlformats.org/markup-compatibility/2006" xmlns:a14="http://schemas.microsoft.com/office/drawing/2010/main">
+        <mc:Choice Requires="a14">
+          <p:sp>
+            <p:nvSpPr>
+              <p:cNvPr id="8" name="TextBox 7">
+                <a:extLst>
+                  <a:ext uri="{FF2B5EF4-FFF2-40B4-BE49-F238E27FC236}">
+                    <a16:creationId xmlns:a16="http://schemas.microsoft.com/office/drawing/2014/main" id="{492DF486-A027-B04F-BA3F-B809F86E3FD9}"/>
+                  </a:ext>
+                </a:extLst>
+              </p:cNvPr>
+              <p:cNvSpPr txBox="1"/>
+              <p:nvPr/>
+            </p:nvSpPr>
+            <p:spPr>
+              <a:xfrm>
+                <a:off x="4041439" y="4044828"/>
+                <a:ext cx="503663" cy="461665"/>
+              </a:xfrm>
+              <a:prstGeom prst="rect">
+                <a:avLst/>
+              </a:prstGeom>
+              <a:noFill/>
+            </p:spPr>
+            <p:txBody>
+              <a:bodyPr wrap="none" rtlCol="0">
+                <a:spAutoFit/>
+              </a:bodyPr>
+              <a:lstStyle/>
+              <a:p>
+                <a:pPr/>
+                <a14:m>
+                  <m:oMathPara xmlns:m="http://schemas.openxmlformats.org/officeDocument/2006/math">
+                    <m:oMathParaPr>
+                      <m:jc m:val="centerGroup"/>
+                    </m:oMathParaPr>
+                    <m:oMath xmlns:m="http://schemas.openxmlformats.org/officeDocument/2006/math">
+                      <m:r>
+                        <a:rPr lang="en-US" sz="2400" b="0" i="1" smtClean="0">
+                          <a:latin typeface="Cambria Math" panose="02040503050406030204" pitchFamily="18" charset="0"/>
+                          <a:ea typeface="Cambria Math" panose="02040503050406030204" pitchFamily="18" charset="0"/>
+                        </a:rPr>
+                        <m:t>≈</m:t>
+                      </m:r>
+                    </m:oMath>
+                  </m:oMathPara>
+                </a14:m>
+                <a:endParaRPr lang="en-US" sz="2400" dirty="0"/>
+              </a:p>
+            </p:txBody>
+          </p:sp>
+        </mc:Choice>
+        <mc:Fallback xmlns="">
+          <p:sp>
+            <p:nvSpPr>
+              <p:cNvPr id="8" name="TextBox 7">
+                <a:extLst>
+                  <a:ext uri="{FF2B5EF4-FFF2-40B4-BE49-F238E27FC236}">
+                    <a16:creationId xmlns:a16="http://schemas.microsoft.com/office/drawing/2014/main" id="{492DF486-A027-B04F-BA3F-B809F86E3FD9}"/>
+                  </a:ext>
+                </a:extLst>
+              </p:cNvPr>
+              <p:cNvSpPr txBox="1">
+                <a:spLocks noRot="1" noChangeAspect="1" noMove="1" noResize="1" noEditPoints="1" noAdjustHandles="1" noChangeArrowheads="1" noChangeShapeType="1" noTextEdit="1"/>
+              </p:cNvSpPr>
+              <p:nvPr/>
+            </p:nvSpPr>
+            <p:spPr>
+              <a:xfrm>
+                <a:off x="4041439" y="4044828"/>
+                <a:ext cx="503663" cy="461665"/>
+              </a:xfrm>
+              <a:prstGeom prst="rect">
+                <a:avLst/>
+              </a:prstGeom>
+              <a:blipFill>
+                <a:blip r:embed="rId5"/>
+                <a:stretch>
+                  <a:fillRect/>
+                </a:stretch>
+              </a:blipFill>
+            </p:spPr>
+            <p:txBody>
+              <a:bodyPr/>
+              <a:lstStyle/>
+              <a:p>
+                <a:r>
+                  <a:rPr lang="en-US">
+                    <a:noFill/>
+                  </a:rPr>
+                  <a:t> </a:t>
+                </a:r>
+              </a:p>
+            </p:txBody>
+          </p:sp>
+        </mc:Fallback>
+      </mc:AlternateContent>
+      <p:sp>
+        <p:nvSpPr>
+          <p:cNvPr id="9" name="Rectangle 8">
+            <a:extLst>
+              <a:ext uri="{FF2B5EF4-FFF2-40B4-BE49-F238E27FC236}">
+                <a16:creationId xmlns:a16="http://schemas.microsoft.com/office/drawing/2014/main" id="{164FB87A-55B2-ED41-BF5D-91481B5CC67C}"/>
+              </a:ext>
+            </a:extLst>
+          </p:cNvPr>
+          <p:cNvSpPr/>
+          <p:nvPr/>
+        </p:nvSpPr>
+        <p:spPr>
+          <a:xfrm>
+            <a:off x="5134785" y="3222716"/>
+            <a:ext cx="1073031" cy="2105891"/>
+          </a:xfrm>
+          <a:prstGeom prst="rect">
+            <a:avLst/>
+          </a:prstGeom>
+          <a:solidFill>
+            <a:srgbClr val="00B050"/>
+          </a:solidFill>
+        </p:spPr>
+        <p:style>
+          <a:lnRef idx="2">
+            <a:schemeClr val="accent1">
+              <a:shade val="50000"/>
+            </a:schemeClr>
+          </a:lnRef>
+          <a:fillRef idx="1">
+            <a:schemeClr val="accent1"/>
+          </a:fillRef>
+          <a:effectRef idx="0">
+            <a:schemeClr val="accent1"/>
+          </a:effectRef>
+          <a:fontRef idx="minor">
+            <a:schemeClr val="lt1"/>
+          </a:fontRef>
+        </p:style>
+        <p:txBody>
+          <a:bodyPr rtlCol="0" anchor="ctr"/>
+          <a:lstStyle/>
+          <a:p>
+            <a:pPr algn="ctr"/>
+            <a:r>
+              <a:rPr lang="ja-JP" altLang="en-US" sz="1400"/>
+              <a:t>ユーザ行列</a:t>
+            </a:r>
+            <a:endParaRPr lang="en-US" sz="1400" dirty="0"/>
+          </a:p>
+        </p:txBody>
+      </p:sp>
+      <p:sp>
+        <p:nvSpPr>
+          <p:cNvPr id="10" name="Rectangle 9">
+            <a:extLst>
+              <a:ext uri="{FF2B5EF4-FFF2-40B4-BE49-F238E27FC236}">
+                <a16:creationId xmlns:a16="http://schemas.microsoft.com/office/drawing/2014/main" id="{64187A64-9E10-DB4C-835B-44813848EC7D}"/>
+              </a:ext>
+            </a:extLst>
+          </p:cNvPr>
+          <p:cNvSpPr/>
+          <p:nvPr/>
+        </p:nvSpPr>
+        <p:spPr>
+          <a:xfrm>
+            <a:off x="7018958" y="3222715"/>
+            <a:ext cx="2382982" cy="983674"/>
+          </a:xfrm>
+          <a:prstGeom prst="rect">
+            <a:avLst/>
+          </a:prstGeom>
+          <a:solidFill>
+            <a:schemeClr val="accent4">
+              <a:lumMod val="60000"/>
+              <a:lumOff val="40000"/>
+            </a:schemeClr>
+          </a:solidFill>
+        </p:spPr>
+        <p:style>
+          <a:lnRef idx="2">
+            <a:schemeClr val="accent1">
+              <a:shade val="50000"/>
+            </a:schemeClr>
+          </a:lnRef>
+          <a:fillRef idx="1">
+            <a:schemeClr val="accent1"/>
+          </a:fillRef>
+          <a:effectRef idx="0">
+            <a:schemeClr val="accent1"/>
+          </a:effectRef>
+          <a:fontRef idx="minor">
+            <a:schemeClr val="lt1"/>
+          </a:fontRef>
+        </p:style>
+        <p:txBody>
+          <a:bodyPr rtlCol="0" anchor="ctr"/>
+          <a:lstStyle/>
+          <a:p>
+            <a:pPr algn="ctr"/>
+            <a:r>
+              <a:rPr lang="ja-JP" altLang="en-US" sz="1400"/>
+              <a:t>アイテム行列</a:t>
+            </a:r>
+            <a:endParaRPr lang="en-US" sz="1400" dirty="0"/>
+          </a:p>
+        </p:txBody>
+      </p:sp>
+      <p:sp>
+        <p:nvSpPr>
+          <p:cNvPr id="11" name="Left Brace 10">
+            <a:extLst>
+              <a:ext uri="{FF2B5EF4-FFF2-40B4-BE49-F238E27FC236}">
+                <a16:creationId xmlns:a16="http://schemas.microsoft.com/office/drawing/2014/main" id="{5B55B927-A466-7E43-8650-D605A33AFB66}"/>
+              </a:ext>
+            </a:extLst>
+          </p:cNvPr>
+          <p:cNvSpPr/>
+          <p:nvPr/>
+        </p:nvSpPr>
+        <p:spPr>
+          <a:xfrm>
+            <a:off x="1116484" y="3086841"/>
+            <a:ext cx="332793" cy="2352602"/>
+          </a:xfrm>
+          <a:prstGeom prst="leftBrace">
+            <a:avLst/>
+          </a:prstGeom>
+          <a:ln>
+            <a:solidFill>
+              <a:schemeClr val="accent4">
+                <a:lumMod val="60000"/>
+                <a:lumOff val="40000"/>
+              </a:schemeClr>
+            </a:solidFill>
+          </a:ln>
+        </p:spPr>
+        <p:style>
+          <a:lnRef idx="1">
+            <a:schemeClr val="accent1"/>
+          </a:lnRef>
+          <a:fillRef idx="0">
+            <a:schemeClr val="accent1"/>
+          </a:fillRef>
+          <a:effectRef idx="0">
+            <a:schemeClr val="accent1"/>
+          </a:effectRef>
+          <a:fontRef idx="minor">
+            <a:schemeClr val="tx1"/>
+          </a:fontRef>
+        </p:style>
+        <p:txBody>
+          <a:bodyPr rtlCol="0" anchor="ctr"/>
+          <a:lstStyle/>
+          <a:p>
+            <a:pPr algn="ctr"/>
+            <a:endParaRPr lang="en-US"/>
+          </a:p>
+        </p:txBody>
+      </p:sp>
+      <p:sp>
+        <p:nvSpPr>
+          <p:cNvPr id="12" name="Left Brace 11">
+            <a:extLst>
+              <a:ext uri="{FF2B5EF4-FFF2-40B4-BE49-F238E27FC236}">
+                <a16:creationId xmlns:a16="http://schemas.microsoft.com/office/drawing/2014/main" id="{2A7D9759-215A-D647-BE49-5A9CAC0CC552}"/>
+              </a:ext>
+            </a:extLst>
+          </p:cNvPr>
+          <p:cNvSpPr/>
+          <p:nvPr/>
+        </p:nvSpPr>
+        <p:spPr>
+          <a:xfrm rot="5400000">
+            <a:off x="2546206" y="1813425"/>
+            <a:ext cx="332793" cy="2657671"/>
+          </a:xfrm>
+          <a:prstGeom prst="leftBrace">
+            <a:avLst/>
+          </a:prstGeom>
+          <a:ln>
+            <a:solidFill>
+              <a:schemeClr val="accent4">
+                <a:lumMod val="60000"/>
+                <a:lumOff val="40000"/>
+              </a:schemeClr>
+            </a:solidFill>
+          </a:ln>
+        </p:spPr>
+        <p:style>
+          <a:lnRef idx="1">
+            <a:schemeClr val="accent1"/>
+          </a:lnRef>
+          <a:fillRef idx="0">
+            <a:schemeClr val="accent1"/>
+          </a:fillRef>
+          <a:effectRef idx="0">
+            <a:schemeClr val="accent1"/>
+          </a:effectRef>
+          <a:fontRef idx="minor">
+            <a:schemeClr val="tx1"/>
+          </a:fontRef>
+        </p:style>
+        <p:txBody>
+          <a:bodyPr rtlCol="0" anchor="ctr"/>
+          <a:lstStyle/>
+          <a:p>
+            <a:pPr algn="ctr"/>
+            <a:endParaRPr lang="en-US"/>
+          </a:p>
+        </p:txBody>
+      </p:sp>
+      <p:sp>
+        <p:nvSpPr>
+          <p:cNvPr id="13" name="Multiply 12">
+            <a:extLst>
+              <a:ext uri="{FF2B5EF4-FFF2-40B4-BE49-F238E27FC236}">
+                <a16:creationId xmlns:a16="http://schemas.microsoft.com/office/drawing/2014/main" id="{782E3FFD-AB8F-E44F-8CB0-1523BA4DE6A7}"/>
+              </a:ext>
+            </a:extLst>
+          </p:cNvPr>
+          <p:cNvSpPr/>
+          <p:nvPr/>
+        </p:nvSpPr>
+        <p:spPr>
+          <a:xfrm>
+            <a:off x="6381656" y="3495731"/>
+            <a:ext cx="463462" cy="437641"/>
+          </a:xfrm>
+          <a:prstGeom prst="mathMultiply">
+            <a:avLst/>
+          </a:prstGeom>
+          <a:solidFill>
+            <a:schemeClr val="bg1"/>
+          </a:solidFill>
+        </p:spPr>
+        <p:style>
+          <a:lnRef idx="2">
+            <a:schemeClr val="accent1">
+              <a:shade val="50000"/>
+            </a:schemeClr>
+          </a:lnRef>
+          <a:fillRef idx="1">
+            <a:schemeClr val="accent1"/>
+          </a:fillRef>
+          <a:effectRef idx="0">
+            <a:schemeClr val="accent1"/>
+          </a:effectRef>
+          <a:fontRef idx="minor">
+            <a:schemeClr val="lt1"/>
+          </a:fontRef>
+        </p:style>
+        <p:txBody>
+          <a:bodyPr rtlCol="0" anchor="ctr"/>
+          <a:lstStyle/>
+          <a:p>
+            <a:pPr algn="ctr"/>
+            <a:endParaRPr lang="en-US"/>
+          </a:p>
+        </p:txBody>
+      </p:sp>
+      <mc:AlternateContent xmlns:mc="http://schemas.openxmlformats.org/markup-compatibility/2006" xmlns:a14="http://schemas.microsoft.com/office/drawing/2010/main">
+        <mc:Choice Requires="a14">
+          <p:sp>
+            <p:nvSpPr>
+              <p:cNvPr id="15" name="TextBox 14">
+                <a:extLst>
+                  <a:ext uri="{FF2B5EF4-FFF2-40B4-BE49-F238E27FC236}">
+                    <a16:creationId xmlns:a16="http://schemas.microsoft.com/office/drawing/2014/main" id="{F8B60826-5330-7B44-8CC6-E99ED2E69893}"/>
+                  </a:ext>
+                </a:extLst>
+              </p:cNvPr>
+              <p:cNvSpPr txBox="1"/>
+              <p:nvPr/>
+            </p:nvSpPr>
+            <p:spPr>
+              <a:xfrm>
+                <a:off x="4506916" y="4061028"/>
+                <a:ext cx="456407" cy="369332"/>
+              </a:xfrm>
+              <a:prstGeom prst="rect">
+                <a:avLst/>
+              </a:prstGeom>
+              <a:noFill/>
+            </p:spPr>
+            <p:txBody>
+              <a:bodyPr wrap="none" rtlCol="0">
+                <a:spAutoFit/>
+              </a:bodyPr>
+              <a:lstStyle/>
+              <a:p>
+                <a:pPr/>
+                <a14:m>
+                  <m:oMathPara xmlns:m="http://schemas.openxmlformats.org/officeDocument/2006/math">
+                    <m:oMathParaPr>
+                      <m:jc m:val="centerGroup"/>
+                    </m:oMathParaPr>
+                    <m:oMath xmlns:m="http://schemas.openxmlformats.org/officeDocument/2006/math">
+                      <m:r>
+                        <a:rPr lang="en-US" b="0" i="1" smtClean="0">
+                          <a:latin typeface="Cambria Math" panose="02040503050406030204" pitchFamily="18" charset="0"/>
+                        </a:rPr>
+                        <m:t>𝑀</m:t>
+                      </m:r>
+                    </m:oMath>
+                  </m:oMathPara>
+                </a14:m>
+                <a:endParaRPr lang="en-US" dirty="0"/>
+              </a:p>
+            </p:txBody>
+          </p:sp>
+        </mc:Choice>
+        <mc:Fallback xmlns="">
+          <p:sp>
+            <p:nvSpPr>
+              <p:cNvPr id="15" name="TextBox 14">
+                <a:extLst>
+                  <a:ext uri="{FF2B5EF4-FFF2-40B4-BE49-F238E27FC236}">
+                    <a16:creationId xmlns:a16="http://schemas.microsoft.com/office/drawing/2014/main" id="{F8B60826-5330-7B44-8CC6-E99ED2E69893}"/>
+                  </a:ext>
+                </a:extLst>
+              </p:cNvPr>
+              <p:cNvSpPr txBox="1">
+                <a:spLocks noRot="1" noChangeAspect="1" noMove="1" noResize="1" noEditPoints="1" noAdjustHandles="1" noChangeArrowheads="1" noChangeShapeType="1" noTextEdit="1"/>
+              </p:cNvSpPr>
+              <p:nvPr/>
+            </p:nvSpPr>
+            <p:spPr>
+              <a:xfrm>
+                <a:off x="4506916" y="4061028"/>
+                <a:ext cx="456407" cy="369332"/>
+              </a:xfrm>
+              <a:prstGeom prst="rect">
+                <a:avLst/>
+              </a:prstGeom>
+              <a:blipFill>
+                <a:blip r:embed="rId6"/>
+                <a:stretch>
+                  <a:fillRect/>
+                </a:stretch>
+              </a:blipFill>
+            </p:spPr>
+            <p:txBody>
+              <a:bodyPr/>
+              <a:lstStyle/>
+              <a:p>
+                <a:r>
+                  <a:rPr lang="en-US">
+                    <a:noFill/>
+                  </a:rPr>
+                  <a:t> </a:t>
+                </a:r>
+              </a:p>
+            </p:txBody>
+          </p:sp>
+        </mc:Fallback>
+      </mc:AlternateContent>
+      <p:sp>
+        <p:nvSpPr>
+          <p:cNvPr id="16" name="Left Brace 15">
+            <a:extLst>
+              <a:ext uri="{FF2B5EF4-FFF2-40B4-BE49-F238E27FC236}">
+                <a16:creationId xmlns:a16="http://schemas.microsoft.com/office/drawing/2014/main" id="{035627A3-B878-B64C-B5E0-E7D49B79E893}"/>
+              </a:ext>
+            </a:extLst>
+          </p:cNvPr>
+          <p:cNvSpPr/>
+          <p:nvPr/>
+        </p:nvSpPr>
+        <p:spPr>
+          <a:xfrm>
+            <a:off x="4888026" y="3086841"/>
+            <a:ext cx="332793" cy="2352602"/>
+          </a:xfrm>
+          <a:prstGeom prst="leftBrace">
+            <a:avLst/>
+          </a:prstGeom>
+          <a:ln>
+            <a:solidFill>
+              <a:schemeClr val="accent4">
+                <a:lumMod val="60000"/>
+                <a:lumOff val="40000"/>
+              </a:schemeClr>
+            </a:solidFill>
+          </a:ln>
+        </p:spPr>
+        <p:style>
+          <a:lnRef idx="1">
+            <a:schemeClr val="accent1"/>
+          </a:lnRef>
+          <a:fillRef idx="0">
+            <a:schemeClr val="accent1"/>
+          </a:fillRef>
+          <a:effectRef idx="0">
+            <a:schemeClr val="accent1"/>
+          </a:effectRef>
+          <a:fontRef idx="minor">
+            <a:schemeClr val="tx1"/>
+          </a:fontRef>
+        </p:style>
+        <p:txBody>
+          <a:bodyPr rtlCol="0" anchor="ctr"/>
+          <a:lstStyle/>
+          <a:p>
+            <a:pPr algn="ctr"/>
+            <a:endParaRPr lang="en-US"/>
+          </a:p>
+        </p:txBody>
+      </p:sp>
+      <mc:AlternateContent xmlns:mc="http://schemas.openxmlformats.org/markup-compatibility/2006" xmlns:a14="http://schemas.microsoft.com/office/drawing/2010/main">
+        <mc:Choice Requires="a14">
+          <p:sp>
+            <p:nvSpPr>
+              <p:cNvPr id="17" name="TextBox 16">
+                <a:extLst>
+                  <a:ext uri="{FF2B5EF4-FFF2-40B4-BE49-F238E27FC236}">
+                    <a16:creationId xmlns:a16="http://schemas.microsoft.com/office/drawing/2014/main" id="{DAA4D4A9-A3BB-DC4D-A85B-76F819C80DCB}"/>
+                  </a:ext>
+                </a:extLst>
+              </p:cNvPr>
+              <p:cNvSpPr txBox="1"/>
+              <p:nvPr/>
+            </p:nvSpPr>
+            <p:spPr>
+              <a:xfrm>
+                <a:off x="8066971" y="2628421"/>
+                <a:ext cx="427553" cy="369332"/>
+              </a:xfrm>
+              <a:prstGeom prst="rect">
+                <a:avLst/>
+              </a:prstGeom>
+              <a:noFill/>
+            </p:spPr>
+            <p:txBody>
+              <a:bodyPr wrap="none" rtlCol="0">
+                <a:spAutoFit/>
+              </a:bodyPr>
+              <a:lstStyle/>
+              <a:p>
+                <a:pPr/>
+                <a14:m>
+                  <m:oMathPara xmlns:m="http://schemas.openxmlformats.org/officeDocument/2006/math">
+                    <m:oMathParaPr>
+                      <m:jc m:val="centerGroup"/>
+                    </m:oMathParaPr>
+                    <m:oMath xmlns:m="http://schemas.openxmlformats.org/officeDocument/2006/math">
+                      <m:r>
+                        <a:rPr lang="en-US" b="0" i="1" smtClean="0">
+                          <a:latin typeface="Cambria Math" panose="02040503050406030204" pitchFamily="18" charset="0"/>
+                        </a:rPr>
+                        <m:t>𝑁</m:t>
+                      </m:r>
+                    </m:oMath>
+                  </m:oMathPara>
+                </a14:m>
+                <a:endParaRPr lang="en-US" dirty="0"/>
+              </a:p>
+            </p:txBody>
+          </p:sp>
+        </mc:Choice>
+        <mc:Fallback xmlns="">
+          <p:sp>
+            <p:nvSpPr>
+              <p:cNvPr id="17" name="TextBox 16">
+                <a:extLst>
+                  <a:ext uri="{FF2B5EF4-FFF2-40B4-BE49-F238E27FC236}">
+                    <a16:creationId xmlns:a16="http://schemas.microsoft.com/office/drawing/2014/main" id="{DAA4D4A9-A3BB-DC4D-A85B-76F819C80DCB}"/>
+                  </a:ext>
+                </a:extLst>
+              </p:cNvPr>
+              <p:cNvSpPr txBox="1">
+                <a:spLocks noRot="1" noChangeAspect="1" noMove="1" noResize="1" noEditPoints="1" noAdjustHandles="1" noChangeArrowheads="1" noChangeShapeType="1" noTextEdit="1"/>
+              </p:cNvSpPr>
+              <p:nvPr/>
+            </p:nvSpPr>
+            <p:spPr>
+              <a:xfrm>
+                <a:off x="8066971" y="2628421"/>
+                <a:ext cx="427553" cy="369332"/>
+              </a:xfrm>
+              <a:prstGeom prst="rect">
+                <a:avLst/>
+              </a:prstGeom>
+              <a:blipFill>
+                <a:blip r:embed="rId7"/>
+                <a:stretch>
+                  <a:fillRect/>
+                </a:stretch>
+              </a:blipFill>
+            </p:spPr>
+            <p:txBody>
+              <a:bodyPr/>
+              <a:lstStyle/>
+              <a:p>
+                <a:r>
+                  <a:rPr lang="en-US">
+                    <a:noFill/>
+                  </a:rPr>
+                  <a:t> </a:t>
+                </a:r>
+              </a:p>
+            </p:txBody>
+          </p:sp>
+        </mc:Fallback>
+      </mc:AlternateContent>
+      <p:sp>
+        <p:nvSpPr>
+          <p:cNvPr id="18" name="Left Brace 17">
+            <a:extLst>
+              <a:ext uri="{FF2B5EF4-FFF2-40B4-BE49-F238E27FC236}">
+                <a16:creationId xmlns:a16="http://schemas.microsoft.com/office/drawing/2014/main" id="{B7ED97EC-A8BA-FE49-9039-F348D932A00A}"/>
+              </a:ext>
+            </a:extLst>
+          </p:cNvPr>
+          <p:cNvSpPr/>
+          <p:nvPr/>
+        </p:nvSpPr>
+        <p:spPr>
+          <a:xfrm rot="5400000">
+            <a:off x="8114352" y="1764380"/>
+            <a:ext cx="332793" cy="2657671"/>
+          </a:xfrm>
+          <a:prstGeom prst="leftBrace">
+            <a:avLst/>
+          </a:prstGeom>
+          <a:ln>
+            <a:solidFill>
+              <a:schemeClr val="accent4">
+                <a:lumMod val="60000"/>
+                <a:lumOff val="40000"/>
+              </a:schemeClr>
+            </a:solidFill>
+          </a:ln>
+        </p:spPr>
+        <p:style>
+          <a:lnRef idx="1">
+            <a:schemeClr val="accent1"/>
+          </a:lnRef>
+          <a:fillRef idx="0">
+            <a:schemeClr val="accent1"/>
+          </a:fillRef>
+          <a:effectRef idx="0">
+            <a:schemeClr val="accent1"/>
+          </a:effectRef>
+          <a:fontRef idx="minor">
+            <a:schemeClr val="tx1"/>
+          </a:fontRef>
+        </p:style>
+        <p:txBody>
+          <a:bodyPr rtlCol="0" anchor="ctr"/>
+          <a:lstStyle/>
+          <a:p>
+            <a:pPr algn="ctr"/>
+            <a:endParaRPr lang="en-US"/>
+          </a:p>
+        </p:txBody>
+      </p:sp>
+      <p:sp>
+        <p:nvSpPr>
+          <p:cNvPr id="19" name="Left Brace 18">
+            <a:extLst>
+              <a:ext uri="{FF2B5EF4-FFF2-40B4-BE49-F238E27FC236}">
+                <a16:creationId xmlns:a16="http://schemas.microsoft.com/office/drawing/2014/main" id="{14DE89A3-80F2-0C4D-BC8E-32FD6D70444E}"/>
+              </a:ext>
+            </a:extLst>
+          </p:cNvPr>
+          <p:cNvSpPr/>
+          <p:nvPr/>
+        </p:nvSpPr>
+        <p:spPr>
+          <a:xfrm rot="16200000">
+            <a:off x="5427831" y="4886781"/>
+            <a:ext cx="330992" cy="1366522"/>
+          </a:xfrm>
+          <a:prstGeom prst="leftBrace">
+            <a:avLst/>
+          </a:prstGeom>
+          <a:ln>
+            <a:solidFill>
+              <a:schemeClr val="accent4">
+                <a:lumMod val="60000"/>
+                <a:lumOff val="40000"/>
+              </a:schemeClr>
+            </a:solidFill>
+          </a:ln>
+        </p:spPr>
+        <p:style>
+          <a:lnRef idx="1">
+            <a:schemeClr val="accent1"/>
+          </a:lnRef>
+          <a:fillRef idx="0">
+            <a:schemeClr val="accent1"/>
+          </a:fillRef>
+          <a:effectRef idx="0">
+            <a:schemeClr val="accent1"/>
+          </a:effectRef>
+          <a:fontRef idx="minor">
+            <a:schemeClr val="tx1"/>
+          </a:fontRef>
+        </p:style>
+        <p:txBody>
+          <a:bodyPr rtlCol="0" anchor="ctr"/>
+          <a:lstStyle/>
+          <a:p>
+            <a:pPr algn="ctr"/>
+            <a:endParaRPr lang="en-US"/>
+          </a:p>
+        </p:txBody>
+      </p:sp>
+      <mc:AlternateContent xmlns:mc="http://schemas.openxmlformats.org/markup-compatibility/2006" xmlns:a14="http://schemas.microsoft.com/office/drawing/2010/main">
+        <mc:Choice Requires="a14">
+          <p:sp>
+            <p:nvSpPr>
+              <p:cNvPr id="20" name="Rectangle 19">
+                <a:extLst>
+                  <a:ext uri="{FF2B5EF4-FFF2-40B4-BE49-F238E27FC236}">
+                    <a16:creationId xmlns:a16="http://schemas.microsoft.com/office/drawing/2014/main" id="{57714002-BD98-F745-A2A1-50B504C4D948}"/>
+                  </a:ext>
+                </a:extLst>
+              </p:cNvPr>
+              <p:cNvSpPr/>
+              <p:nvPr/>
+            </p:nvSpPr>
+            <p:spPr>
+              <a:xfrm>
+                <a:off x="5365123" y="5712034"/>
+                <a:ext cx="422488" cy="369332"/>
+              </a:xfrm>
+              <a:prstGeom prst="rect">
+                <a:avLst/>
+              </a:prstGeom>
+            </p:spPr>
+            <p:txBody>
+              <a:bodyPr wrap="none">
+                <a:spAutoFit/>
+              </a:bodyPr>
+              <a:lstStyle/>
+              <a:p>
+                <a:pPr/>
+                <a14:m>
+                  <m:oMathPara xmlns:m="http://schemas.openxmlformats.org/officeDocument/2006/math">
+                    <m:oMathParaPr>
+                      <m:jc m:val="centerGroup"/>
+                    </m:oMathParaPr>
+                    <m:oMath xmlns:m="http://schemas.openxmlformats.org/officeDocument/2006/math">
+                      <m:r>
+                        <a:rPr lang="en-US" b="0" i="1" smtClean="0">
+                          <a:latin typeface="Cambria Math" panose="02040503050406030204" pitchFamily="18" charset="0"/>
+                        </a:rPr>
+                        <m:t>𝐾</m:t>
+                      </m:r>
+                    </m:oMath>
+                  </m:oMathPara>
+                </a14:m>
+                <a:endParaRPr lang="en-US" dirty="0"/>
+              </a:p>
+            </p:txBody>
+          </p:sp>
+        </mc:Choice>
+        <mc:Fallback xmlns="">
+          <p:sp>
+            <p:nvSpPr>
+              <p:cNvPr id="20" name="Rectangle 19">
+                <a:extLst>
+                  <a:ext uri="{FF2B5EF4-FFF2-40B4-BE49-F238E27FC236}">
+                    <a16:creationId xmlns:a16="http://schemas.microsoft.com/office/drawing/2014/main" id="{57714002-BD98-F745-A2A1-50B504C4D948}"/>
+                  </a:ext>
+                </a:extLst>
+              </p:cNvPr>
+              <p:cNvSpPr>
+                <a:spLocks noRot="1" noChangeAspect="1" noMove="1" noResize="1" noEditPoints="1" noAdjustHandles="1" noChangeArrowheads="1" noChangeShapeType="1" noTextEdit="1"/>
+              </p:cNvSpPr>
+              <p:nvPr/>
+            </p:nvSpPr>
+            <p:spPr>
+              <a:xfrm>
+                <a:off x="5365123" y="5712034"/>
+                <a:ext cx="422488" cy="369332"/>
+              </a:xfrm>
+              <a:prstGeom prst="rect">
+                <a:avLst/>
+              </a:prstGeom>
+              <a:blipFill>
+                <a:blip r:embed="rId8"/>
+                <a:stretch>
+                  <a:fillRect/>
+                </a:stretch>
+              </a:blipFill>
+            </p:spPr>
+            <p:txBody>
+              <a:bodyPr/>
+              <a:lstStyle/>
+              <a:p>
+                <a:r>
+                  <a:rPr lang="en-US">
+                    <a:noFill/>
+                  </a:rPr>
+                  <a:t> </a:t>
+                </a:r>
+              </a:p>
+            </p:txBody>
+          </p:sp>
+        </mc:Fallback>
+      </mc:AlternateContent>
+      <mc:AlternateContent xmlns:mc="http://schemas.openxmlformats.org/markup-compatibility/2006" xmlns:a14="http://schemas.microsoft.com/office/drawing/2010/main">
+        <mc:Choice Requires="a14">
+          <p:sp>
+            <p:nvSpPr>
+              <p:cNvPr id="21" name="Rectangle 20">
+                <a:extLst>
+                  <a:ext uri="{FF2B5EF4-FFF2-40B4-BE49-F238E27FC236}">
+                    <a16:creationId xmlns:a16="http://schemas.microsoft.com/office/drawing/2014/main" id="{E6590F30-4A36-874F-9687-DD7732A02080}"/>
+                  </a:ext>
+                </a:extLst>
+              </p:cNvPr>
+              <p:cNvSpPr/>
+              <p:nvPr/>
+            </p:nvSpPr>
+            <p:spPr>
+              <a:xfrm>
+                <a:off x="9646746" y="3553635"/>
+                <a:ext cx="422488" cy="369332"/>
+              </a:xfrm>
+              <a:prstGeom prst="rect">
+                <a:avLst/>
+              </a:prstGeom>
+            </p:spPr>
+            <p:txBody>
+              <a:bodyPr wrap="none">
+                <a:spAutoFit/>
+              </a:bodyPr>
+              <a:lstStyle/>
+              <a:p>
+                <a:pPr/>
+                <a14:m>
+                  <m:oMathPara xmlns:m="http://schemas.openxmlformats.org/officeDocument/2006/math">
+                    <m:oMathParaPr>
+                      <m:jc m:val="centerGroup"/>
+                    </m:oMathParaPr>
+                    <m:oMath xmlns:m="http://schemas.openxmlformats.org/officeDocument/2006/math">
+                      <m:r>
+                        <a:rPr lang="en-US" b="0" i="1" smtClean="0">
+                          <a:latin typeface="Cambria Math" panose="02040503050406030204" pitchFamily="18" charset="0"/>
+                        </a:rPr>
+                        <m:t>𝐾</m:t>
+                      </m:r>
+                    </m:oMath>
+                  </m:oMathPara>
+                </a14:m>
+                <a:endParaRPr lang="en-US" dirty="0"/>
+              </a:p>
+            </p:txBody>
+          </p:sp>
+        </mc:Choice>
+        <mc:Fallback xmlns="">
+          <p:sp>
+            <p:nvSpPr>
+              <p:cNvPr id="21" name="Rectangle 20">
+                <a:extLst>
+                  <a:ext uri="{FF2B5EF4-FFF2-40B4-BE49-F238E27FC236}">
+                    <a16:creationId xmlns:a16="http://schemas.microsoft.com/office/drawing/2014/main" id="{E6590F30-4A36-874F-9687-DD7732A02080}"/>
+                  </a:ext>
+                </a:extLst>
+              </p:cNvPr>
+              <p:cNvSpPr>
+                <a:spLocks noRot="1" noChangeAspect="1" noMove="1" noResize="1" noEditPoints="1" noAdjustHandles="1" noChangeArrowheads="1" noChangeShapeType="1" noTextEdit="1"/>
+              </p:cNvSpPr>
+              <p:nvPr/>
+            </p:nvSpPr>
+            <p:spPr>
+              <a:xfrm>
+                <a:off x="9646746" y="3553635"/>
+                <a:ext cx="422488" cy="369332"/>
+              </a:xfrm>
+              <a:prstGeom prst="rect">
+                <a:avLst/>
+              </a:prstGeom>
+              <a:blipFill>
+                <a:blip r:embed="rId9"/>
+                <a:stretch>
+                  <a:fillRect/>
+                </a:stretch>
+              </a:blipFill>
+            </p:spPr>
+            <p:txBody>
+              <a:bodyPr/>
+              <a:lstStyle/>
+              <a:p>
+                <a:r>
+                  <a:rPr lang="en-US">
+                    <a:noFill/>
+                  </a:rPr>
+                  <a:t> </a:t>
+                </a:r>
+              </a:p>
+            </p:txBody>
+          </p:sp>
+        </mc:Fallback>
+      </mc:AlternateContent>
+      <p:sp>
+        <p:nvSpPr>
+          <p:cNvPr id="22" name="Left Brace 21">
+            <a:extLst>
+              <a:ext uri="{FF2B5EF4-FFF2-40B4-BE49-F238E27FC236}">
+                <a16:creationId xmlns:a16="http://schemas.microsoft.com/office/drawing/2014/main" id="{1C04FBD5-E6EC-6547-90D5-C83BBE1DB358}"/>
+              </a:ext>
+            </a:extLst>
+          </p:cNvPr>
+          <p:cNvSpPr/>
+          <p:nvPr/>
+        </p:nvSpPr>
+        <p:spPr>
+          <a:xfrm rot="10800000">
+            <a:off x="9371938" y="3151202"/>
+            <a:ext cx="304691" cy="1174199"/>
+          </a:xfrm>
+          <a:prstGeom prst="leftBrace">
+            <a:avLst/>
+          </a:prstGeom>
+          <a:ln>
+            <a:solidFill>
+              <a:schemeClr val="accent4">
+                <a:lumMod val="60000"/>
+                <a:lumOff val="40000"/>
+              </a:schemeClr>
+            </a:solidFill>
+          </a:ln>
+        </p:spPr>
+        <p:style>
+          <a:lnRef idx="1">
+            <a:schemeClr val="accent1"/>
+          </a:lnRef>
+          <a:fillRef idx="0">
+            <a:schemeClr val="accent1"/>
+          </a:fillRef>
+          <a:effectRef idx="0">
+            <a:schemeClr val="accent1"/>
+          </a:effectRef>
+          <a:fontRef idx="minor">
+            <a:schemeClr val="tx1"/>
+          </a:fontRef>
+        </p:style>
+        <p:txBody>
+          <a:bodyPr rtlCol="0" anchor="ctr"/>
+          <a:lstStyle/>
+          <a:p>
+            <a:pPr algn="ctr"/>
+            <a:endParaRPr lang="en-US"/>
+          </a:p>
+        </p:txBody>
+      </p:sp>
+      <p:sp>
+        <p:nvSpPr>
+          <p:cNvPr id="23" name="Right Arrow 22">
+            <a:extLst>
+              <a:ext uri="{FF2B5EF4-FFF2-40B4-BE49-F238E27FC236}">
+                <a16:creationId xmlns:a16="http://schemas.microsoft.com/office/drawing/2014/main" id="{267BB160-950C-394C-9064-4D33E453F8D9}"/>
+              </a:ext>
+            </a:extLst>
+          </p:cNvPr>
+          <p:cNvSpPr/>
+          <p:nvPr/>
+        </p:nvSpPr>
+        <p:spPr>
+          <a:xfrm>
+            <a:off x="622214" y="6047166"/>
+            <a:ext cx="494270" cy="457200"/>
+          </a:xfrm>
+          <a:prstGeom prst="rightArrow">
+            <a:avLst/>
+          </a:prstGeom>
+          <a:solidFill>
+            <a:schemeClr val="accent4">
+              <a:lumMod val="60000"/>
+              <a:lumOff val="40000"/>
+            </a:schemeClr>
+          </a:solidFill>
+          <a:ln>
+            <a:solidFill>
+              <a:schemeClr val="accent4">
+                <a:lumMod val="60000"/>
+                <a:lumOff val="40000"/>
+              </a:schemeClr>
+            </a:solidFill>
+          </a:ln>
+        </p:spPr>
+        <p:style>
+          <a:lnRef idx="2">
+            <a:schemeClr val="accent1">
+              <a:shade val="50000"/>
+            </a:schemeClr>
+          </a:lnRef>
+          <a:fillRef idx="1">
+            <a:schemeClr val="accent1"/>
+          </a:fillRef>
+          <a:effectRef idx="0">
+            <a:schemeClr val="accent1"/>
+          </a:effectRef>
+          <a:fontRef idx="minor">
+            <a:schemeClr val="lt1"/>
+          </a:fontRef>
+        </p:style>
+        <p:txBody>
+          <a:bodyPr rtlCol="0" anchor="ctr"/>
+          <a:lstStyle/>
+          <a:p>
+            <a:pPr algn="ctr"/>
+            <a:endParaRPr lang="en-US" dirty="0">
+              <a:solidFill>
+                <a:schemeClr val="accent4">
+                  <a:lumMod val="75000"/>
+                </a:schemeClr>
+              </a:solidFill>
+            </a:endParaRPr>
+          </a:p>
+        </p:txBody>
+      </p:sp>
+      <p:sp>
+        <p:nvSpPr>
+          <p:cNvPr id="24" name="TextBox 23">
+            <a:extLst>
+              <a:ext uri="{FF2B5EF4-FFF2-40B4-BE49-F238E27FC236}">
+                <a16:creationId xmlns:a16="http://schemas.microsoft.com/office/drawing/2014/main" id="{F76B5B16-784B-FA41-9FDA-3B762908510F}"/>
+              </a:ext>
+            </a:extLst>
+          </p:cNvPr>
+          <p:cNvSpPr txBox="1"/>
+          <p:nvPr/>
+        </p:nvSpPr>
+        <p:spPr>
+          <a:xfrm>
+            <a:off x="1216469" y="6079522"/>
+            <a:ext cx="9163524" cy="646331"/>
+          </a:xfrm>
+          <a:prstGeom prst="rect">
+            <a:avLst/>
+          </a:prstGeom>
+          <a:noFill/>
+        </p:spPr>
+        <p:txBody>
+          <a:bodyPr wrap="square" rtlCol="0">
+            <a:spAutoFit/>
+          </a:bodyPr>
+          <a:lstStyle/>
+          <a:p>
+            <a:r>
+              <a:rPr lang="ja-JP" altLang="en-US"/>
+              <a:t>元の行列との差が最小になるようにユーザ行列とアイテム行列を学習させると，</a:t>
+            </a:r>
+            <a:endParaRPr lang="en-US" altLang="ja-JP" dirty="0"/>
+          </a:p>
+          <a:p>
+            <a:r>
+              <a:rPr lang="ja-JP" altLang="en-US"/>
+              <a:t>ユーザ行列とアイテム行列の積は元の行列で</a:t>
+            </a:r>
+            <a:r>
+              <a:rPr lang="en-US" altLang="ja-JP" dirty="0"/>
+              <a:t>0</a:t>
+            </a:r>
+            <a:r>
+              <a:rPr lang="ja-JP" altLang="en-US"/>
+              <a:t>だったところが補完されている形になる</a:t>
+            </a:r>
+            <a:endParaRPr lang="en-US" altLang="ja-JP" dirty="0"/>
+          </a:p>
+        </p:txBody>
+      </p:sp>
+      <p:graphicFrame>
+        <p:nvGraphicFramePr>
+          <p:cNvPr id="25" name="Table 24">
+            <a:extLst>
+              <a:ext uri="{FF2B5EF4-FFF2-40B4-BE49-F238E27FC236}">
+                <a16:creationId xmlns:a16="http://schemas.microsoft.com/office/drawing/2014/main" id="{27234001-12B8-5E49-9818-B6BC71CAB000}"/>
+              </a:ext>
+            </a:extLst>
+          </p:cNvPr>
+          <p:cNvGraphicFramePr>
+            <a:graphicFrameLocks noGrp="1"/>
+          </p:cNvGraphicFramePr>
+          <p:nvPr>
+            <p:extLst>
+              <p:ext uri="{D42A27DB-BD31-4B8C-83A1-F6EECF244321}">
+                <p14:modId xmlns:p14="http://schemas.microsoft.com/office/powerpoint/2010/main" val="2745508634"/>
+              </p:ext>
+            </p:extLst>
+          </p:nvPr>
+        </p:nvGraphicFramePr>
+        <p:xfrm>
+          <a:off x="-9042" y="3630614"/>
           <a:ext cx="4176092" cy="1230160"/>
         </p:xfrm>
         <a:graphic>
@@ -11582,3019 +16420,314 @@
           </a:graphicData>
         </a:graphic>
       </p:graphicFrame>
-      <p:sp>
-        <p:nvSpPr>
-          <p:cNvPr id="7" name="TextBox 6">
+      <p:graphicFrame>
+        <p:nvGraphicFramePr>
+          <p:cNvPr id="27" name="Table 26">
             <a:extLst>
               <a:ext uri="{FF2B5EF4-FFF2-40B4-BE49-F238E27FC236}">
-                <a16:creationId xmlns:a16="http://schemas.microsoft.com/office/drawing/2014/main" id="{C565D9CA-9DE9-1D4C-8438-25C98B6F232F}"/>
+                <a16:creationId xmlns:a16="http://schemas.microsoft.com/office/drawing/2014/main" id="{091CB935-A7A2-E447-8277-7DF3ACF827C5}"/>
               </a:ext>
             </a:extLst>
           </p:cNvPr>
-          <p:cNvSpPr txBox="1"/>
-          <p:nvPr/>
-        </p:nvSpPr>
-        <p:spPr>
-          <a:xfrm>
-            <a:off x="6516712" y="5155941"/>
-            <a:ext cx="2813591" cy="369332"/>
-          </a:xfrm>
-          <a:prstGeom prst="rect">
-            <a:avLst/>
-          </a:prstGeom>
-          <a:noFill/>
-        </p:spPr>
-        <p:txBody>
-          <a:bodyPr wrap="none" rtlCol="0">
-            <a:spAutoFit/>
-          </a:bodyPr>
-          <a:lstStyle/>
-          <a:p>
-            <a:r>
-              <a:rPr lang="en-US" dirty="0" err="1"/>
-              <a:t>kokit</a:t>
-            </a:r>
-            <a:r>
-              <a:rPr lang="ja-JP" altLang="en-US"/>
-              <a:t>に</a:t>
-            </a:r>
-            <a:r>
-              <a:rPr lang="en-US" altLang="ja-JP" dirty="0"/>
-              <a:t>Smartphone</a:t>
-            </a:r>
-            <a:r>
-              <a:rPr lang="ja-JP" altLang="en-US"/>
-              <a:t>を推薦</a:t>
-            </a:r>
-            <a:endParaRPr lang="en-US" dirty="0"/>
-          </a:p>
-        </p:txBody>
-      </p:sp>
-      <p:sp>
-        <p:nvSpPr>
-          <p:cNvPr id="8" name="Right Arrow 7">
-            <a:extLst>
-              <a:ext uri="{FF2B5EF4-FFF2-40B4-BE49-F238E27FC236}">
-                <a16:creationId xmlns:a16="http://schemas.microsoft.com/office/drawing/2014/main" id="{4BCB10DC-139E-724D-A9B1-B803AC7CBBB1}"/>
-              </a:ext>
-            </a:extLst>
-          </p:cNvPr>
-          <p:cNvSpPr/>
-          <p:nvPr/>
-        </p:nvSpPr>
-        <p:spPr>
-          <a:xfrm>
-            <a:off x="5911292" y="5112007"/>
-            <a:ext cx="494270" cy="457200"/>
-          </a:xfrm>
-          <a:prstGeom prst="rightArrow">
-            <a:avLst/>
-          </a:prstGeom>
-          <a:solidFill>
-            <a:schemeClr val="accent4">
-              <a:lumMod val="60000"/>
-              <a:lumOff val="40000"/>
-            </a:schemeClr>
-          </a:solidFill>
-          <a:ln>
-            <a:solidFill>
-              <a:schemeClr val="accent4">
-                <a:lumMod val="60000"/>
-                <a:lumOff val="40000"/>
-              </a:schemeClr>
-            </a:solidFill>
-          </a:ln>
-        </p:spPr>
-        <p:style>
-          <a:lnRef idx="2">
-            <a:schemeClr val="accent1">
-              <a:shade val="50000"/>
-            </a:schemeClr>
-          </a:lnRef>
-          <a:fillRef idx="1">
-            <a:schemeClr val="accent1"/>
-          </a:fillRef>
-          <a:effectRef idx="0">
-            <a:schemeClr val="accent1"/>
-          </a:effectRef>
-          <a:fontRef idx="minor">
-            <a:schemeClr val="lt1"/>
-          </a:fontRef>
-        </p:style>
-        <p:txBody>
-          <a:bodyPr rtlCol="0" anchor="ctr"/>
-          <a:lstStyle/>
-          <a:p>
-            <a:pPr algn="ctr"/>
-            <a:endParaRPr lang="en-US" dirty="0">
-              <a:solidFill>
-                <a:schemeClr val="accent4">
-                  <a:lumMod val="75000"/>
-                </a:schemeClr>
-              </a:solidFill>
-            </a:endParaRPr>
-          </a:p>
-        </p:txBody>
-      </p:sp>
+          <p:cNvGraphicFramePr>
+            <a:graphicFrameLocks noGrp="1"/>
+          </p:cNvGraphicFramePr>
+          <p:nvPr>
+            <p:extLst>
+              <p:ext uri="{D42A27DB-BD31-4B8C-83A1-F6EECF244321}">
+                <p14:modId xmlns:p14="http://schemas.microsoft.com/office/powerpoint/2010/main" val="1980777781"/>
+              </p:ext>
+            </p:extLst>
+          </p:nvPr>
+        </p:nvGraphicFramePr>
+        <p:xfrm>
+          <a:off x="4431984" y="3662976"/>
+          <a:ext cx="4176092" cy="1230160"/>
+        </p:xfrm>
+        <a:graphic>
+          <a:graphicData uri="http://schemas.openxmlformats.org/drawingml/2006/table">
+            <a:tbl>
+              <a:tblPr firstRow="1" bandRow="1">
+                <a:tableStyleId>{5C22544A-7EE6-4342-B048-85BDC9FD1C3A}</a:tableStyleId>
+              </a:tblPr>
+              <a:tblGrid>
+                <a:gridCol w="1044023">
+                  <a:extLst>
+                    <a:ext uri="{9D8B030D-6E8A-4147-A177-3AD203B41FA5}">
+                      <a16:colId xmlns:a16="http://schemas.microsoft.com/office/drawing/2014/main" val="3868577412"/>
+                    </a:ext>
+                  </a:extLst>
+                </a:gridCol>
+                <a:gridCol w="1044023">
+                  <a:extLst>
+                    <a:ext uri="{9D8B030D-6E8A-4147-A177-3AD203B41FA5}">
+                      <a16:colId xmlns:a16="http://schemas.microsoft.com/office/drawing/2014/main" val="1128340210"/>
+                    </a:ext>
+                  </a:extLst>
+                </a:gridCol>
+                <a:gridCol w="1044023">
+                  <a:extLst>
+                    <a:ext uri="{9D8B030D-6E8A-4147-A177-3AD203B41FA5}">
+                      <a16:colId xmlns:a16="http://schemas.microsoft.com/office/drawing/2014/main" val="1815707632"/>
+                    </a:ext>
+                  </a:extLst>
+                </a:gridCol>
+                <a:gridCol w="1044023">
+                  <a:extLst>
+                    <a:ext uri="{9D8B030D-6E8A-4147-A177-3AD203B41FA5}">
+                      <a16:colId xmlns:a16="http://schemas.microsoft.com/office/drawing/2014/main" val="897117690"/>
+                    </a:ext>
+                  </a:extLst>
+                </a:gridCol>
+              </a:tblGrid>
+              <a:tr h="307540">
+                <a:tc>
+                  <a:txBody>
+                    <a:bodyPr/>
+                    <a:lstStyle/>
+                    <a:p>
+                      <a:r>
+                        <a:rPr lang="en-US" sz="1200" dirty="0" err="1"/>
+                        <a:t>user_id</a:t>
+                      </a:r>
+                      <a:endParaRPr lang="en-US" sz="1200" dirty="0"/>
+                    </a:p>
+                  </a:txBody>
+                  <a:tcPr/>
+                </a:tc>
+                <a:tc>
+                  <a:txBody>
+                    <a:bodyPr/>
+                    <a:lstStyle/>
+                    <a:p>
+                      <a:r>
+                        <a:rPr lang="en-US" sz="1200" dirty="0"/>
+                        <a:t>Smartphone</a:t>
+                      </a:r>
+                    </a:p>
+                  </a:txBody>
+                  <a:tcPr/>
+                </a:tc>
+                <a:tc>
+                  <a:txBody>
+                    <a:bodyPr/>
+                    <a:lstStyle/>
+                    <a:p>
+                      <a:r>
+                        <a:rPr lang="en-US" sz="1200" dirty="0"/>
+                        <a:t>Charger</a:t>
+                      </a:r>
+                    </a:p>
+                  </a:txBody>
+                  <a:tcPr/>
+                </a:tc>
+                <a:tc>
+                  <a:txBody>
+                    <a:bodyPr/>
+                    <a:lstStyle/>
+                    <a:p>
+                      <a:r>
+                        <a:rPr lang="en-US" sz="1200" dirty="0"/>
+                        <a:t>Banana</a:t>
+                      </a:r>
+                    </a:p>
+                  </a:txBody>
+                  <a:tcPr/>
+                </a:tc>
+                <a:extLst>
+                  <a:ext uri="{0D108BD9-81ED-4DB2-BD59-A6C34878D82A}">
+                    <a16:rowId xmlns:a16="http://schemas.microsoft.com/office/drawing/2014/main" val="3149062355"/>
+                  </a:ext>
+                </a:extLst>
+              </a:tr>
+              <a:tr h="307540">
+                <a:tc>
+                  <a:txBody>
+                    <a:bodyPr/>
+                    <a:lstStyle/>
+                    <a:p>
+                      <a:r>
+                        <a:rPr lang="en-US" sz="1200" dirty="0" err="1"/>
+                        <a:t>gotoken</a:t>
+                      </a:r>
+                      <a:endParaRPr lang="en-US" sz="1200" dirty="0"/>
+                    </a:p>
+                  </a:txBody>
+                  <a:tcPr/>
+                </a:tc>
+                <a:tc>
+                  <a:txBody>
+                    <a:bodyPr/>
+                    <a:lstStyle/>
+                    <a:p>
+                      <a:r>
+                        <a:rPr lang="en-US" sz="1200" dirty="0"/>
+                        <a:t>1</a:t>
+                      </a:r>
+                    </a:p>
+                  </a:txBody>
+                  <a:tcPr/>
+                </a:tc>
+                <a:tc>
+                  <a:txBody>
+                    <a:bodyPr/>
+                    <a:lstStyle/>
+                    <a:p>
+                      <a:r>
+                        <a:rPr lang="en-US" sz="1200" dirty="0"/>
+                        <a:t>0</a:t>
+                      </a:r>
+                    </a:p>
+                  </a:txBody>
+                  <a:tcPr/>
+                </a:tc>
+                <a:tc>
+                  <a:txBody>
+                    <a:bodyPr/>
+                    <a:lstStyle/>
+                    <a:p>
+                      <a:r>
+                        <a:rPr lang="en-US" sz="1200" dirty="0"/>
+                        <a:t>1</a:t>
+                      </a:r>
+                    </a:p>
+                  </a:txBody>
+                  <a:tcPr/>
+                </a:tc>
+                <a:extLst>
+                  <a:ext uri="{0D108BD9-81ED-4DB2-BD59-A6C34878D82A}">
+                    <a16:rowId xmlns:a16="http://schemas.microsoft.com/office/drawing/2014/main" val="3392038757"/>
+                  </a:ext>
+                </a:extLst>
+              </a:tr>
+              <a:tr h="307540">
+                <a:tc>
+                  <a:txBody>
+                    <a:bodyPr/>
+                    <a:lstStyle/>
+                    <a:p>
+                      <a:r>
+                        <a:rPr lang="en-US" sz="1200" dirty="0" err="1"/>
+                        <a:t>kokit</a:t>
+                      </a:r>
+                      <a:endParaRPr lang="en-US" sz="1200" dirty="0"/>
+                    </a:p>
+                  </a:txBody>
+                  <a:tcPr/>
+                </a:tc>
+                <a:tc>
+                  <a:txBody>
+                    <a:bodyPr/>
+                    <a:lstStyle/>
+                    <a:p>
+                      <a:r>
+                        <a:rPr lang="en-US" sz="1200" dirty="0"/>
+                        <a:t>1</a:t>
+                      </a:r>
+                    </a:p>
+                  </a:txBody>
+                  <a:tcPr/>
+                </a:tc>
+                <a:tc>
+                  <a:txBody>
+                    <a:bodyPr/>
+                    <a:lstStyle/>
+                    <a:p>
+                      <a:r>
+                        <a:rPr lang="en-US" sz="1200" dirty="0"/>
+                        <a:t>0</a:t>
+                      </a:r>
+                    </a:p>
+                  </a:txBody>
+                  <a:tcPr/>
+                </a:tc>
+                <a:tc>
+                  <a:txBody>
+                    <a:bodyPr/>
+                    <a:lstStyle/>
+                    <a:p>
+                      <a:r>
+                        <a:rPr lang="en-US" sz="1200" dirty="0"/>
+                        <a:t>1</a:t>
+                      </a:r>
+                    </a:p>
+                  </a:txBody>
+                  <a:tcPr/>
+                </a:tc>
+                <a:extLst>
+                  <a:ext uri="{0D108BD9-81ED-4DB2-BD59-A6C34878D82A}">
+                    <a16:rowId xmlns:a16="http://schemas.microsoft.com/office/drawing/2014/main" val="1184583459"/>
+                  </a:ext>
+                </a:extLst>
+              </a:tr>
+              <a:tr h="307540">
+                <a:tc>
+                  <a:txBody>
+                    <a:bodyPr/>
+                    <a:lstStyle/>
+                    <a:p>
+                      <a:r>
+                        <a:rPr lang="en-US" sz="1200" dirty="0" err="1"/>
+                        <a:t>nishi</a:t>
+                      </a:r>
+                      <a:endParaRPr lang="en-US" sz="1200" dirty="0"/>
+                    </a:p>
+                  </a:txBody>
+                  <a:tcPr/>
+                </a:tc>
+                <a:tc>
+                  <a:txBody>
+                    <a:bodyPr/>
+                    <a:lstStyle/>
+                    <a:p>
+                      <a:r>
+                        <a:rPr lang="en-US" sz="1200" dirty="0"/>
+                        <a:t>0</a:t>
+                      </a:r>
+                    </a:p>
+                  </a:txBody>
+                  <a:tcPr/>
+                </a:tc>
+                <a:tc>
+                  <a:txBody>
+                    <a:bodyPr/>
+                    <a:lstStyle/>
+                    <a:p>
+                      <a:r>
+                        <a:rPr lang="en-US" sz="1200" dirty="0"/>
+                        <a:t>1</a:t>
+                      </a:r>
+                    </a:p>
+                  </a:txBody>
+                  <a:tcPr/>
+                </a:tc>
+                <a:tc>
+                  <a:txBody>
+                    <a:bodyPr/>
+                    <a:lstStyle/>
+                    <a:p>
+                      <a:r>
+                        <a:rPr lang="en-US" sz="1200" dirty="0"/>
+                        <a:t>0</a:t>
+                      </a:r>
+                    </a:p>
+                  </a:txBody>
+                  <a:tcPr/>
+                </a:tc>
+                <a:extLst>
+                  <a:ext uri="{0D108BD9-81ED-4DB2-BD59-A6C34878D82A}">
+                    <a16:rowId xmlns:a16="http://schemas.microsoft.com/office/drawing/2014/main" val="1799415085"/>
+                  </a:ext>
+                </a:extLst>
+              </a:tr>
+            </a:tbl>
+          </a:graphicData>
+        </a:graphic>
+      </p:graphicFrame>
     </p:spTree>
     <p:extLst>
       <p:ext uri="{BB962C8B-B14F-4D97-AF65-F5344CB8AC3E}">
-        <p14:creationId xmlns:p14="http://schemas.microsoft.com/office/powerpoint/2010/main" val="1982434056"/>
-      </p:ext>
-    </p:extLst>
-  </p:cSld>
-  <p:clrMapOvr>
-    <a:masterClrMapping/>
-  </p:clrMapOvr>
-</p:sld>
-</file>
-
-<file path=ppt/slides/slide7.xml><?xml version="1.0" encoding="utf-8"?>
-<p:sld xmlns:a="http://schemas.openxmlformats.org/drawingml/2006/main" xmlns:r="http://schemas.openxmlformats.org/officeDocument/2006/relationships" xmlns:p="http://schemas.openxmlformats.org/presentationml/2006/main">
-  <p:cSld>
-    <p:spTree>
-      <p:nvGrpSpPr>
-        <p:cNvPr id="1" name=""/>
-        <p:cNvGrpSpPr/>
-        <p:nvPr/>
-      </p:nvGrpSpPr>
-      <p:grpSpPr>
-        <a:xfrm>
-          <a:off x="0" y="0"/>
-          <a:ext cx="0" cy="0"/>
-          <a:chOff x="0" y="0"/>
-          <a:chExt cx="0" cy="0"/>
-        </a:xfrm>
-      </p:grpSpPr>
-      <p:sp>
-        <p:nvSpPr>
-          <p:cNvPr id="2" name="Title 1">
-            <a:extLst>
-              <a:ext uri="{FF2B5EF4-FFF2-40B4-BE49-F238E27FC236}">
-                <a16:creationId xmlns:a16="http://schemas.microsoft.com/office/drawing/2014/main" id="{39D78DE3-1B2F-CB47-A4AA-05B1AEAAAF7D}"/>
-              </a:ext>
-            </a:extLst>
-          </p:cNvPr>
-          <p:cNvSpPr>
-            <a:spLocks noGrp="1"/>
-          </p:cNvSpPr>
-          <p:nvPr>
-            <p:ph type="title"/>
-          </p:nvPr>
-        </p:nvSpPr>
-        <p:spPr/>
-        <p:txBody>
-          <a:bodyPr/>
-          <a:lstStyle/>
-          <a:p>
-            <a:r>
-              <a:rPr lang="ja-JP" altLang="en-US"/>
-              <a:t>推薦アルゴリズムの種類</a:t>
-            </a:r>
-            <a:endParaRPr lang="en-US" dirty="0"/>
-          </a:p>
-        </p:txBody>
-      </p:sp>
-      <p:sp>
-        <p:nvSpPr>
-          <p:cNvPr id="3" name="Content Placeholder 2">
-            <a:extLst>
-              <a:ext uri="{FF2B5EF4-FFF2-40B4-BE49-F238E27FC236}">
-                <a16:creationId xmlns:a16="http://schemas.microsoft.com/office/drawing/2014/main" id="{58C951A0-6043-9D42-A657-13B8C7C6B862}"/>
-              </a:ext>
-            </a:extLst>
-          </p:cNvPr>
-          <p:cNvSpPr>
-            <a:spLocks noGrp="1"/>
-          </p:cNvSpPr>
-          <p:nvPr>
-            <p:ph idx="1"/>
-          </p:nvPr>
-        </p:nvSpPr>
-        <p:spPr/>
-        <p:txBody>
-          <a:bodyPr/>
-          <a:lstStyle/>
-          <a:p>
-            <a:r>
-              <a:rPr lang="ja-JP" altLang="en-US"/>
-              <a:t>ユーザベース協調フィルタリング</a:t>
-            </a:r>
-            <a:endParaRPr lang="en-US" altLang="ja-JP" dirty="0"/>
-          </a:p>
-          <a:p>
-            <a:pPr lvl="1"/>
-            <a:r>
-              <a:rPr lang="ja-JP" altLang="en-US"/>
-              <a:t>ユーザ同士の類似度を求めた後に，類似度の高かったユーザの購買商品をユーザに推薦する</a:t>
-            </a:r>
-            <a:endParaRPr lang="en-US" dirty="0"/>
-          </a:p>
-        </p:txBody>
-      </p:sp>
-      <p:sp>
-        <p:nvSpPr>
-          <p:cNvPr id="4" name="Slide Number Placeholder 3">
-            <a:extLst>
-              <a:ext uri="{FF2B5EF4-FFF2-40B4-BE49-F238E27FC236}">
-                <a16:creationId xmlns:a16="http://schemas.microsoft.com/office/drawing/2014/main" id="{07BCFC8F-FE87-8A42-B4E2-6ED65466781A}"/>
-              </a:ext>
-            </a:extLst>
-          </p:cNvPr>
-          <p:cNvSpPr>
-            <a:spLocks noGrp="1"/>
-          </p:cNvSpPr>
-          <p:nvPr>
-            <p:ph type="sldNum" sz="quarter" idx="12"/>
-          </p:nvPr>
-        </p:nvSpPr>
-        <p:spPr/>
-        <p:txBody>
-          <a:bodyPr/>
-          <a:lstStyle/>
-          <a:p>
-            <a:fld id="{BFE4183C-6F3A-9C43-8436-3416D3C0FE9F}" type="slidenum">
-              <a:rPr lang="en-US" smtClean="0"/>
-              <a:t>6</a:t>
-            </a:fld>
-            <a:endParaRPr lang="en-US" dirty="0"/>
-          </a:p>
-        </p:txBody>
-      </p:sp>
-      <p:pic>
-        <p:nvPicPr>
-          <p:cNvPr id="6" name="Graphic 5" descr="User">
-            <a:extLst>
-              <a:ext uri="{FF2B5EF4-FFF2-40B4-BE49-F238E27FC236}">
-                <a16:creationId xmlns:a16="http://schemas.microsoft.com/office/drawing/2014/main" id="{C612254A-997D-FE48-8C72-B4A047CFEED8}"/>
-              </a:ext>
-            </a:extLst>
-          </p:cNvPr>
-          <p:cNvPicPr>
-            <a:picLocks noChangeAspect="1"/>
-          </p:cNvPicPr>
-          <p:nvPr/>
-        </p:nvPicPr>
-        <p:blipFill>
-          <a:blip r:embed="rId2">
-            <a:extLst>
-              <a:ext uri="{96DAC541-7B7A-43D3-8B79-37D633B846F1}">
-                <asvg:svgBlip xmlns:asvg="http://schemas.microsoft.com/office/drawing/2016/SVG/main" r:embed="rId3"/>
-              </a:ext>
-            </a:extLst>
-          </a:blip>
-          <a:stretch>
-            <a:fillRect/>
-          </a:stretch>
-        </p:blipFill>
-        <p:spPr>
-          <a:xfrm>
-            <a:off x="1714642" y="3353364"/>
-            <a:ext cx="914400" cy="914400"/>
-          </a:xfrm>
-          <a:prstGeom prst="rect">
-            <a:avLst/>
-          </a:prstGeom>
-        </p:spPr>
-      </p:pic>
-      <p:pic>
-        <p:nvPicPr>
-          <p:cNvPr id="7" name="Graphic 6" descr="User">
-            <a:extLst>
-              <a:ext uri="{FF2B5EF4-FFF2-40B4-BE49-F238E27FC236}">
-                <a16:creationId xmlns:a16="http://schemas.microsoft.com/office/drawing/2014/main" id="{AABBA606-D969-CF40-A8CB-93FB09155744}"/>
-              </a:ext>
-            </a:extLst>
-          </p:cNvPr>
-          <p:cNvPicPr>
-            <a:picLocks noChangeAspect="1"/>
-          </p:cNvPicPr>
-          <p:nvPr/>
-        </p:nvPicPr>
-        <p:blipFill>
-          <a:blip r:embed="rId2">
-            <a:extLst>
-              <a:ext uri="{96DAC541-7B7A-43D3-8B79-37D633B846F1}">
-                <asvg:svgBlip xmlns:asvg="http://schemas.microsoft.com/office/drawing/2016/SVG/main" r:embed="rId3"/>
-              </a:ext>
-            </a:extLst>
-          </a:blip>
-          <a:stretch>
-            <a:fillRect/>
-          </a:stretch>
-        </p:blipFill>
-        <p:spPr>
-          <a:xfrm>
-            <a:off x="1714642" y="4484933"/>
-            <a:ext cx="914400" cy="914400"/>
-          </a:xfrm>
-          <a:prstGeom prst="rect">
-            <a:avLst/>
-          </a:prstGeom>
-        </p:spPr>
-      </p:pic>
-      <p:sp>
-        <p:nvSpPr>
-          <p:cNvPr id="8" name="TextBox 7">
-            <a:extLst>
-              <a:ext uri="{FF2B5EF4-FFF2-40B4-BE49-F238E27FC236}">
-                <a16:creationId xmlns:a16="http://schemas.microsoft.com/office/drawing/2014/main" id="{0D941AE5-C3AC-5B4D-85B2-05B61F84FC69}"/>
-              </a:ext>
-            </a:extLst>
-          </p:cNvPr>
-          <p:cNvSpPr txBox="1"/>
-          <p:nvPr/>
-        </p:nvSpPr>
-        <p:spPr>
-          <a:xfrm>
-            <a:off x="1679558" y="4121811"/>
-            <a:ext cx="994183" cy="369332"/>
-          </a:xfrm>
-          <a:prstGeom prst="rect">
-            <a:avLst/>
-          </a:prstGeom>
-          <a:noFill/>
-        </p:spPr>
-        <p:txBody>
-          <a:bodyPr wrap="none" rtlCol="0">
-            <a:spAutoFit/>
-          </a:bodyPr>
-          <a:lstStyle/>
-          <a:p>
-            <a:r>
-              <a:rPr lang="ja-JP" altLang="en-US"/>
-              <a:t>ユーザ</a:t>
-            </a:r>
-            <a:r>
-              <a:rPr lang="en-US" altLang="ja-JP" dirty="0"/>
-              <a:t>A</a:t>
-            </a:r>
-            <a:endParaRPr lang="en-US" dirty="0"/>
-          </a:p>
-        </p:txBody>
-      </p:sp>
-      <p:sp>
-        <p:nvSpPr>
-          <p:cNvPr id="9" name="TextBox 8">
-            <a:extLst>
-              <a:ext uri="{FF2B5EF4-FFF2-40B4-BE49-F238E27FC236}">
-                <a16:creationId xmlns:a16="http://schemas.microsoft.com/office/drawing/2014/main" id="{4F00C95D-A277-B649-AEE9-4D7F33D819BB}"/>
-              </a:ext>
-            </a:extLst>
-          </p:cNvPr>
-          <p:cNvSpPr txBox="1"/>
-          <p:nvPr/>
-        </p:nvSpPr>
-        <p:spPr>
-          <a:xfrm>
-            <a:off x="1677956" y="5225358"/>
-            <a:ext cx="987771" cy="369332"/>
-          </a:xfrm>
-          <a:prstGeom prst="rect">
-            <a:avLst/>
-          </a:prstGeom>
-          <a:noFill/>
-        </p:spPr>
-        <p:txBody>
-          <a:bodyPr wrap="none" rtlCol="0">
-            <a:spAutoFit/>
-          </a:bodyPr>
-          <a:lstStyle/>
-          <a:p>
-            <a:r>
-              <a:rPr lang="ja-JP" altLang="en-US"/>
-              <a:t>ユーザ</a:t>
-            </a:r>
-            <a:r>
-              <a:rPr lang="en-US" altLang="ja-JP" dirty="0"/>
-              <a:t>B</a:t>
-            </a:r>
-            <a:endParaRPr lang="en-US" dirty="0"/>
-          </a:p>
-        </p:txBody>
-      </p:sp>
-      <p:pic>
-        <p:nvPicPr>
-          <p:cNvPr id="10" name="Graphic 9" descr="User">
-            <a:extLst>
-              <a:ext uri="{FF2B5EF4-FFF2-40B4-BE49-F238E27FC236}">
-                <a16:creationId xmlns:a16="http://schemas.microsoft.com/office/drawing/2014/main" id="{91C54F3B-A0EF-DC43-8996-8A17347A7579}"/>
-              </a:ext>
-            </a:extLst>
-          </p:cNvPr>
-          <p:cNvPicPr>
-            <a:picLocks noChangeAspect="1"/>
-          </p:cNvPicPr>
-          <p:nvPr/>
-        </p:nvPicPr>
-        <p:blipFill>
-          <a:blip r:embed="rId2">
-            <a:extLst>
-              <a:ext uri="{96DAC541-7B7A-43D3-8B79-37D633B846F1}">
-                <asvg:svgBlip xmlns:asvg="http://schemas.microsoft.com/office/drawing/2016/SVG/main" r:embed="rId3"/>
-              </a:ext>
-            </a:extLst>
-          </a:blip>
-          <a:stretch>
-            <a:fillRect/>
-          </a:stretch>
-        </p:blipFill>
-        <p:spPr>
-          <a:xfrm>
-            <a:off x="1714642" y="5539486"/>
-            <a:ext cx="914400" cy="914400"/>
-          </a:xfrm>
-          <a:prstGeom prst="rect">
-            <a:avLst/>
-          </a:prstGeom>
-        </p:spPr>
-      </p:pic>
-      <p:sp>
-        <p:nvSpPr>
-          <p:cNvPr id="11" name="TextBox 10">
-            <a:extLst>
-              <a:ext uri="{FF2B5EF4-FFF2-40B4-BE49-F238E27FC236}">
-                <a16:creationId xmlns:a16="http://schemas.microsoft.com/office/drawing/2014/main" id="{C185897D-1889-8B4F-ADE1-913CED6390A3}"/>
-              </a:ext>
-            </a:extLst>
-          </p:cNvPr>
-          <p:cNvSpPr txBox="1"/>
-          <p:nvPr/>
-        </p:nvSpPr>
-        <p:spPr>
-          <a:xfrm>
-            <a:off x="1677956" y="6308091"/>
-            <a:ext cx="995785" cy="369332"/>
-          </a:xfrm>
-          <a:prstGeom prst="rect">
-            <a:avLst/>
-          </a:prstGeom>
-          <a:noFill/>
-        </p:spPr>
-        <p:txBody>
-          <a:bodyPr wrap="none" rtlCol="0">
-            <a:spAutoFit/>
-          </a:bodyPr>
-          <a:lstStyle/>
-          <a:p>
-            <a:r>
-              <a:rPr lang="ja-JP" altLang="en-US"/>
-              <a:t>ユーザ</a:t>
-            </a:r>
-            <a:r>
-              <a:rPr lang="en-US" altLang="ja-JP" dirty="0"/>
-              <a:t>C</a:t>
-            </a:r>
-            <a:endParaRPr lang="en-US" dirty="0"/>
-          </a:p>
-        </p:txBody>
-      </p:sp>
-      <p:cxnSp>
-        <p:nvCxnSpPr>
-          <p:cNvPr id="13" name="Curved Connector 12">
-            <a:extLst>
-              <a:ext uri="{FF2B5EF4-FFF2-40B4-BE49-F238E27FC236}">
-                <a16:creationId xmlns:a16="http://schemas.microsoft.com/office/drawing/2014/main" id="{B6945945-9504-874E-B810-060807D101FC}"/>
-              </a:ext>
-            </a:extLst>
-          </p:cNvPr>
-          <p:cNvCxnSpPr>
-            <a:stCxn id="6" idx="3"/>
-            <a:endCxn id="10" idx="3"/>
-          </p:cNvCxnSpPr>
-          <p:nvPr/>
-        </p:nvCxnSpPr>
-        <p:spPr>
-          <a:xfrm>
-            <a:off x="2629042" y="3810564"/>
-            <a:ext cx="12700" cy="2186122"/>
-          </a:xfrm>
-          <a:prstGeom prst="curvedConnector3">
-            <a:avLst>
-              <a:gd name="adj1" fmla="val 7347543"/>
-            </a:avLst>
-          </a:prstGeom>
-        </p:spPr>
-        <p:style>
-          <a:lnRef idx="1">
-            <a:schemeClr val="dk1"/>
-          </a:lnRef>
-          <a:fillRef idx="0">
-            <a:schemeClr val="dk1"/>
-          </a:fillRef>
-          <a:effectRef idx="0">
-            <a:schemeClr val="dk1"/>
-          </a:effectRef>
-          <a:fontRef idx="minor">
-            <a:schemeClr val="tx1"/>
-          </a:fontRef>
-        </p:style>
-      </p:cxnSp>
-      <p:cxnSp>
-        <p:nvCxnSpPr>
-          <p:cNvPr id="15" name="Curved Connector 14">
-            <a:extLst>
-              <a:ext uri="{FF2B5EF4-FFF2-40B4-BE49-F238E27FC236}">
-                <a16:creationId xmlns:a16="http://schemas.microsoft.com/office/drawing/2014/main" id="{E0D2F3FD-B979-9C40-A88A-BC60AF9A8391}"/>
-              </a:ext>
-            </a:extLst>
-          </p:cNvPr>
-          <p:cNvCxnSpPr>
-            <a:cxnSpLocks/>
-            <a:stCxn id="6" idx="3"/>
-            <a:endCxn id="7" idx="3"/>
-          </p:cNvCxnSpPr>
-          <p:nvPr/>
-        </p:nvCxnSpPr>
-        <p:spPr>
-          <a:xfrm>
-            <a:off x="2629042" y="3810564"/>
-            <a:ext cx="12700" cy="1131569"/>
-          </a:xfrm>
-          <a:prstGeom prst="curvedConnector3">
-            <a:avLst>
-              <a:gd name="adj1" fmla="val 1800000"/>
-            </a:avLst>
-          </a:prstGeom>
-        </p:spPr>
-        <p:style>
-          <a:lnRef idx="1">
-            <a:schemeClr val="dk1"/>
-          </a:lnRef>
-          <a:fillRef idx="0">
-            <a:schemeClr val="dk1"/>
-          </a:fillRef>
-          <a:effectRef idx="0">
-            <a:schemeClr val="dk1"/>
-          </a:effectRef>
-          <a:fontRef idx="minor">
-            <a:schemeClr val="tx1"/>
-          </a:fontRef>
-        </p:style>
-      </p:cxnSp>
-      <p:cxnSp>
-        <p:nvCxnSpPr>
-          <p:cNvPr id="18" name="Curved Connector 17">
-            <a:extLst>
-              <a:ext uri="{FF2B5EF4-FFF2-40B4-BE49-F238E27FC236}">
-                <a16:creationId xmlns:a16="http://schemas.microsoft.com/office/drawing/2014/main" id="{A53A3303-8C34-8D4F-93FD-3CC768AFFB6D}"/>
-              </a:ext>
-            </a:extLst>
-          </p:cNvPr>
-          <p:cNvCxnSpPr>
-            <a:cxnSpLocks/>
-            <a:stCxn id="7" idx="3"/>
-            <a:endCxn id="10" idx="3"/>
-          </p:cNvCxnSpPr>
-          <p:nvPr/>
-        </p:nvCxnSpPr>
-        <p:spPr>
-          <a:xfrm>
-            <a:off x="2629042" y="4942133"/>
-            <a:ext cx="12700" cy="1054553"/>
-          </a:xfrm>
-          <a:prstGeom prst="curvedConnector3">
-            <a:avLst>
-              <a:gd name="adj1" fmla="val 1800000"/>
-            </a:avLst>
-          </a:prstGeom>
-        </p:spPr>
-        <p:style>
-          <a:lnRef idx="1">
-            <a:schemeClr val="dk1"/>
-          </a:lnRef>
-          <a:fillRef idx="0">
-            <a:schemeClr val="dk1"/>
-          </a:fillRef>
-          <a:effectRef idx="0">
-            <a:schemeClr val="dk1"/>
-          </a:effectRef>
-          <a:fontRef idx="minor">
-            <a:schemeClr val="tx1"/>
-          </a:fontRef>
-        </p:style>
-      </p:cxnSp>
-      <p:sp>
-        <p:nvSpPr>
-          <p:cNvPr id="24" name="TextBox 23">
-            <a:extLst>
-              <a:ext uri="{FF2B5EF4-FFF2-40B4-BE49-F238E27FC236}">
-                <a16:creationId xmlns:a16="http://schemas.microsoft.com/office/drawing/2014/main" id="{EAFD3CCE-3514-D64D-A66D-C2537082DFCA}"/>
-              </a:ext>
-            </a:extLst>
-          </p:cNvPr>
-          <p:cNvSpPr txBox="1"/>
-          <p:nvPr/>
-        </p:nvSpPr>
-        <p:spPr>
-          <a:xfrm>
-            <a:off x="3556142" y="4718959"/>
-            <a:ext cx="513282" cy="369332"/>
-          </a:xfrm>
-          <a:prstGeom prst="rect">
-            <a:avLst/>
-          </a:prstGeom>
-          <a:noFill/>
-        </p:spPr>
-        <p:txBody>
-          <a:bodyPr wrap="none" rtlCol="0">
-            <a:spAutoFit/>
-          </a:bodyPr>
-          <a:lstStyle/>
-          <a:p>
-            <a:r>
-              <a:rPr lang="en-US" dirty="0"/>
-              <a:t>0.7</a:t>
-            </a:r>
-          </a:p>
-        </p:txBody>
-      </p:sp>
-      <p:sp>
-        <p:nvSpPr>
-          <p:cNvPr id="25" name="TextBox 24">
-            <a:extLst>
-              <a:ext uri="{FF2B5EF4-FFF2-40B4-BE49-F238E27FC236}">
-                <a16:creationId xmlns:a16="http://schemas.microsoft.com/office/drawing/2014/main" id="{5D94EA76-9ACA-D84B-88EF-0CF06B86AA0C}"/>
-              </a:ext>
-            </a:extLst>
-          </p:cNvPr>
-          <p:cNvSpPr txBox="1"/>
-          <p:nvPr/>
-        </p:nvSpPr>
-        <p:spPr>
-          <a:xfrm>
-            <a:off x="2829601" y="4199366"/>
-            <a:ext cx="513282" cy="369332"/>
-          </a:xfrm>
-          <a:prstGeom prst="rect">
-            <a:avLst/>
-          </a:prstGeom>
-          <a:noFill/>
-        </p:spPr>
-        <p:txBody>
-          <a:bodyPr wrap="none" rtlCol="0">
-            <a:spAutoFit/>
-          </a:bodyPr>
-          <a:lstStyle/>
-          <a:p>
-            <a:r>
-              <a:rPr lang="en-US" dirty="0"/>
-              <a:t>0.5</a:t>
-            </a:r>
-          </a:p>
-        </p:txBody>
-      </p:sp>
-      <p:sp>
-        <p:nvSpPr>
-          <p:cNvPr id="26" name="TextBox 25">
-            <a:extLst>
-              <a:ext uri="{FF2B5EF4-FFF2-40B4-BE49-F238E27FC236}">
-                <a16:creationId xmlns:a16="http://schemas.microsoft.com/office/drawing/2014/main" id="{8E55F7C4-6FA8-E54E-9943-34E64EDE9A33}"/>
-              </a:ext>
-            </a:extLst>
-          </p:cNvPr>
-          <p:cNvSpPr txBox="1"/>
-          <p:nvPr/>
-        </p:nvSpPr>
-        <p:spPr>
-          <a:xfrm>
-            <a:off x="2866286" y="5284743"/>
-            <a:ext cx="513282" cy="369332"/>
-          </a:xfrm>
-          <a:prstGeom prst="rect">
-            <a:avLst/>
-          </a:prstGeom>
-          <a:noFill/>
-        </p:spPr>
-        <p:txBody>
-          <a:bodyPr wrap="none" rtlCol="0">
-            <a:spAutoFit/>
-          </a:bodyPr>
-          <a:lstStyle/>
-          <a:p>
-            <a:r>
-              <a:rPr lang="en-US" dirty="0"/>
-              <a:t>0.4</a:t>
-            </a:r>
-          </a:p>
-        </p:txBody>
-      </p:sp>
-      <p:sp>
-        <p:nvSpPr>
-          <p:cNvPr id="27" name="Right Arrow 26">
-            <a:extLst>
-              <a:ext uri="{FF2B5EF4-FFF2-40B4-BE49-F238E27FC236}">
-                <a16:creationId xmlns:a16="http://schemas.microsoft.com/office/drawing/2014/main" id="{7C23CD23-F3B6-8C46-B751-1F8AC5601B25}"/>
-              </a:ext>
-            </a:extLst>
-          </p:cNvPr>
-          <p:cNvSpPr/>
-          <p:nvPr/>
-        </p:nvSpPr>
-        <p:spPr>
-          <a:xfrm>
-            <a:off x="4309794" y="4675025"/>
-            <a:ext cx="494270" cy="457200"/>
-          </a:xfrm>
-          <a:prstGeom prst="rightArrow">
-            <a:avLst/>
-          </a:prstGeom>
-          <a:solidFill>
-            <a:schemeClr val="accent4">
-              <a:lumMod val="60000"/>
-              <a:lumOff val="40000"/>
-            </a:schemeClr>
-          </a:solidFill>
-          <a:ln>
-            <a:solidFill>
-              <a:schemeClr val="accent4">
-                <a:lumMod val="60000"/>
-                <a:lumOff val="40000"/>
-              </a:schemeClr>
-            </a:solidFill>
-          </a:ln>
-        </p:spPr>
-        <p:style>
-          <a:lnRef idx="2">
-            <a:schemeClr val="accent1">
-              <a:shade val="50000"/>
-            </a:schemeClr>
-          </a:lnRef>
-          <a:fillRef idx="1">
-            <a:schemeClr val="accent1"/>
-          </a:fillRef>
-          <a:effectRef idx="0">
-            <a:schemeClr val="accent1"/>
-          </a:effectRef>
-          <a:fontRef idx="minor">
-            <a:schemeClr val="lt1"/>
-          </a:fontRef>
-        </p:style>
-        <p:txBody>
-          <a:bodyPr rtlCol="0" anchor="ctr"/>
-          <a:lstStyle/>
-          <a:p>
-            <a:pPr algn="ctr"/>
-            <a:endParaRPr lang="en-US" dirty="0">
-              <a:solidFill>
-                <a:schemeClr val="accent4">
-                  <a:lumMod val="75000"/>
-                </a:schemeClr>
-              </a:solidFill>
-            </a:endParaRPr>
-          </a:p>
-        </p:txBody>
-      </p:sp>
-      <p:sp>
-        <p:nvSpPr>
-          <p:cNvPr id="28" name="TextBox 27">
-            <a:extLst>
-              <a:ext uri="{FF2B5EF4-FFF2-40B4-BE49-F238E27FC236}">
-                <a16:creationId xmlns:a16="http://schemas.microsoft.com/office/drawing/2014/main" id="{8D3E1651-F437-5149-BBA8-0A80A646D788}"/>
-              </a:ext>
-            </a:extLst>
-          </p:cNvPr>
-          <p:cNvSpPr txBox="1"/>
-          <p:nvPr/>
-        </p:nvSpPr>
-        <p:spPr>
-          <a:xfrm>
-            <a:off x="5044434" y="4675025"/>
-            <a:ext cx="4637808" cy="369332"/>
-          </a:xfrm>
-          <a:prstGeom prst="rect">
-            <a:avLst/>
-          </a:prstGeom>
-          <a:noFill/>
-        </p:spPr>
-        <p:txBody>
-          <a:bodyPr wrap="none" rtlCol="0">
-            <a:spAutoFit/>
-          </a:bodyPr>
-          <a:lstStyle/>
-          <a:p>
-            <a:r>
-              <a:rPr lang="ja-JP" altLang="en-US"/>
-              <a:t>ユーザ</a:t>
-            </a:r>
-            <a:r>
-              <a:rPr lang="en-US" altLang="ja-JP" dirty="0"/>
-              <a:t>A</a:t>
-            </a:r>
-            <a:r>
-              <a:rPr lang="ja-JP" altLang="en-US"/>
-              <a:t>にユーザ</a:t>
-            </a:r>
-            <a:r>
-              <a:rPr lang="en-US" altLang="ja-JP" dirty="0"/>
-              <a:t>C</a:t>
-            </a:r>
-            <a:r>
-              <a:rPr lang="ja-JP" altLang="en-US"/>
-              <a:t>が購買している商品を推薦</a:t>
-            </a:r>
-            <a:endParaRPr lang="en-US" dirty="0"/>
-          </a:p>
-        </p:txBody>
-      </p:sp>
-    </p:spTree>
-    <p:extLst>
-      <p:ext uri="{BB962C8B-B14F-4D97-AF65-F5344CB8AC3E}">
-        <p14:creationId xmlns:p14="http://schemas.microsoft.com/office/powerpoint/2010/main" val="1161988514"/>
-      </p:ext>
-    </p:extLst>
-  </p:cSld>
-  <p:clrMapOvr>
-    <a:masterClrMapping/>
-  </p:clrMapOvr>
-</p:sld>
-</file>
-
-<file path=ppt/slides/slide8.xml><?xml version="1.0" encoding="utf-8"?>
-<p:sld xmlns:a="http://schemas.openxmlformats.org/drawingml/2006/main" xmlns:r="http://schemas.openxmlformats.org/officeDocument/2006/relationships" xmlns:p="http://schemas.openxmlformats.org/presentationml/2006/main">
-  <p:cSld>
-    <p:spTree>
-      <p:nvGrpSpPr>
-        <p:cNvPr id="1" name=""/>
-        <p:cNvGrpSpPr/>
-        <p:nvPr/>
-      </p:nvGrpSpPr>
-      <p:grpSpPr>
-        <a:xfrm>
-          <a:off x="0" y="0"/>
-          <a:ext cx="0" cy="0"/>
-          <a:chOff x="0" y="0"/>
-          <a:chExt cx="0" cy="0"/>
-        </a:xfrm>
-      </p:grpSpPr>
-      <p:sp>
-        <p:nvSpPr>
-          <p:cNvPr id="2" name="Title 1">
-            <a:extLst>
-              <a:ext uri="{FF2B5EF4-FFF2-40B4-BE49-F238E27FC236}">
-                <a16:creationId xmlns:a16="http://schemas.microsoft.com/office/drawing/2014/main" id="{D66D158D-863A-C44A-8431-5FF0B3F5D003}"/>
-              </a:ext>
-            </a:extLst>
-          </p:cNvPr>
-          <p:cNvSpPr>
-            <a:spLocks noGrp="1"/>
-          </p:cNvSpPr>
-          <p:nvPr>
-            <p:ph type="title"/>
-          </p:nvPr>
-        </p:nvSpPr>
-        <p:spPr/>
-        <p:txBody>
-          <a:bodyPr/>
-          <a:lstStyle/>
-          <a:p>
-            <a:r>
-              <a:rPr lang="ja-JP" altLang="en-US"/>
-              <a:t>推薦アルゴリズム</a:t>
-            </a:r>
-            <a:endParaRPr lang="en-US" dirty="0"/>
-          </a:p>
-        </p:txBody>
-      </p:sp>
-      <p:sp>
-        <p:nvSpPr>
-          <p:cNvPr id="3" name="Content Placeholder 2">
-            <a:extLst>
-              <a:ext uri="{FF2B5EF4-FFF2-40B4-BE49-F238E27FC236}">
-                <a16:creationId xmlns:a16="http://schemas.microsoft.com/office/drawing/2014/main" id="{30E7B293-F481-5C4F-9D99-C235B6764306}"/>
-              </a:ext>
-            </a:extLst>
-          </p:cNvPr>
-          <p:cNvSpPr>
-            <a:spLocks noGrp="1"/>
-          </p:cNvSpPr>
-          <p:nvPr>
-            <p:ph idx="1"/>
-          </p:nvPr>
-        </p:nvSpPr>
-        <p:spPr>
-          <a:xfrm>
-            <a:off x="680321" y="2336873"/>
-            <a:ext cx="9613861" cy="3599316"/>
-          </a:xfrm>
-        </p:spPr>
-        <p:txBody>
-          <a:bodyPr/>
-          <a:lstStyle/>
-          <a:p>
-            <a:r>
-              <a:rPr lang="en-US" dirty="0"/>
-              <a:t>Matrix Factorization</a:t>
-            </a:r>
-          </a:p>
-        </p:txBody>
-      </p:sp>
-      <p:sp>
-        <p:nvSpPr>
-          <p:cNvPr id="4" name="Slide Number Placeholder 3">
-            <a:extLst>
-              <a:ext uri="{FF2B5EF4-FFF2-40B4-BE49-F238E27FC236}">
-                <a16:creationId xmlns:a16="http://schemas.microsoft.com/office/drawing/2014/main" id="{1DCB1A9C-FB0F-274C-A11B-8B1B11D9C663}"/>
-              </a:ext>
-            </a:extLst>
-          </p:cNvPr>
-          <p:cNvSpPr>
-            <a:spLocks noGrp="1"/>
-          </p:cNvSpPr>
-          <p:nvPr>
-            <p:ph type="sldNum" sz="quarter" idx="12"/>
-          </p:nvPr>
-        </p:nvSpPr>
-        <p:spPr/>
-        <p:txBody>
-          <a:bodyPr/>
-          <a:lstStyle/>
-          <a:p>
-            <a:fld id="{BFE4183C-6F3A-9C43-8436-3416D3C0FE9F}" type="slidenum">
-              <a:rPr lang="en-US" smtClean="0"/>
-              <a:t>7</a:t>
-            </a:fld>
-            <a:endParaRPr lang="en-US" dirty="0"/>
-          </a:p>
-        </p:txBody>
-      </p:sp>
-      <mc:AlternateContent xmlns:mc="http://schemas.openxmlformats.org/markup-compatibility/2006">
-        <mc:Choice xmlns:a14="http://schemas.microsoft.com/office/drawing/2010/main" Requires="a14">
-          <p:sp>
-            <p:nvSpPr>
-              <p:cNvPr id="5" name="Rectangle 4">
-                <a:extLst>
-                  <a:ext uri="{FF2B5EF4-FFF2-40B4-BE49-F238E27FC236}">
-                    <a16:creationId xmlns:a16="http://schemas.microsoft.com/office/drawing/2014/main" id="{845F460B-8084-E042-A21E-857F00E27F23}"/>
-                  </a:ext>
-                </a:extLst>
-              </p:cNvPr>
-              <p:cNvSpPr/>
-              <p:nvPr/>
-            </p:nvSpPr>
-            <p:spPr>
-              <a:xfrm>
-                <a:off x="1449277" y="3222716"/>
-                <a:ext cx="2382982" cy="2105891"/>
-              </a:xfrm>
-              <a:prstGeom prst="rect">
-                <a:avLst/>
-              </a:prstGeom>
-            </p:spPr>
-            <p:style>
-              <a:lnRef idx="2">
-                <a:schemeClr val="accent1">
-                  <a:shade val="50000"/>
-                </a:schemeClr>
-              </a:lnRef>
-              <a:fillRef idx="1">
-                <a:schemeClr val="accent1"/>
-              </a:fillRef>
-              <a:effectRef idx="0">
-                <a:schemeClr val="accent1"/>
-              </a:effectRef>
-              <a:fontRef idx="minor">
-                <a:schemeClr val="lt1"/>
-              </a:fontRef>
-            </p:style>
-            <p:txBody>
-              <a:bodyPr rtlCol="0" anchor="ctr"/>
-              <a:lstStyle/>
-              <a:p>
-                <a:pPr algn="ctr"/>
-                <a:r>
-                  <a:rPr lang="ja-JP" altLang="en-US" sz="1400"/>
-                  <a:t>ユーザ数</a:t>
-                </a:r>
-                <a14:m>
-                  <m:oMath xmlns:m="http://schemas.openxmlformats.org/officeDocument/2006/math">
-                    <m:r>
-                      <a:rPr lang="en-US" sz="1400" b="0" i="1" smtClean="0">
-                        <a:latin typeface="Cambria Math" panose="02040503050406030204" pitchFamily="18" charset="0"/>
-                      </a:rPr>
-                      <m:t>𝑀</m:t>
-                    </m:r>
-                    <m:r>
-                      <a:rPr lang="en-US" sz="1400" b="0" i="1" smtClean="0">
-                        <a:latin typeface="Cambria Math" panose="02040503050406030204" pitchFamily="18" charset="0"/>
-                      </a:rPr>
-                      <m:t> </m:t>
-                    </m:r>
-                  </m:oMath>
-                </a14:m>
-                <a:r>
-                  <a:rPr lang="ja-JP" altLang="en-US" sz="1400"/>
-                  <a:t>，アイテム数</a:t>
-                </a:r>
-                <a14:m>
-                  <m:oMath xmlns:m="http://schemas.openxmlformats.org/officeDocument/2006/math">
-                    <m:r>
-                      <a:rPr lang="en-US" sz="1400" b="0" i="1" smtClean="0">
-                        <a:latin typeface="Cambria Math" panose="02040503050406030204" pitchFamily="18" charset="0"/>
-                      </a:rPr>
-                      <m:t>𝑁</m:t>
-                    </m:r>
-                  </m:oMath>
-                </a14:m>
-                <a:endParaRPr lang="en-US" sz="1400" dirty="0"/>
-              </a:p>
-              <a:p>
-                <a:pPr algn="ctr"/>
-                <a:r>
-                  <a:rPr lang="ja-JP" altLang="en-US" sz="1400"/>
-                  <a:t>の行列</a:t>
-                </a:r>
-                <a:endParaRPr lang="en-US" sz="1400" dirty="0"/>
-              </a:p>
-            </p:txBody>
-          </p:sp>
-        </mc:Choice>
-        <mc:Fallback>
-          <p:sp>
-            <p:nvSpPr>
-              <p:cNvPr id="5" name="Rectangle 4">
-                <a:extLst>
-                  <a:ext uri="{FF2B5EF4-FFF2-40B4-BE49-F238E27FC236}">
-                    <a16:creationId xmlns:a16="http://schemas.microsoft.com/office/drawing/2014/main" id="{845F460B-8084-E042-A21E-857F00E27F23}"/>
-                  </a:ext>
-                </a:extLst>
-              </p:cNvPr>
-              <p:cNvSpPr>
-                <a:spLocks noRot="1" noChangeAspect="1" noMove="1" noResize="1" noEditPoints="1" noAdjustHandles="1" noChangeArrowheads="1" noChangeShapeType="1" noTextEdit="1"/>
-              </p:cNvSpPr>
-              <p:nvPr/>
-            </p:nvSpPr>
-            <p:spPr>
-              <a:xfrm>
-                <a:off x="1449277" y="3222716"/>
-                <a:ext cx="2382982" cy="2105891"/>
-              </a:xfrm>
-              <a:prstGeom prst="rect">
-                <a:avLst/>
-              </a:prstGeom>
-              <a:blipFill>
-                <a:blip r:embed="rId2"/>
-                <a:stretch>
-                  <a:fillRect/>
-                </a:stretch>
-              </a:blipFill>
-            </p:spPr>
-            <p:txBody>
-              <a:bodyPr/>
-              <a:lstStyle/>
-              <a:p>
-                <a:r>
-                  <a:rPr lang="en-US">
-                    <a:noFill/>
-                  </a:rPr>
-                  <a:t> </a:t>
-                </a:r>
-              </a:p>
-            </p:txBody>
-          </p:sp>
-        </mc:Fallback>
-      </mc:AlternateContent>
-      <mc:AlternateContent xmlns:mc="http://schemas.openxmlformats.org/markup-compatibility/2006">
-        <mc:Choice xmlns:a14="http://schemas.microsoft.com/office/drawing/2010/main" Requires="a14">
-          <p:sp>
-            <p:nvSpPr>
-              <p:cNvPr id="6" name="TextBox 5">
-                <a:extLst>
-                  <a:ext uri="{FF2B5EF4-FFF2-40B4-BE49-F238E27FC236}">
-                    <a16:creationId xmlns:a16="http://schemas.microsoft.com/office/drawing/2014/main" id="{542B958C-E4B4-3E49-A6C7-A991A236C961}"/>
-                  </a:ext>
-                </a:extLst>
-              </p:cNvPr>
-              <p:cNvSpPr txBox="1"/>
-              <p:nvPr/>
-            </p:nvSpPr>
-            <p:spPr>
-              <a:xfrm>
-                <a:off x="760062" y="4090994"/>
-                <a:ext cx="456407" cy="369332"/>
-              </a:xfrm>
-              <a:prstGeom prst="rect">
-                <a:avLst/>
-              </a:prstGeom>
-              <a:noFill/>
-            </p:spPr>
-            <p:txBody>
-              <a:bodyPr wrap="none" rtlCol="0">
-                <a:spAutoFit/>
-              </a:bodyPr>
-              <a:lstStyle/>
-              <a:p>
-                <a14:m>
-                  <m:oMathPara xmlns:m="http://schemas.openxmlformats.org/officeDocument/2006/math">
-                    <m:oMathParaPr>
-                      <m:jc m:val="centerGroup"/>
-                    </m:oMathParaPr>
-                    <m:oMath xmlns:m="http://schemas.openxmlformats.org/officeDocument/2006/math">
-                      <m:r>
-                        <a:rPr lang="en-US" b="0" i="1" smtClean="0">
-                          <a:latin typeface="Cambria Math" panose="02040503050406030204" pitchFamily="18" charset="0"/>
-                        </a:rPr>
-                        <m:t>𝑀</m:t>
-                      </m:r>
-                    </m:oMath>
-                  </m:oMathPara>
-                </a14:m>
-                <a:endParaRPr lang="en-US" dirty="0"/>
-              </a:p>
-            </p:txBody>
-          </p:sp>
-        </mc:Choice>
-        <mc:Fallback>
-          <p:sp>
-            <p:nvSpPr>
-              <p:cNvPr id="6" name="TextBox 5">
-                <a:extLst>
-                  <a:ext uri="{FF2B5EF4-FFF2-40B4-BE49-F238E27FC236}">
-                    <a16:creationId xmlns:a16="http://schemas.microsoft.com/office/drawing/2014/main" id="{542B958C-E4B4-3E49-A6C7-A991A236C961}"/>
-                  </a:ext>
-                </a:extLst>
-              </p:cNvPr>
-              <p:cNvSpPr txBox="1">
-                <a:spLocks noRot="1" noChangeAspect="1" noMove="1" noResize="1" noEditPoints="1" noAdjustHandles="1" noChangeArrowheads="1" noChangeShapeType="1" noTextEdit="1"/>
-              </p:cNvSpPr>
-              <p:nvPr/>
-            </p:nvSpPr>
-            <p:spPr>
-              <a:xfrm>
-                <a:off x="760062" y="4090994"/>
-                <a:ext cx="456407" cy="369332"/>
-              </a:xfrm>
-              <a:prstGeom prst="rect">
-                <a:avLst/>
-              </a:prstGeom>
-              <a:blipFill>
-                <a:blip r:embed="rId3"/>
-                <a:stretch>
-                  <a:fillRect/>
-                </a:stretch>
-              </a:blipFill>
-            </p:spPr>
-            <p:txBody>
-              <a:bodyPr/>
-              <a:lstStyle/>
-              <a:p>
-                <a:r>
-                  <a:rPr lang="en-US">
-                    <a:noFill/>
-                  </a:rPr>
-                  <a:t> </a:t>
-                </a:r>
-              </a:p>
-            </p:txBody>
-          </p:sp>
-        </mc:Fallback>
-      </mc:AlternateContent>
-      <mc:AlternateContent xmlns:mc="http://schemas.openxmlformats.org/markup-compatibility/2006">
-        <mc:Choice xmlns:a14="http://schemas.microsoft.com/office/drawing/2010/main" Requires="a14">
-          <p:sp>
-            <p:nvSpPr>
-              <p:cNvPr id="7" name="TextBox 6">
-                <a:extLst>
-                  <a:ext uri="{FF2B5EF4-FFF2-40B4-BE49-F238E27FC236}">
-                    <a16:creationId xmlns:a16="http://schemas.microsoft.com/office/drawing/2014/main" id="{BFECD7D0-0856-974D-B2D4-22D0B75CE4BD}"/>
-                  </a:ext>
-                </a:extLst>
-              </p:cNvPr>
-              <p:cNvSpPr txBox="1"/>
-              <p:nvPr/>
-            </p:nvSpPr>
-            <p:spPr>
-              <a:xfrm>
-                <a:off x="2498825" y="2677466"/>
-                <a:ext cx="427553" cy="369332"/>
-              </a:xfrm>
-              <a:prstGeom prst="rect">
-                <a:avLst/>
-              </a:prstGeom>
-              <a:noFill/>
-            </p:spPr>
-            <p:txBody>
-              <a:bodyPr wrap="none" rtlCol="0">
-                <a:spAutoFit/>
-              </a:bodyPr>
-              <a:lstStyle/>
-              <a:p>
-                <a14:m>
-                  <m:oMathPara xmlns:m="http://schemas.openxmlformats.org/officeDocument/2006/math">
-                    <m:oMathParaPr>
-                      <m:jc m:val="centerGroup"/>
-                    </m:oMathParaPr>
-                    <m:oMath xmlns:m="http://schemas.openxmlformats.org/officeDocument/2006/math">
-                      <m:r>
-                        <a:rPr lang="en-US" b="0" i="1" smtClean="0">
-                          <a:latin typeface="Cambria Math" panose="02040503050406030204" pitchFamily="18" charset="0"/>
-                        </a:rPr>
-                        <m:t>𝑁</m:t>
-                      </m:r>
-                    </m:oMath>
-                  </m:oMathPara>
-                </a14:m>
-                <a:endParaRPr lang="en-US" dirty="0"/>
-              </a:p>
-            </p:txBody>
-          </p:sp>
-        </mc:Choice>
-        <mc:Fallback>
-          <p:sp>
-            <p:nvSpPr>
-              <p:cNvPr id="7" name="TextBox 6">
-                <a:extLst>
-                  <a:ext uri="{FF2B5EF4-FFF2-40B4-BE49-F238E27FC236}">
-                    <a16:creationId xmlns:a16="http://schemas.microsoft.com/office/drawing/2014/main" id="{BFECD7D0-0856-974D-B2D4-22D0B75CE4BD}"/>
-                  </a:ext>
-                </a:extLst>
-              </p:cNvPr>
-              <p:cNvSpPr txBox="1">
-                <a:spLocks noRot="1" noChangeAspect="1" noMove="1" noResize="1" noEditPoints="1" noAdjustHandles="1" noChangeArrowheads="1" noChangeShapeType="1" noTextEdit="1"/>
-              </p:cNvSpPr>
-              <p:nvPr/>
-            </p:nvSpPr>
-            <p:spPr>
-              <a:xfrm>
-                <a:off x="2498825" y="2677466"/>
-                <a:ext cx="427553" cy="369332"/>
-              </a:xfrm>
-              <a:prstGeom prst="rect">
-                <a:avLst/>
-              </a:prstGeom>
-              <a:blipFill>
-                <a:blip r:embed="rId4"/>
-                <a:stretch>
-                  <a:fillRect/>
-                </a:stretch>
-              </a:blipFill>
-            </p:spPr>
-            <p:txBody>
-              <a:bodyPr/>
-              <a:lstStyle/>
-              <a:p>
-                <a:r>
-                  <a:rPr lang="en-US">
-                    <a:noFill/>
-                  </a:rPr>
-                  <a:t> </a:t>
-                </a:r>
-              </a:p>
-            </p:txBody>
-          </p:sp>
-        </mc:Fallback>
-      </mc:AlternateContent>
-      <mc:AlternateContent xmlns:mc="http://schemas.openxmlformats.org/markup-compatibility/2006">
-        <mc:Choice xmlns:a14="http://schemas.microsoft.com/office/drawing/2010/main" Requires="a14">
-          <p:sp>
-            <p:nvSpPr>
-              <p:cNvPr id="8" name="TextBox 7">
-                <a:extLst>
-                  <a:ext uri="{FF2B5EF4-FFF2-40B4-BE49-F238E27FC236}">
-                    <a16:creationId xmlns:a16="http://schemas.microsoft.com/office/drawing/2014/main" id="{492DF486-A027-B04F-BA3F-B809F86E3FD9}"/>
-                  </a:ext>
-                </a:extLst>
-              </p:cNvPr>
-              <p:cNvSpPr txBox="1"/>
-              <p:nvPr/>
-            </p:nvSpPr>
-            <p:spPr>
-              <a:xfrm>
-                <a:off x="4041439" y="4044828"/>
-                <a:ext cx="503663" cy="461665"/>
-              </a:xfrm>
-              <a:prstGeom prst="rect">
-                <a:avLst/>
-              </a:prstGeom>
-              <a:noFill/>
-            </p:spPr>
-            <p:txBody>
-              <a:bodyPr wrap="none" rtlCol="0">
-                <a:spAutoFit/>
-              </a:bodyPr>
-              <a:lstStyle/>
-              <a:p>
-                <a14:m>
-                  <m:oMathPara xmlns:m="http://schemas.openxmlformats.org/officeDocument/2006/math">
-                    <m:oMathParaPr>
-                      <m:jc m:val="centerGroup"/>
-                    </m:oMathParaPr>
-                    <m:oMath xmlns:m="http://schemas.openxmlformats.org/officeDocument/2006/math">
-                      <m:r>
-                        <a:rPr lang="en-US" sz="2400" b="0" i="1" smtClean="0">
-                          <a:latin typeface="Cambria Math" panose="02040503050406030204" pitchFamily="18" charset="0"/>
-                          <a:ea typeface="Cambria Math" panose="02040503050406030204" pitchFamily="18" charset="0"/>
-                        </a:rPr>
-                        <m:t>≈</m:t>
-                      </m:r>
-                    </m:oMath>
-                  </m:oMathPara>
-                </a14:m>
-                <a:endParaRPr lang="en-US" sz="2400" dirty="0"/>
-              </a:p>
-            </p:txBody>
-          </p:sp>
-        </mc:Choice>
-        <mc:Fallback>
-          <p:sp>
-            <p:nvSpPr>
-              <p:cNvPr id="8" name="TextBox 7">
-                <a:extLst>
-                  <a:ext uri="{FF2B5EF4-FFF2-40B4-BE49-F238E27FC236}">
-                    <a16:creationId xmlns:a16="http://schemas.microsoft.com/office/drawing/2014/main" id="{492DF486-A027-B04F-BA3F-B809F86E3FD9}"/>
-                  </a:ext>
-                </a:extLst>
-              </p:cNvPr>
-              <p:cNvSpPr txBox="1">
-                <a:spLocks noRot="1" noChangeAspect="1" noMove="1" noResize="1" noEditPoints="1" noAdjustHandles="1" noChangeArrowheads="1" noChangeShapeType="1" noTextEdit="1"/>
-              </p:cNvSpPr>
-              <p:nvPr/>
-            </p:nvSpPr>
-            <p:spPr>
-              <a:xfrm>
-                <a:off x="4041439" y="4044828"/>
-                <a:ext cx="503663" cy="461665"/>
-              </a:xfrm>
-              <a:prstGeom prst="rect">
-                <a:avLst/>
-              </a:prstGeom>
-              <a:blipFill>
-                <a:blip r:embed="rId5"/>
-                <a:stretch>
-                  <a:fillRect/>
-                </a:stretch>
-              </a:blipFill>
-            </p:spPr>
-            <p:txBody>
-              <a:bodyPr/>
-              <a:lstStyle/>
-              <a:p>
-                <a:r>
-                  <a:rPr lang="en-US">
-                    <a:noFill/>
-                  </a:rPr>
-                  <a:t> </a:t>
-                </a:r>
-              </a:p>
-            </p:txBody>
-          </p:sp>
-        </mc:Fallback>
-      </mc:AlternateContent>
-      <p:sp>
-        <p:nvSpPr>
-          <p:cNvPr id="9" name="Rectangle 8">
-            <a:extLst>
-              <a:ext uri="{FF2B5EF4-FFF2-40B4-BE49-F238E27FC236}">
-                <a16:creationId xmlns:a16="http://schemas.microsoft.com/office/drawing/2014/main" id="{164FB87A-55B2-ED41-BF5D-91481B5CC67C}"/>
-              </a:ext>
-            </a:extLst>
-          </p:cNvPr>
-          <p:cNvSpPr/>
-          <p:nvPr/>
-        </p:nvSpPr>
-        <p:spPr>
-          <a:xfrm>
-            <a:off x="5134785" y="3222716"/>
-            <a:ext cx="1073031" cy="2105891"/>
-          </a:xfrm>
-          <a:prstGeom prst="rect">
-            <a:avLst/>
-          </a:prstGeom>
-          <a:solidFill>
-            <a:srgbClr val="00B050"/>
-          </a:solidFill>
-        </p:spPr>
-        <p:style>
-          <a:lnRef idx="2">
-            <a:schemeClr val="accent1">
-              <a:shade val="50000"/>
-            </a:schemeClr>
-          </a:lnRef>
-          <a:fillRef idx="1">
-            <a:schemeClr val="accent1"/>
-          </a:fillRef>
-          <a:effectRef idx="0">
-            <a:schemeClr val="accent1"/>
-          </a:effectRef>
-          <a:fontRef idx="minor">
-            <a:schemeClr val="lt1"/>
-          </a:fontRef>
-        </p:style>
-        <p:txBody>
-          <a:bodyPr rtlCol="0" anchor="ctr"/>
-          <a:lstStyle/>
-          <a:p>
-            <a:pPr algn="ctr"/>
-            <a:r>
-              <a:rPr lang="ja-JP" altLang="en-US" sz="1400"/>
-              <a:t>ユーザ行列</a:t>
-            </a:r>
-            <a:endParaRPr lang="en-US" sz="1400" dirty="0"/>
-          </a:p>
-        </p:txBody>
-      </p:sp>
-      <p:sp>
-        <p:nvSpPr>
-          <p:cNvPr id="10" name="Rectangle 9">
-            <a:extLst>
-              <a:ext uri="{FF2B5EF4-FFF2-40B4-BE49-F238E27FC236}">
-                <a16:creationId xmlns:a16="http://schemas.microsoft.com/office/drawing/2014/main" id="{64187A64-9E10-DB4C-835B-44813848EC7D}"/>
-              </a:ext>
-            </a:extLst>
-          </p:cNvPr>
-          <p:cNvSpPr/>
-          <p:nvPr/>
-        </p:nvSpPr>
-        <p:spPr>
-          <a:xfrm>
-            <a:off x="7018958" y="3222715"/>
-            <a:ext cx="2382982" cy="983674"/>
-          </a:xfrm>
-          <a:prstGeom prst="rect">
-            <a:avLst/>
-          </a:prstGeom>
-          <a:solidFill>
-            <a:schemeClr val="accent4">
-              <a:lumMod val="60000"/>
-              <a:lumOff val="40000"/>
-            </a:schemeClr>
-          </a:solidFill>
-        </p:spPr>
-        <p:style>
-          <a:lnRef idx="2">
-            <a:schemeClr val="accent1">
-              <a:shade val="50000"/>
-            </a:schemeClr>
-          </a:lnRef>
-          <a:fillRef idx="1">
-            <a:schemeClr val="accent1"/>
-          </a:fillRef>
-          <a:effectRef idx="0">
-            <a:schemeClr val="accent1"/>
-          </a:effectRef>
-          <a:fontRef idx="minor">
-            <a:schemeClr val="lt1"/>
-          </a:fontRef>
-        </p:style>
-        <p:txBody>
-          <a:bodyPr rtlCol="0" anchor="ctr"/>
-          <a:lstStyle/>
-          <a:p>
-            <a:pPr algn="ctr"/>
-            <a:r>
-              <a:rPr lang="ja-JP" altLang="en-US" sz="1400"/>
-              <a:t>アイテム行列</a:t>
-            </a:r>
-            <a:endParaRPr lang="en-US" sz="1400" dirty="0"/>
-          </a:p>
-        </p:txBody>
-      </p:sp>
-      <p:sp>
-        <p:nvSpPr>
-          <p:cNvPr id="11" name="Left Brace 10">
-            <a:extLst>
-              <a:ext uri="{FF2B5EF4-FFF2-40B4-BE49-F238E27FC236}">
-                <a16:creationId xmlns:a16="http://schemas.microsoft.com/office/drawing/2014/main" id="{5B55B927-A466-7E43-8650-D605A33AFB66}"/>
-              </a:ext>
-            </a:extLst>
-          </p:cNvPr>
-          <p:cNvSpPr/>
-          <p:nvPr/>
-        </p:nvSpPr>
-        <p:spPr>
-          <a:xfrm>
-            <a:off x="1116484" y="3086841"/>
-            <a:ext cx="332793" cy="2352602"/>
-          </a:xfrm>
-          <a:prstGeom prst="leftBrace">
-            <a:avLst/>
-          </a:prstGeom>
-          <a:ln>
-            <a:solidFill>
-              <a:schemeClr val="accent4">
-                <a:lumMod val="60000"/>
-                <a:lumOff val="40000"/>
-              </a:schemeClr>
-            </a:solidFill>
-          </a:ln>
-        </p:spPr>
-        <p:style>
-          <a:lnRef idx="1">
-            <a:schemeClr val="accent1"/>
-          </a:lnRef>
-          <a:fillRef idx="0">
-            <a:schemeClr val="accent1"/>
-          </a:fillRef>
-          <a:effectRef idx="0">
-            <a:schemeClr val="accent1"/>
-          </a:effectRef>
-          <a:fontRef idx="minor">
-            <a:schemeClr val="tx1"/>
-          </a:fontRef>
-        </p:style>
-        <p:txBody>
-          <a:bodyPr rtlCol="0" anchor="ctr"/>
-          <a:lstStyle/>
-          <a:p>
-            <a:pPr algn="ctr"/>
-            <a:endParaRPr lang="en-US"/>
-          </a:p>
-        </p:txBody>
-      </p:sp>
-      <p:sp>
-        <p:nvSpPr>
-          <p:cNvPr id="12" name="Left Brace 11">
-            <a:extLst>
-              <a:ext uri="{FF2B5EF4-FFF2-40B4-BE49-F238E27FC236}">
-                <a16:creationId xmlns:a16="http://schemas.microsoft.com/office/drawing/2014/main" id="{2A7D9759-215A-D647-BE49-5A9CAC0CC552}"/>
-              </a:ext>
-            </a:extLst>
-          </p:cNvPr>
-          <p:cNvSpPr/>
-          <p:nvPr/>
-        </p:nvSpPr>
-        <p:spPr>
-          <a:xfrm rot="5400000">
-            <a:off x="2546206" y="1813425"/>
-            <a:ext cx="332793" cy="2657671"/>
-          </a:xfrm>
-          <a:prstGeom prst="leftBrace">
-            <a:avLst/>
-          </a:prstGeom>
-          <a:ln>
-            <a:solidFill>
-              <a:schemeClr val="accent4">
-                <a:lumMod val="60000"/>
-                <a:lumOff val="40000"/>
-              </a:schemeClr>
-            </a:solidFill>
-          </a:ln>
-        </p:spPr>
-        <p:style>
-          <a:lnRef idx="1">
-            <a:schemeClr val="accent1"/>
-          </a:lnRef>
-          <a:fillRef idx="0">
-            <a:schemeClr val="accent1"/>
-          </a:fillRef>
-          <a:effectRef idx="0">
-            <a:schemeClr val="accent1"/>
-          </a:effectRef>
-          <a:fontRef idx="minor">
-            <a:schemeClr val="tx1"/>
-          </a:fontRef>
-        </p:style>
-        <p:txBody>
-          <a:bodyPr rtlCol="0" anchor="ctr"/>
-          <a:lstStyle/>
-          <a:p>
-            <a:pPr algn="ctr"/>
-            <a:endParaRPr lang="en-US"/>
-          </a:p>
-        </p:txBody>
-      </p:sp>
-      <p:sp>
-        <p:nvSpPr>
-          <p:cNvPr id="13" name="Multiply 12">
-            <a:extLst>
-              <a:ext uri="{FF2B5EF4-FFF2-40B4-BE49-F238E27FC236}">
-                <a16:creationId xmlns:a16="http://schemas.microsoft.com/office/drawing/2014/main" id="{782E3FFD-AB8F-E44F-8CB0-1523BA4DE6A7}"/>
-              </a:ext>
-            </a:extLst>
-          </p:cNvPr>
-          <p:cNvSpPr/>
-          <p:nvPr/>
-        </p:nvSpPr>
-        <p:spPr>
-          <a:xfrm>
-            <a:off x="6381656" y="3495731"/>
-            <a:ext cx="463462" cy="437641"/>
-          </a:xfrm>
-          <a:prstGeom prst="mathMultiply">
-            <a:avLst/>
-          </a:prstGeom>
-          <a:solidFill>
-            <a:schemeClr val="bg1"/>
-          </a:solidFill>
-        </p:spPr>
-        <p:style>
-          <a:lnRef idx="2">
-            <a:schemeClr val="accent1">
-              <a:shade val="50000"/>
-            </a:schemeClr>
-          </a:lnRef>
-          <a:fillRef idx="1">
-            <a:schemeClr val="accent1"/>
-          </a:fillRef>
-          <a:effectRef idx="0">
-            <a:schemeClr val="accent1"/>
-          </a:effectRef>
-          <a:fontRef idx="minor">
-            <a:schemeClr val="lt1"/>
-          </a:fontRef>
-        </p:style>
-        <p:txBody>
-          <a:bodyPr rtlCol="0" anchor="ctr"/>
-          <a:lstStyle/>
-          <a:p>
-            <a:pPr algn="ctr"/>
-            <a:endParaRPr lang="en-US"/>
-          </a:p>
-        </p:txBody>
-      </p:sp>
-      <mc:AlternateContent xmlns:mc="http://schemas.openxmlformats.org/markup-compatibility/2006">
-        <mc:Choice xmlns:a14="http://schemas.microsoft.com/office/drawing/2010/main" Requires="a14">
-          <p:sp>
-            <p:nvSpPr>
-              <p:cNvPr id="15" name="TextBox 14">
-                <a:extLst>
-                  <a:ext uri="{FF2B5EF4-FFF2-40B4-BE49-F238E27FC236}">
-                    <a16:creationId xmlns:a16="http://schemas.microsoft.com/office/drawing/2014/main" id="{F8B60826-5330-7B44-8CC6-E99ED2E69893}"/>
-                  </a:ext>
-                </a:extLst>
-              </p:cNvPr>
-              <p:cNvSpPr txBox="1"/>
-              <p:nvPr/>
-            </p:nvSpPr>
-            <p:spPr>
-              <a:xfrm>
-                <a:off x="4506916" y="4061028"/>
-                <a:ext cx="456407" cy="369332"/>
-              </a:xfrm>
-              <a:prstGeom prst="rect">
-                <a:avLst/>
-              </a:prstGeom>
-              <a:noFill/>
-            </p:spPr>
-            <p:txBody>
-              <a:bodyPr wrap="none" rtlCol="0">
-                <a:spAutoFit/>
-              </a:bodyPr>
-              <a:lstStyle/>
-              <a:p>
-                <a14:m>
-                  <m:oMathPara xmlns:m="http://schemas.openxmlformats.org/officeDocument/2006/math">
-                    <m:oMathParaPr>
-                      <m:jc m:val="centerGroup"/>
-                    </m:oMathParaPr>
-                    <m:oMath xmlns:m="http://schemas.openxmlformats.org/officeDocument/2006/math">
-                      <m:r>
-                        <a:rPr lang="en-US" b="0" i="1" smtClean="0">
-                          <a:latin typeface="Cambria Math" panose="02040503050406030204" pitchFamily="18" charset="0"/>
-                        </a:rPr>
-                        <m:t>𝑀</m:t>
-                      </m:r>
-                    </m:oMath>
-                  </m:oMathPara>
-                </a14:m>
-                <a:endParaRPr lang="en-US" dirty="0"/>
-              </a:p>
-            </p:txBody>
-          </p:sp>
-        </mc:Choice>
-        <mc:Fallback>
-          <p:sp>
-            <p:nvSpPr>
-              <p:cNvPr id="15" name="TextBox 14">
-                <a:extLst>
-                  <a:ext uri="{FF2B5EF4-FFF2-40B4-BE49-F238E27FC236}">
-                    <a16:creationId xmlns:a16="http://schemas.microsoft.com/office/drawing/2014/main" id="{F8B60826-5330-7B44-8CC6-E99ED2E69893}"/>
-                  </a:ext>
-                </a:extLst>
-              </p:cNvPr>
-              <p:cNvSpPr txBox="1">
-                <a:spLocks noRot="1" noChangeAspect="1" noMove="1" noResize="1" noEditPoints="1" noAdjustHandles="1" noChangeArrowheads="1" noChangeShapeType="1" noTextEdit="1"/>
-              </p:cNvSpPr>
-              <p:nvPr/>
-            </p:nvSpPr>
-            <p:spPr>
-              <a:xfrm>
-                <a:off x="4506916" y="4061028"/>
-                <a:ext cx="456407" cy="369332"/>
-              </a:xfrm>
-              <a:prstGeom prst="rect">
-                <a:avLst/>
-              </a:prstGeom>
-              <a:blipFill>
-                <a:blip r:embed="rId6"/>
-                <a:stretch>
-                  <a:fillRect/>
-                </a:stretch>
-              </a:blipFill>
-            </p:spPr>
-            <p:txBody>
-              <a:bodyPr/>
-              <a:lstStyle/>
-              <a:p>
-                <a:r>
-                  <a:rPr lang="en-US">
-                    <a:noFill/>
-                  </a:rPr>
-                  <a:t> </a:t>
-                </a:r>
-              </a:p>
-            </p:txBody>
-          </p:sp>
-        </mc:Fallback>
-      </mc:AlternateContent>
-      <p:sp>
-        <p:nvSpPr>
-          <p:cNvPr id="16" name="Left Brace 15">
-            <a:extLst>
-              <a:ext uri="{FF2B5EF4-FFF2-40B4-BE49-F238E27FC236}">
-                <a16:creationId xmlns:a16="http://schemas.microsoft.com/office/drawing/2014/main" id="{035627A3-B878-B64C-B5E0-E7D49B79E893}"/>
-              </a:ext>
-            </a:extLst>
-          </p:cNvPr>
-          <p:cNvSpPr/>
-          <p:nvPr/>
-        </p:nvSpPr>
-        <p:spPr>
-          <a:xfrm>
-            <a:off x="4888026" y="3086841"/>
-            <a:ext cx="332793" cy="2352602"/>
-          </a:xfrm>
-          <a:prstGeom prst="leftBrace">
-            <a:avLst/>
-          </a:prstGeom>
-          <a:ln>
-            <a:solidFill>
-              <a:schemeClr val="accent4">
-                <a:lumMod val="60000"/>
-                <a:lumOff val="40000"/>
-              </a:schemeClr>
-            </a:solidFill>
-          </a:ln>
-        </p:spPr>
-        <p:style>
-          <a:lnRef idx="1">
-            <a:schemeClr val="accent1"/>
-          </a:lnRef>
-          <a:fillRef idx="0">
-            <a:schemeClr val="accent1"/>
-          </a:fillRef>
-          <a:effectRef idx="0">
-            <a:schemeClr val="accent1"/>
-          </a:effectRef>
-          <a:fontRef idx="minor">
-            <a:schemeClr val="tx1"/>
-          </a:fontRef>
-        </p:style>
-        <p:txBody>
-          <a:bodyPr rtlCol="0" anchor="ctr"/>
-          <a:lstStyle/>
-          <a:p>
-            <a:pPr algn="ctr"/>
-            <a:endParaRPr lang="en-US"/>
-          </a:p>
-        </p:txBody>
-      </p:sp>
-      <mc:AlternateContent xmlns:mc="http://schemas.openxmlformats.org/markup-compatibility/2006">
-        <mc:Choice xmlns:a14="http://schemas.microsoft.com/office/drawing/2010/main" Requires="a14">
-          <p:sp>
-            <p:nvSpPr>
-              <p:cNvPr id="17" name="TextBox 16">
-                <a:extLst>
-                  <a:ext uri="{FF2B5EF4-FFF2-40B4-BE49-F238E27FC236}">
-                    <a16:creationId xmlns:a16="http://schemas.microsoft.com/office/drawing/2014/main" id="{DAA4D4A9-A3BB-DC4D-A85B-76F819C80DCB}"/>
-                  </a:ext>
-                </a:extLst>
-              </p:cNvPr>
-              <p:cNvSpPr txBox="1"/>
-              <p:nvPr/>
-            </p:nvSpPr>
-            <p:spPr>
-              <a:xfrm>
-                <a:off x="8066971" y="2628421"/>
-                <a:ext cx="427553" cy="369332"/>
-              </a:xfrm>
-              <a:prstGeom prst="rect">
-                <a:avLst/>
-              </a:prstGeom>
-              <a:noFill/>
-            </p:spPr>
-            <p:txBody>
-              <a:bodyPr wrap="none" rtlCol="0">
-                <a:spAutoFit/>
-              </a:bodyPr>
-              <a:lstStyle/>
-              <a:p>
-                <a14:m>
-                  <m:oMathPara xmlns:m="http://schemas.openxmlformats.org/officeDocument/2006/math">
-                    <m:oMathParaPr>
-                      <m:jc m:val="centerGroup"/>
-                    </m:oMathParaPr>
-                    <m:oMath xmlns:m="http://schemas.openxmlformats.org/officeDocument/2006/math">
-                      <m:r>
-                        <a:rPr lang="en-US" b="0" i="1" smtClean="0">
-                          <a:latin typeface="Cambria Math" panose="02040503050406030204" pitchFamily="18" charset="0"/>
-                        </a:rPr>
-                        <m:t>𝑁</m:t>
-                      </m:r>
-                    </m:oMath>
-                  </m:oMathPara>
-                </a14:m>
-                <a:endParaRPr lang="en-US" dirty="0"/>
-              </a:p>
-            </p:txBody>
-          </p:sp>
-        </mc:Choice>
-        <mc:Fallback>
-          <p:sp>
-            <p:nvSpPr>
-              <p:cNvPr id="17" name="TextBox 16">
-                <a:extLst>
-                  <a:ext uri="{FF2B5EF4-FFF2-40B4-BE49-F238E27FC236}">
-                    <a16:creationId xmlns:a16="http://schemas.microsoft.com/office/drawing/2014/main" id="{DAA4D4A9-A3BB-DC4D-A85B-76F819C80DCB}"/>
-                  </a:ext>
-                </a:extLst>
-              </p:cNvPr>
-              <p:cNvSpPr txBox="1">
-                <a:spLocks noRot="1" noChangeAspect="1" noMove="1" noResize="1" noEditPoints="1" noAdjustHandles="1" noChangeArrowheads="1" noChangeShapeType="1" noTextEdit="1"/>
-              </p:cNvSpPr>
-              <p:nvPr/>
-            </p:nvSpPr>
-            <p:spPr>
-              <a:xfrm>
-                <a:off x="8066971" y="2628421"/>
-                <a:ext cx="427553" cy="369332"/>
-              </a:xfrm>
-              <a:prstGeom prst="rect">
-                <a:avLst/>
-              </a:prstGeom>
-              <a:blipFill>
-                <a:blip r:embed="rId7"/>
-                <a:stretch>
-                  <a:fillRect/>
-                </a:stretch>
-              </a:blipFill>
-            </p:spPr>
-            <p:txBody>
-              <a:bodyPr/>
-              <a:lstStyle/>
-              <a:p>
-                <a:r>
-                  <a:rPr lang="en-US">
-                    <a:noFill/>
-                  </a:rPr>
-                  <a:t> </a:t>
-                </a:r>
-              </a:p>
-            </p:txBody>
-          </p:sp>
-        </mc:Fallback>
-      </mc:AlternateContent>
-      <p:sp>
-        <p:nvSpPr>
-          <p:cNvPr id="18" name="Left Brace 17">
-            <a:extLst>
-              <a:ext uri="{FF2B5EF4-FFF2-40B4-BE49-F238E27FC236}">
-                <a16:creationId xmlns:a16="http://schemas.microsoft.com/office/drawing/2014/main" id="{B7ED97EC-A8BA-FE49-9039-F348D932A00A}"/>
-              </a:ext>
-            </a:extLst>
-          </p:cNvPr>
-          <p:cNvSpPr/>
-          <p:nvPr/>
-        </p:nvSpPr>
-        <p:spPr>
-          <a:xfrm rot="5400000">
-            <a:off x="8114352" y="1764380"/>
-            <a:ext cx="332793" cy="2657671"/>
-          </a:xfrm>
-          <a:prstGeom prst="leftBrace">
-            <a:avLst/>
-          </a:prstGeom>
-          <a:ln>
-            <a:solidFill>
-              <a:schemeClr val="accent4">
-                <a:lumMod val="60000"/>
-                <a:lumOff val="40000"/>
-              </a:schemeClr>
-            </a:solidFill>
-          </a:ln>
-        </p:spPr>
-        <p:style>
-          <a:lnRef idx="1">
-            <a:schemeClr val="accent1"/>
-          </a:lnRef>
-          <a:fillRef idx="0">
-            <a:schemeClr val="accent1"/>
-          </a:fillRef>
-          <a:effectRef idx="0">
-            <a:schemeClr val="accent1"/>
-          </a:effectRef>
-          <a:fontRef idx="minor">
-            <a:schemeClr val="tx1"/>
-          </a:fontRef>
-        </p:style>
-        <p:txBody>
-          <a:bodyPr rtlCol="0" anchor="ctr"/>
-          <a:lstStyle/>
-          <a:p>
-            <a:pPr algn="ctr"/>
-            <a:endParaRPr lang="en-US"/>
-          </a:p>
-        </p:txBody>
-      </p:sp>
-      <p:sp>
-        <p:nvSpPr>
-          <p:cNvPr id="19" name="Left Brace 18">
-            <a:extLst>
-              <a:ext uri="{FF2B5EF4-FFF2-40B4-BE49-F238E27FC236}">
-                <a16:creationId xmlns:a16="http://schemas.microsoft.com/office/drawing/2014/main" id="{14DE89A3-80F2-0C4D-BC8E-32FD6D70444E}"/>
-              </a:ext>
-            </a:extLst>
-          </p:cNvPr>
-          <p:cNvSpPr/>
-          <p:nvPr/>
-        </p:nvSpPr>
-        <p:spPr>
-          <a:xfrm rot="16200000">
-            <a:off x="5427831" y="4886781"/>
-            <a:ext cx="330992" cy="1366522"/>
-          </a:xfrm>
-          <a:prstGeom prst="leftBrace">
-            <a:avLst/>
-          </a:prstGeom>
-          <a:ln>
-            <a:solidFill>
-              <a:schemeClr val="accent4">
-                <a:lumMod val="60000"/>
-                <a:lumOff val="40000"/>
-              </a:schemeClr>
-            </a:solidFill>
-          </a:ln>
-        </p:spPr>
-        <p:style>
-          <a:lnRef idx="1">
-            <a:schemeClr val="accent1"/>
-          </a:lnRef>
-          <a:fillRef idx="0">
-            <a:schemeClr val="accent1"/>
-          </a:fillRef>
-          <a:effectRef idx="0">
-            <a:schemeClr val="accent1"/>
-          </a:effectRef>
-          <a:fontRef idx="minor">
-            <a:schemeClr val="tx1"/>
-          </a:fontRef>
-        </p:style>
-        <p:txBody>
-          <a:bodyPr rtlCol="0" anchor="ctr"/>
-          <a:lstStyle/>
-          <a:p>
-            <a:pPr algn="ctr"/>
-            <a:endParaRPr lang="en-US"/>
-          </a:p>
-        </p:txBody>
-      </p:sp>
-      <mc:AlternateContent xmlns:mc="http://schemas.openxmlformats.org/markup-compatibility/2006">
-        <mc:Choice xmlns:a14="http://schemas.microsoft.com/office/drawing/2010/main" Requires="a14">
-          <p:sp>
-            <p:nvSpPr>
-              <p:cNvPr id="20" name="Rectangle 19">
-                <a:extLst>
-                  <a:ext uri="{FF2B5EF4-FFF2-40B4-BE49-F238E27FC236}">
-                    <a16:creationId xmlns:a16="http://schemas.microsoft.com/office/drawing/2014/main" id="{57714002-BD98-F745-A2A1-50B504C4D948}"/>
-                  </a:ext>
-                </a:extLst>
-              </p:cNvPr>
-              <p:cNvSpPr/>
-              <p:nvPr/>
-            </p:nvSpPr>
-            <p:spPr>
-              <a:xfrm>
-                <a:off x="5365123" y="5712034"/>
-                <a:ext cx="422488" cy="369332"/>
-              </a:xfrm>
-              <a:prstGeom prst="rect">
-                <a:avLst/>
-              </a:prstGeom>
-            </p:spPr>
-            <p:txBody>
-              <a:bodyPr wrap="none">
-                <a:spAutoFit/>
-              </a:bodyPr>
-              <a:lstStyle/>
-              <a:p>
-                <a14:m>
-                  <m:oMathPara xmlns:m="http://schemas.openxmlformats.org/officeDocument/2006/math">
-                    <m:oMathParaPr>
-                      <m:jc m:val="centerGroup"/>
-                    </m:oMathParaPr>
-                    <m:oMath xmlns:m="http://schemas.openxmlformats.org/officeDocument/2006/math">
-                      <m:r>
-                        <a:rPr lang="en-US" b="0" i="1" smtClean="0">
-                          <a:latin typeface="Cambria Math" panose="02040503050406030204" pitchFamily="18" charset="0"/>
-                        </a:rPr>
-                        <m:t>𝐾</m:t>
-                      </m:r>
-                    </m:oMath>
-                  </m:oMathPara>
-                </a14:m>
-                <a:endParaRPr lang="en-US" dirty="0"/>
-              </a:p>
-            </p:txBody>
-          </p:sp>
-        </mc:Choice>
-        <mc:Fallback>
-          <p:sp>
-            <p:nvSpPr>
-              <p:cNvPr id="20" name="Rectangle 19">
-                <a:extLst>
-                  <a:ext uri="{FF2B5EF4-FFF2-40B4-BE49-F238E27FC236}">
-                    <a16:creationId xmlns:a16="http://schemas.microsoft.com/office/drawing/2014/main" id="{57714002-BD98-F745-A2A1-50B504C4D948}"/>
-                  </a:ext>
-                </a:extLst>
-              </p:cNvPr>
-              <p:cNvSpPr>
-                <a:spLocks noRot="1" noChangeAspect="1" noMove="1" noResize="1" noEditPoints="1" noAdjustHandles="1" noChangeArrowheads="1" noChangeShapeType="1" noTextEdit="1"/>
-              </p:cNvSpPr>
-              <p:nvPr/>
-            </p:nvSpPr>
-            <p:spPr>
-              <a:xfrm>
-                <a:off x="5365123" y="5712034"/>
-                <a:ext cx="422488" cy="369332"/>
-              </a:xfrm>
-              <a:prstGeom prst="rect">
-                <a:avLst/>
-              </a:prstGeom>
-              <a:blipFill>
-                <a:blip r:embed="rId8"/>
-                <a:stretch>
-                  <a:fillRect/>
-                </a:stretch>
-              </a:blipFill>
-            </p:spPr>
-            <p:txBody>
-              <a:bodyPr/>
-              <a:lstStyle/>
-              <a:p>
-                <a:r>
-                  <a:rPr lang="en-US">
-                    <a:noFill/>
-                  </a:rPr>
-                  <a:t> </a:t>
-                </a:r>
-              </a:p>
-            </p:txBody>
-          </p:sp>
-        </mc:Fallback>
-      </mc:AlternateContent>
-      <mc:AlternateContent xmlns:mc="http://schemas.openxmlformats.org/markup-compatibility/2006">
-        <mc:Choice xmlns:a14="http://schemas.microsoft.com/office/drawing/2010/main" Requires="a14">
-          <p:sp>
-            <p:nvSpPr>
-              <p:cNvPr id="21" name="Rectangle 20">
-                <a:extLst>
-                  <a:ext uri="{FF2B5EF4-FFF2-40B4-BE49-F238E27FC236}">
-                    <a16:creationId xmlns:a16="http://schemas.microsoft.com/office/drawing/2014/main" id="{E6590F30-4A36-874F-9687-DD7732A02080}"/>
-                  </a:ext>
-                </a:extLst>
-              </p:cNvPr>
-              <p:cNvSpPr/>
-              <p:nvPr/>
-            </p:nvSpPr>
-            <p:spPr>
-              <a:xfrm>
-                <a:off x="9646746" y="3553635"/>
-                <a:ext cx="422488" cy="369332"/>
-              </a:xfrm>
-              <a:prstGeom prst="rect">
-                <a:avLst/>
-              </a:prstGeom>
-            </p:spPr>
-            <p:txBody>
-              <a:bodyPr wrap="none">
-                <a:spAutoFit/>
-              </a:bodyPr>
-              <a:lstStyle/>
-              <a:p>
-                <a14:m>
-                  <m:oMathPara xmlns:m="http://schemas.openxmlformats.org/officeDocument/2006/math">
-                    <m:oMathParaPr>
-                      <m:jc m:val="centerGroup"/>
-                    </m:oMathParaPr>
-                    <m:oMath xmlns:m="http://schemas.openxmlformats.org/officeDocument/2006/math">
-                      <m:r>
-                        <a:rPr lang="en-US" b="0" i="1" smtClean="0">
-                          <a:latin typeface="Cambria Math" panose="02040503050406030204" pitchFamily="18" charset="0"/>
-                        </a:rPr>
-                        <m:t>𝐾</m:t>
-                      </m:r>
-                    </m:oMath>
-                  </m:oMathPara>
-                </a14:m>
-                <a:endParaRPr lang="en-US" dirty="0"/>
-              </a:p>
-            </p:txBody>
-          </p:sp>
-        </mc:Choice>
-        <mc:Fallback>
-          <p:sp>
-            <p:nvSpPr>
-              <p:cNvPr id="21" name="Rectangle 20">
-                <a:extLst>
-                  <a:ext uri="{FF2B5EF4-FFF2-40B4-BE49-F238E27FC236}">
-                    <a16:creationId xmlns:a16="http://schemas.microsoft.com/office/drawing/2014/main" id="{E6590F30-4A36-874F-9687-DD7732A02080}"/>
-                  </a:ext>
-                </a:extLst>
-              </p:cNvPr>
-              <p:cNvSpPr>
-                <a:spLocks noRot="1" noChangeAspect="1" noMove="1" noResize="1" noEditPoints="1" noAdjustHandles="1" noChangeArrowheads="1" noChangeShapeType="1" noTextEdit="1"/>
-              </p:cNvSpPr>
-              <p:nvPr/>
-            </p:nvSpPr>
-            <p:spPr>
-              <a:xfrm>
-                <a:off x="9646746" y="3553635"/>
-                <a:ext cx="422488" cy="369332"/>
-              </a:xfrm>
-              <a:prstGeom prst="rect">
-                <a:avLst/>
-              </a:prstGeom>
-              <a:blipFill>
-                <a:blip r:embed="rId9"/>
-                <a:stretch>
-                  <a:fillRect/>
-                </a:stretch>
-              </a:blipFill>
-            </p:spPr>
-            <p:txBody>
-              <a:bodyPr/>
-              <a:lstStyle/>
-              <a:p>
-                <a:r>
-                  <a:rPr lang="en-US">
-                    <a:noFill/>
-                  </a:rPr>
-                  <a:t> </a:t>
-                </a:r>
-              </a:p>
-            </p:txBody>
-          </p:sp>
-        </mc:Fallback>
-      </mc:AlternateContent>
-      <p:sp>
-        <p:nvSpPr>
-          <p:cNvPr id="22" name="Left Brace 21">
-            <a:extLst>
-              <a:ext uri="{FF2B5EF4-FFF2-40B4-BE49-F238E27FC236}">
-                <a16:creationId xmlns:a16="http://schemas.microsoft.com/office/drawing/2014/main" id="{1C04FBD5-E6EC-6547-90D5-C83BBE1DB358}"/>
-              </a:ext>
-            </a:extLst>
-          </p:cNvPr>
-          <p:cNvSpPr/>
-          <p:nvPr/>
-        </p:nvSpPr>
-        <p:spPr>
-          <a:xfrm rot="10800000">
-            <a:off x="9371938" y="3151202"/>
-            <a:ext cx="304691" cy="1174199"/>
-          </a:xfrm>
-          <a:prstGeom prst="leftBrace">
-            <a:avLst/>
-          </a:prstGeom>
-          <a:ln>
-            <a:solidFill>
-              <a:schemeClr val="accent4">
-                <a:lumMod val="60000"/>
-                <a:lumOff val="40000"/>
-              </a:schemeClr>
-            </a:solidFill>
-          </a:ln>
-        </p:spPr>
-        <p:style>
-          <a:lnRef idx="1">
-            <a:schemeClr val="accent1"/>
-          </a:lnRef>
-          <a:fillRef idx="0">
-            <a:schemeClr val="accent1"/>
-          </a:fillRef>
-          <a:effectRef idx="0">
-            <a:schemeClr val="accent1"/>
-          </a:effectRef>
-          <a:fontRef idx="minor">
-            <a:schemeClr val="tx1"/>
-          </a:fontRef>
-        </p:style>
-        <p:txBody>
-          <a:bodyPr rtlCol="0" anchor="ctr"/>
-          <a:lstStyle/>
-          <a:p>
-            <a:pPr algn="ctr"/>
-            <a:endParaRPr lang="en-US"/>
-          </a:p>
-        </p:txBody>
-      </p:sp>
-      <p:sp>
-        <p:nvSpPr>
-          <p:cNvPr id="23" name="Right Arrow 22">
-            <a:extLst>
-              <a:ext uri="{FF2B5EF4-FFF2-40B4-BE49-F238E27FC236}">
-                <a16:creationId xmlns:a16="http://schemas.microsoft.com/office/drawing/2014/main" id="{267BB160-950C-394C-9064-4D33E453F8D9}"/>
-              </a:ext>
-            </a:extLst>
-          </p:cNvPr>
-          <p:cNvSpPr/>
-          <p:nvPr/>
-        </p:nvSpPr>
-        <p:spPr>
-          <a:xfrm>
-            <a:off x="622214" y="6047166"/>
-            <a:ext cx="494270" cy="457200"/>
-          </a:xfrm>
-          <a:prstGeom prst="rightArrow">
-            <a:avLst/>
-          </a:prstGeom>
-          <a:solidFill>
-            <a:schemeClr val="accent4">
-              <a:lumMod val="60000"/>
-              <a:lumOff val="40000"/>
-            </a:schemeClr>
-          </a:solidFill>
-          <a:ln>
-            <a:solidFill>
-              <a:schemeClr val="accent4">
-                <a:lumMod val="60000"/>
-                <a:lumOff val="40000"/>
-              </a:schemeClr>
-            </a:solidFill>
-          </a:ln>
-        </p:spPr>
-        <p:style>
-          <a:lnRef idx="2">
-            <a:schemeClr val="accent1">
-              <a:shade val="50000"/>
-            </a:schemeClr>
-          </a:lnRef>
-          <a:fillRef idx="1">
-            <a:schemeClr val="accent1"/>
-          </a:fillRef>
-          <a:effectRef idx="0">
-            <a:schemeClr val="accent1"/>
-          </a:effectRef>
-          <a:fontRef idx="minor">
-            <a:schemeClr val="lt1"/>
-          </a:fontRef>
-        </p:style>
-        <p:txBody>
-          <a:bodyPr rtlCol="0" anchor="ctr"/>
-          <a:lstStyle/>
-          <a:p>
-            <a:pPr algn="ctr"/>
-            <a:endParaRPr lang="en-US" dirty="0">
-              <a:solidFill>
-                <a:schemeClr val="accent4">
-                  <a:lumMod val="75000"/>
-                </a:schemeClr>
-              </a:solidFill>
-            </a:endParaRPr>
-          </a:p>
-        </p:txBody>
-      </p:sp>
-      <p:sp>
-        <p:nvSpPr>
-          <p:cNvPr id="24" name="TextBox 23">
-            <a:extLst>
-              <a:ext uri="{FF2B5EF4-FFF2-40B4-BE49-F238E27FC236}">
-                <a16:creationId xmlns:a16="http://schemas.microsoft.com/office/drawing/2014/main" id="{F76B5B16-784B-FA41-9FDA-3B762908510F}"/>
-              </a:ext>
-            </a:extLst>
-          </p:cNvPr>
-          <p:cNvSpPr txBox="1"/>
-          <p:nvPr/>
-        </p:nvSpPr>
-        <p:spPr>
-          <a:xfrm>
-            <a:off x="1216469" y="6079522"/>
-            <a:ext cx="9163524" cy="646331"/>
-          </a:xfrm>
-          <a:prstGeom prst="rect">
-            <a:avLst/>
-          </a:prstGeom>
-          <a:noFill/>
-        </p:spPr>
-        <p:txBody>
-          <a:bodyPr wrap="square" rtlCol="0">
-            <a:spAutoFit/>
-          </a:bodyPr>
-          <a:lstStyle/>
-          <a:p>
-            <a:r>
-              <a:rPr lang="ja-JP" altLang="en-US"/>
-              <a:t>元の行列との差が最小になるようにユーザ行列とアイテム行列を学習させると，</a:t>
-            </a:r>
-            <a:endParaRPr lang="en-US" altLang="ja-JP" dirty="0"/>
-          </a:p>
-          <a:p>
-            <a:r>
-              <a:rPr lang="ja-JP" altLang="en-US"/>
-              <a:t>ユーザ行列とアイテム行列の積は元の行列で</a:t>
-            </a:r>
-            <a:r>
-              <a:rPr lang="en-US" altLang="ja-JP" dirty="0"/>
-              <a:t>0</a:t>
-            </a:r>
-            <a:r>
-              <a:rPr lang="ja-JP" altLang="en-US"/>
-              <a:t>だったところが補完されている形になる</a:t>
-            </a:r>
-            <a:endParaRPr lang="en-US" altLang="ja-JP" dirty="0"/>
-          </a:p>
-        </p:txBody>
-      </p:sp>
-    </p:spTree>
-    <p:extLst>
-      <p:ext uri="{BB962C8B-B14F-4D97-AF65-F5344CB8AC3E}">
-        <p14:creationId xmlns:p14="http://schemas.microsoft.com/office/powerpoint/2010/main" val="3865680508"/>
-      </p:ext>
-    </p:extLst>
-  </p:cSld>
-  <p:clrMapOvr>
-    <a:masterClrMapping/>
-  </p:clrMapOvr>
-</p:sld>
-</file>
-
-<file path=ppt/slides/slide9.xml><?xml version="1.0" encoding="utf-8"?>
-<p:sld xmlns:a="http://schemas.openxmlformats.org/drawingml/2006/main" xmlns:r="http://schemas.openxmlformats.org/officeDocument/2006/relationships" xmlns:p="http://schemas.openxmlformats.org/presentationml/2006/main">
-  <p:cSld>
-    <p:spTree>
-      <p:nvGrpSpPr>
-        <p:cNvPr id="1" name=""/>
-        <p:cNvGrpSpPr/>
-        <p:nvPr/>
-      </p:nvGrpSpPr>
-      <p:grpSpPr>
-        <a:xfrm>
-          <a:off x="0" y="0"/>
-          <a:ext cx="0" cy="0"/>
-          <a:chOff x="0" y="0"/>
-          <a:chExt cx="0" cy="0"/>
-        </a:xfrm>
-      </p:grpSpPr>
-      <p:sp>
-        <p:nvSpPr>
-          <p:cNvPr id="2" name="Title 1">
-            <a:extLst>
-              <a:ext uri="{FF2B5EF4-FFF2-40B4-BE49-F238E27FC236}">
-                <a16:creationId xmlns:a16="http://schemas.microsoft.com/office/drawing/2014/main" id="{98D5871B-1276-8649-950F-57B5A25813A2}"/>
-              </a:ext>
-            </a:extLst>
-          </p:cNvPr>
-          <p:cNvSpPr>
-            <a:spLocks noGrp="1"/>
-          </p:cNvSpPr>
-          <p:nvPr>
-            <p:ph type="title"/>
-          </p:nvPr>
-        </p:nvSpPr>
-        <p:spPr/>
-        <p:txBody>
-          <a:bodyPr/>
-          <a:lstStyle/>
-          <a:p>
-            <a:r>
-              <a:rPr lang="ja-JP" altLang="en-US"/>
-              <a:t>推薦アルゴリズム</a:t>
-            </a:r>
-            <a:endParaRPr lang="en-US" dirty="0"/>
-          </a:p>
-        </p:txBody>
-      </p:sp>
-      <p:sp>
-        <p:nvSpPr>
-          <p:cNvPr id="3" name="Content Placeholder 2">
-            <a:extLst>
-              <a:ext uri="{FF2B5EF4-FFF2-40B4-BE49-F238E27FC236}">
-                <a16:creationId xmlns:a16="http://schemas.microsoft.com/office/drawing/2014/main" id="{3148A1B6-62AE-FB49-A454-E82D92863DB2}"/>
-              </a:ext>
-            </a:extLst>
-          </p:cNvPr>
-          <p:cNvSpPr>
-            <a:spLocks noGrp="1"/>
-          </p:cNvSpPr>
-          <p:nvPr>
-            <p:ph idx="1"/>
-          </p:nvPr>
-        </p:nvSpPr>
-        <p:spPr/>
-        <p:txBody>
-          <a:bodyPr/>
-          <a:lstStyle/>
-          <a:p>
-            <a:r>
-              <a:rPr lang="en-US" dirty="0"/>
-              <a:t>Collaborative Metric Learning</a:t>
-            </a:r>
-          </a:p>
-          <a:p>
-            <a:pPr lvl="1"/>
-            <a:r>
-              <a:rPr lang="ja-JP" altLang="en-US"/>
-              <a:t>ユーザとアイテムを同じ次元の空間に写像し，ユーザとそのユーザが高く評価したアイテムが近くなるように距離を学習する</a:t>
-            </a:r>
-            <a:endParaRPr lang="en-US" altLang="ja-JP" dirty="0"/>
-          </a:p>
-          <a:p>
-            <a:pPr lvl="1"/>
-            <a:r>
-              <a:rPr lang="ja-JP" altLang="en-US"/>
-              <a:t>アイテムを軸としてユーザ同士の類似度も測れる</a:t>
-            </a:r>
-            <a:endParaRPr lang="en-US" dirty="0"/>
-          </a:p>
-        </p:txBody>
-      </p:sp>
-      <p:sp>
-        <p:nvSpPr>
-          <p:cNvPr id="4" name="Slide Number Placeholder 3">
-            <a:extLst>
-              <a:ext uri="{FF2B5EF4-FFF2-40B4-BE49-F238E27FC236}">
-                <a16:creationId xmlns:a16="http://schemas.microsoft.com/office/drawing/2014/main" id="{D0CDF4F0-B321-7E4D-8B28-495D0B715009}"/>
-              </a:ext>
-            </a:extLst>
-          </p:cNvPr>
-          <p:cNvSpPr>
-            <a:spLocks noGrp="1"/>
-          </p:cNvSpPr>
-          <p:nvPr>
-            <p:ph type="sldNum" sz="quarter" idx="12"/>
-          </p:nvPr>
-        </p:nvSpPr>
-        <p:spPr/>
-        <p:txBody>
-          <a:bodyPr/>
-          <a:lstStyle/>
-          <a:p>
-            <a:fld id="{BFE4183C-6F3A-9C43-8436-3416D3C0FE9F}" type="slidenum">
-              <a:rPr lang="en-US" smtClean="0"/>
-              <a:t>8</a:t>
-            </a:fld>
-            <a:endParaRPr lang="en-US" dirty="0"/>
-          </a:p>
-        </p:txBody>
-      </p:sp>
-      <p:sp>
-        <p:nvSpPr>
-          <p:cNvPr id="5" name="Oval 4">
-            <a:extLst>
-              <a:ext uri="{FF2B5EF4-FFF2-40B4-BE49-F238E27FC236}">
-                <a16:creationId xmlns:a16="http://schemas.microsoft.com/office/drawing/2014/main" id="{AB441062-81DA-8447-936E-DCA54DCC5B57}"/>
-              </a:ext>
-            </a:extLst>
-          </p:cNvPr>
-          <p:cNvSpPr/>
-          <p:nvPr/>
-        </p:nvSpPr>
-        <p:spPr>
-          <a:xfrm>
-            <a:off x="1667666" y="4032438"/>
-            <a:ext cx="1897987" cy="1903751"/>
-          </a:xfrm>
-          <a:prstGeom prst="ellipse">
-            <a:avLst/>
-          </a:prstGeom>
-        </p:spPr>
-        <p:style>
-          <a:lnRef idx="2">
-            <a:schemeClr val="accent1">
-              <a:shade val="50000"/>
-            </a:schemeClr>
-          </a:lnRef>
-          <a:fillRef idx="1">
-            <a:schemeClr val="accent1"/>
-          </a:fillRef>
-          <a:effectRef idx="0">
-            <a:schemeClr val="accent1"/>
-          </a:effectRef>
-          <a:fontRef idx="minor">
-            <a:schemeClr val="lt1"/>
-          </a:fontRef>
-        </p:style>
-        <p:txBody>
-          <a:bodyPr rtlCol="0" anchor="ctr"/>
-          <a:lstStyle/>
-          <a:p>
-            <a:pPr algn="ctr"/>
-            <a:endParaRPr lang="en-US"/>
-          </a:p>
-        </p:txBody>
-      </p:sp>
-      <p:sp>
-        <p:nvSpPr>
-          <p:cNvPr id="6" name="TextBox 5">
-            <a:extLst>
-              <a:ext uri="{FF2B5EF4-FFF2-40B4-BE49-F238E27FC236}">
-                <a16:creationId xmlns:a16="http://schemas.microsoft.com/office/drawing/2014/main" id="{D0510B09-B844-9341-9CBC-94395F2FDD54}"/>
-              </a:ext>
-            </a:extLst>
-          </p:cNvPr>
-          <p:cNvSpPr txBox="1"/>
-          <p:nvPr/>
-        </p:nvSpPr>
-        <p:spPr>
-          <a:xfrm>
-            <a:off x="1941605" y="6016022"/>
-            <a:ext cx="1431802" cy="369332"/>
-          </a:xfrm>
-          <a:prstGeom prst="rect">
-            <a:avLst/>
-          </a:prstGeom>
-          <a:noFill/>
-        </p:spPr>
-        <p:txBody>
-          <a:bodyPr wrap="none" rtlCol="0">
-            <a:spAutoFit/>
-          </a:bodyPr>
-          <a:lstStyle/>
-          <a:p>
-            <a:r>
-              <a:rPr lang="ja-JP" altLang="en-US"/>
-              <a:t>空間イメージ</a:t>
-            </a:r>
-            <a:endParaRPr lang="en-US" dirty="0"/>
-          </a:p>
-        </p:txBody>
-      </p:sp>
-      <p:pic>
-        <p:nvPicPr>
-          <p:cNvPr id="8" name="Graphic 7" descr="User">
-            <a:extLst>
-              <a:ext uri="{FF2B5EF4-FFF2-40B4-BE49-F238E27FC236}">
-                <a16:creationId xmlns:a16="http://schemas.microsoft.com/office/drawing/2014/main" id="{63C8DEE5-C0BC-3C45-9DE3-E4104EEA5B9E}"/>
-              </a:ext>
-            </a:extLst>
-          </p:cNvPr>
-          <p:cNvPicPr>
-            <a:picLocks noChangeAspect="1"/>
-          </p:cNvPicPr>
-          <p:nvPr/>
-        </p:nvPicPr>
-        <p:blipFill>
-          <a:blip r:embed="rId2">
-            <a:extLst>
-              <a:ext uri="{96DAC541-7B7A-43D3-8B79-37D633B846F1}">
-                <asvg:svgBlip xmlns:asvg="http://schemas.microsoft.com/office/drawing/2016/SVG/main" r:embed="rId3"/>
-              </a:ext>
-            </a:extLst>
-          </a:blip>
-          <a:stretch>
-            <a:fillRect/>
-          </a:stretch>
-        </p:blipFill>
-        <p:spPr>
-          <a:xfrm>
-            <a:off x="1819571" y="5192486"/>
-            <a:ext cx="473922" cy="473922"/>
-          </a:xfrm>
-          <a:prstGeom prst="rect">
-            <a:avLst/>
-          </a:prstGeom>
-        </p:spPr>
-      </p:pic>
-      <p:pic>
-        <p:nvPicPr>
-          <p:cNvPr id="9" name="Graphic 8" descr="User">
-            <a:extLst>
-              <a:ext uri="{FF2B5EF4-FFF2-40B4-BE49-F238E27FC236}">
-                <a16:creationId xmlns:a16="http://schemas.microsoft.com/office/drawing/2014/main" id="{00BFF990-E924-7A40-A9D9-2F4DA4373E84}"/>
-              </a:ext>
-            </a:extLst>
-          </p:cNvPr>
-          <p:cNvPicPr>
-            <a:picLocks noChangeAspect="1"/>
-          </p:cNvPicPr>
-          <p:nvPr/>
-        </p:nvPicPr>
-        <p:blipFill>
-          <a:blip r:embed="rId2">
-            <a:extLst>
-              <a:ext uri="{96DAC541-7B7A-43D3-8B79-37D633B846F1}">
-                <asvg:svgBlip xmlns:asvg="http://schemas.microsoft.com/office/drawing/2016/SVG/main" r:embed="rId3"/>
-              </a:ext>
-            </a:extLst>
-          </a:blip>
-          <a:stretch>
-            <a:fillRect/>
-          </a:stretch>
-        </p:blipFill>
-        <p:spPr>
-          <a:xfrm>
-            <a:off x="3091731" y="4718564"/>
-            <a:ext cx="473922" cy="473922"/>
-          </a:xfrm>
-          <a:prstGeom prst="rect">
-            <a:avLst/>
-          </a:prstGeom>
-        </p:spPr>
-      </p:pic>
-      <p:pic>
-        <p:nvPicPr>
-          <p:cNvPr id="10" name="Graphic 9" descr="User">
-            <a:extLst>
-              <a:ext uri="{FF2B5EF4-FFF2-40B4-BE49-F238E27FC236}">
-                <a16:creationId xmlns:a16="http://schemas.microsoft.com/office/drawing/2014/main" id="{0952229A-423C-2941-8F5C-66E2A08FD28C}"/>
-              </a:ext>
-            </a:extLst>
-          </p:cNvPr>
-          <p:cNvPicPr>
-            <a:picLocks noChangeAspect="1"/>
-          </p:cNvPicPr>
-          <p:nvPr/>
-        </p:nvPicPr>
-        <p:blipFill>
-          <a:blip r:embed="rId2">
-            <a:extLst>
-              <a:ext uri="{96DAC541-7B7A-43D3-8B79-37D633B846F1}">
-                <asvg:svgBlip xmlns:asvg="http://schemas.microsoft.com/office/drawing/2016/SVG/main" r:embed="rId3"/>
-              </a:ext>
-            </a:extLst>
-          </a:blip>
-          <a:stretch>
-            <a:fillRect/>
-          </a:stretch>
-        </p:blipFill>
-        <p:spPr>
-          <a:xfrm>
-            <a:off x="1772595" y="4481603"/>
-            <a:ext cx="473922" cy="473922"/>
-          </a:xfrm>
-          <a:prstGeom prst="rect">
-            <a:avLst/>
-          </a:prstGeom>
-        </p:spPr>
-      </p:pic>
-      <p:sp>
-        <p:nvSpPr>
-          <p:cNvPr id="11" name="Rectangle 10">
-            <a:extLst>
-              <a:ext uri="{FF2B5EF4-FFF2-40B4-BE49-F238E27FC236}">
-                <a16:creationId xmlns:a16="http://schemas.microsoft.com/office/drawing/2014/main" id="{FA78E071-BDC1-3B46-B212-9291B0AA35EF}"/>
-              </a:ext>
-            </a:extLst>
-          </p:cNvPr>
-          <p:cNvSpPr/>
-          <p:nvPr/>
-        </p:nvSpPr>
-        <p:spPr>
-          <a:xfrm>
-            <a:off x="1904625" y="4949264"/>
-            <a:ext cx="209862" cy="236961"/>
-          </a:xfrm>
-          <a:prstGeom prst="rect">
-            <a:avLst/>
-          </a:prstGeom>
-          <a:solidFill>
-            <a:schemeClr val="accent4">
-              <a:lumMod val="60000"/>
-              <a:lumOff val="40000"/>
-            </a:schemeClr>
-          </a:solidFill>
-        </p:spPr>
-        <p:style>
-          <a:lnRef idx="2">
-            <a:schemeClr val="accent1">
-              <a:shade val="50000"/>
-            </a:schemeClr>
-          </a:lnRef>
-          <a:fillRef idx="1">
-            <a:schemeClr val="accent1"/>
-          </a:fillRef>
-          <a:effectRef idx="0">
-            <a:schemeClr val="accent1"/>
-          </a:effectRef>
-          <a:fontRef idx="minor">
-            <a:schemeClr val="lt1"/>
-          </a:fontRef>
-        </p:style>
-        <p:txBody>
-          <a:bodyPr rtlCol="0" anchor="ctr"/>
-          <a:lstStyle/>
-          <a:p>
-            <a:pPr algn="ctr"/>
-            <a:endParaRPr lang="en-US"/>
-          </a:p>
-        </p:txBody>
-      </p:sp>
-      <p:sp>
-        <p:nvSpPr>
-          <p:cNvPr id="12" name="Rectangle 11">
-            <a:extLst>
-              <a:ext uri="{FF2B5EF4-FFF2-40B4-BE49-F238E27FC236}">
-                <a16:creationId xmlns:a16="http://schemas.microsoft.com/office/drawing/2014/main" id="{172E42C9-54CC-AF48-8813-2AE2C3F64044}"/>
-              </a:ext>
-            </a:extLst>
-          </p:cNvPr>
-          <p:cNvSpPr/>
-          <p:nvPr/>
-        </p:nvSpPr>
-        <p:spPr>
-          <a:xfrm>
-            <a:off x="2110474" y="4325171"/>
-            <a:ext cx="209862" cy="236961"/>
-          </a:xfrm>
-          <a:prstGeom prst="rect">
-            <a:avLst/>
-          </a:prstGeom>
-          <a:solidFill>
-            <a:schemeClr val="accent4">
-              <a:lumMod val="60000"/>
-              <a:lumOff val="40000"/>
-            </a:schemeClr>
-          </a:solidFill>
-        </p:spPr>
-        <p:style>
-          <a:lnRef idx="2">
-            <a:schemeClr val="accent1">
-              <a:shade val="50000"/>
-            </a:schemeClr>
-          </a:lnRef>
-          <a:fillRef idx="1">
-            <a:schemeClr val="accent1"/>
-          </a:fillRef>
-          <a:effectRef idx="0">
-            <a:schemeClr val="accent1"/>
-          </a:effectRef>
-          <a:fontRef idx="minor">
-            <a:schemeClr val="lt1"/>
-          </a:fontRef>
-        </p:style>
-        <p:txBody>
-          <a:bodyPr rtlCol="0" anchor="ctr"/>
-          <a:lstStyle/>
-          <a:p>
-            <a:pPr algn="ctr"/>
-            <a:endParaRPr lang="en-US"/>
-          </a:p>
-        </p:txBody>
-      </p:sp>
-      <p:sp>
-        <p:nvSpPr>
-          <p:cNvPr id="13" name="Rectangle 12">
-            <a:extLst>
-              <a:ext uri="{FF2B5EF4-FFF2-40B4-BE49-F238E27FC236}">
-                <a16:creationId xmlns:a16="http://schemas.microsoft.com/office/drawing/2014/main" id="{BA54F4B5-3583-224A-BAD3-6F67007D3513}"/>
-              </a:ext>
-            </a:extLst>
-          </p:cNvPr>
-          <p:cNvSpPr/>
-          <p:nvPr/>
-        </p:nvSpPr>
-        <p:spPr>
-          <a:xfrm>
-            <a:off x="3087718" y="4481603"/>
-            <a:ext cx="209862" cy="236961"/>
-          </a:xfrm>
-          <a:prstGeom prst="rect">
-            <a:avLst/>
-          </a:prstGeom>
-          <a:solidFill>
-            <a:schemeClr val="accent4">
-              <a:lumMod val="60000"/>
-              <a:lumOff val="40000"/>
-            </a:schemeClr>
-          </a:solidFill>
-        </p:spPr>
-        <p:style>
-          <a:lnRef idx="2">
-            <a:schemeClr val="accent1">
-              <a:shade val="50000"/>
-            </a:schemeClr>
-          </a:lnRef>
-          <a:fillRef idx="1">
-            <a:schemeClr val="accent1"/>
-          </a:fillRef>
-          <a:effectRef idx="0">
-            <a:schemeClr val="accent1"/>
-          </a:effectRef>
-          <a:fontRef idx="minor">
-            <a:schemeClr val="lt1"/>
-          </a:fontRef>
-        </p:style>
-        <p:txBody>
-          <a:bodyPr rtlCol="0" anchor="ctr"/>
-          <a:lstStyle/>
-          <a:p>
-            <a:pPr algn="ctr"/>
-            <a:endParaRPr lang="en-US"/>
-          </a:p>
-        </p:txBody>
-      </p:sp>
-      <p:sp>
-        <p:nvSpPr>
-          <p:cNvPr id="14" name="Rectangle 13">
-            <a:extLst>
-              <a:ext uri="{FF2B5EF4-FFF2-40B4-BE49-F238E27FC236}">
-                <a16:creationId xmlns:a16="http://schemas.microsoft.com/office/drawing/2014/main" id="{A7074D2A-9096-C14D-BD0B-F45EAE5FAA33}"/>
-              </a:ext>
-            </a:extLst>
-          </p:cNvPr>
-          <p:cNvSpPr/>
-          <p:nvPr/>
-        </p:nvSpPr>
-        <p:spPr>
-          <a:xfrm>
-            <a:off x="3223761" y="5208896"/>
-            <a:ext cx="209862" cy="236961"/>
-          </a:xfrm>
-          <a:prstGeom prst="rect">
-            <a:avLst/>
-          </a:prstGeom>
-          <a:solidFill>
-            <a:schemeClr val="accent4">
-              <a:lumMod val="60000"/>
-              <a:lumOff val="40000"/>
-            </a:schemeClr>
-          </a:solidFill>
-        </p:spPr>
-        <p:style>
-          <a:lnRef idx="2">
-            <a:schemeClr val="accent1">
-              <a:shade val="50000"/>
-            </a:schemeClr>
-          </a:lnRef>
-          <a:fillRef idx="1">
-            <a:schemeClr val="accent1"/>
-          </a:fillRef>
-          <a:effectRef idx="0">
-            <a:schemeClr val="accent1"/>
-          </a:effectRef>
-          <a:fontRef idx="minor">
-            <a:schemeClr val="lt1"/>
-          </a:fontRef>
-        </p:style>
-        <p:txBody>
-          <a:bodyPr rtlCol="0" anchor="ctr"/>
-          <a:lstStyle/>
-          <a:p>
-            <a:pPr algn="ctr"/>
-            <a:endParaRPr lang="en-US"/>
-          </a:p>
-        </p:txBody>
-      </p:sp>
-      <p:sp>
-        <p:nvSpPr>
-          <p:cNvPr id="15" name="Rectangle 14">
-            <a:extLst>
-              <a:ext uri="{FF2B5EF4-FFF2-40B4-BE49-F238E27FC236}">
-                <a16:creationId xmlns:a16="http://schemas.microsoft.com/office/drawing/2014/main" id="{AA728831-8846-1045-800A-B039824DBB8C}"/>
-              </a:ext>
-            </a:extLst>
-          </p:cNvPr>
-          <p:cNvSpPr/>
-          <p:nvPr/>
-        </p:nvSpPr>
-        <p:spPr>
-          <a:xfrm>
-            <a:off x="2320336" y="5537753"/>
-            <a:ext cx="209862" cy="236961"/>
-          </a:xfrm>
-          <a:prstGeom prst="rect">
-            <a:avLst/>
-          </a:prstGeom>
-          <a:solidFill>
-            <a:schemeClr val="accent4">
-              <a:lumMod val="60000"/>
-              <a:lumOff val="40000"/>
-            </a:schemeClr>
-          </a:solidFill>
-        </p:spPr>
-        <p:style>
-          <a:lnRef idx="2">
-            <a:schemeClr val="accent1">
-              <a:shade val="50000"/>
-            </a:schemeClr>
-          </a:lnRef>
-          <a:fillRef idx="1">
-            <a:schemeClr val="accent1"/>
-          </a:fillRef>
-          <a:effectRef idx="0">
-            <a:schemeClr val="accent1"/>
-          </a:effectRef>
-          <a:fontRef idx="minor">
-            <a:schemeClr val="lt1"/>
-          </a:fontRef>
-        </p:style>
-        <p:txBody>
-          <a:bodyPr rtlCol="0" anchor="ctr"/>
-          <a:lstStyle/>
-          <a:p>
-            <a:pPr algn="ctr"/>
-            <a:endParaRPr lang="en-US"/>
-          </a:p>
-        </p:txBody>
-      </p:sp>
-      <p:sp>
-        <p:nvSpPr>
-          <p:cNvPr id="16" name="Oval 15">
-            <a:extLst>
-              <a:ext uri="{FF2B5EF4-FFF2-40B4-BE49-F238E27FC236}">
-                <a16:creationId xmlns:a16="http://schemas.microsoft.com/office/drawing/2014/main" id="{57ADE588-7EA0-6642-A461-AA4CB9091821}"/>
-              </a:ext>
-            </a:extLst>
-          </p:cNvPr>
-          <p:cNvSpPr/>
-          <p:nvPr/>
-        </p:nvSpPr>
-        <p:spPr>
-          <a:xfrm>
-            <a:off x="1759173" y="4472440"/>
-            <a:ext cx="500765" cy="505612"/>
-          </a:xfrm>
-          <a:prstGeom prst="ellipse">
-            <a:avLst/>
-          </a:prstGeom>
-          <a:noFill/>
-          <a:ln w="38100">
-            <a:solidFill>
-              <a:srgbClr val="FF0000"/>
-            </a:solidFill>
-          </a:ln>
-        </p:spPr>
-        <p:style>
-          <a:lnRef idx="2">
-            <a:schemeClr val="accent1">
-              <a:shade val="50000"/>
-            </a:schemeClr>
-          </a:lnRef>
-          <a:fillRef idx="1">
-            <a:schemeClr val="accent1"/>
-          </a:fillRef>
-          <a:effectRef idx="0">
-            <a:schemeClr val="accent1"/>
-          </a:effectRef>
-          <a:fontRef idx="minor">
-            <a:schemeClr val="lt1"/>
-          </a:fontRef>
-        </p:style>
-        <p:txBody>
-          <a:bodyPr rtlCol="0" anchor="ctr"/>
-          <a:lstStyle/>
-          <a:p>
-            <a:pPr algn="ctr"/>
-            <a:endParaRPr lang="en-US"/>
-          </a:p>
-        </p:txBody>
-      </p:sp>
-      <p:sp>
-        <p:nvSpPr>
-          <p:cNvPr id="17" name="Oval 16">
-            <a:extLst>
-              <a:ext uri="{FF2B5EF4-FFF2-40B4-BE49-F238E27FC236}">
-                <a16:creationId xmlns:a16="http://schemas.microsoft.com/office/drawing/2014/main" id="{C98D80FD-A3D1-BE46-99F8-23A5439CBE61}"/>
-              </a:ext>
-            </a:extLst>
-          </p:cNvPr>
-          <p:cNvSpPr/>
-          <p:nvPr/>
-        </p:nvSpPr>
-        <p:spPr>
-          <a:xfrm>
-            <a:off x="1792728" y="5179212"/>
-            <a:ext cx="500765" cy="505612"/>
-          </a:xfrm>
-          <a:prstGeom prst="ellipse">
-            <a:avLst/>
-          </a:prstGeom>
-          <a:noFill/>
-          <a:ln w="38100">
-            <a:solidFill>
-              <a:srgbClr val="FF0000"/>
-            </a:solidFill>
-          </a:ln>
-        </p:spPr>
-        <p:style>
-          <a:lnRef idx="2">
-            <a:schemeClr val="accent1">
-              <a:shade val="50000"/>
-            </a:schemeClr>
-          </a:lnRef>
-          <a:fillRef idx="1">
-            <a:schemeClr val="accent1"/>
-          </a:fillRef>
-          <a:effectRef idx="0">
-            <a:schemeClr val="accent1"/>
-          </a:effectRef>
-          <a:fontRef idx="minor">
-            <a:schemeClr val="lt1"/>
-          </a:fontRef>
-        </p:style>
-        <p:txBody>
-          <a:bodyPr rtlCol="0" anchor="ctr"/>
-          <a:lstStyle/>
-          <a:p>
-            <a:pPr algn="ctr"/>
-            <a:endParaRPr lang="en-US"/>
-          </a:p>
-        </p:txBody>
-      </p:sp>
-    </p:spTree>
-    <p:extLst>
-      <p:ext uri="{BB962C8B-B14F-4D97-AF65-F5344CB8AC3E}">
-        <p14:creationId xmlns:p14="http://schemas.microsoft.com/office/powerpoint/2010/main" val="2549718239"/>
+        <p14:creationId xmlns:p14="http://schemas.microsoft.com/office/powerpoint/2010/main" val="35394780"/>
       </p:ext>
     </p:extLst>
   </p:cSld>
